--- a/Day2/Ch03_DataFrames.pptx
+++ b/Day2/Ch03_DataFrames.pptx
@@ -5,10 +5,10 @@
     <p:sldMasterId id="2147483684" r:id="rId5"/>
   </p:sldMasterIdLst>
   <p:notesMasterIdLst>
-    <p:notesMasterId r:id="rId19"/>
+    <p:notesMasterId r:id="rId25"/>
   </p:notesMasterIdLst>
   <p:handoutMasterIdLst>
-    <p:handoutMasterId r:id="rId20"/>
+    <p:handoutMasterId r:id="rId26"/>
   </p:handoutMasterIdLst>
   <p:sldIdLst>
     <p:sldId id="257" r:id="rId6"/>
@@ -21,9 +21,15 @@
     <p:sldId id="384" r:id="rId13"/>
     <p:sldId id="385" r:id="rId14"/>
     <p:sldId id="386" r:id="rId15"/>
-    <p:sldId id="387" r:id="rId16"/>
-    <p:sldId id="388" r:id="rId17"/>
-    <p:sldId id="389" r:id="rId18"/>
+    <p:sldId id="390" r:id="rId16"/>
+    <p:sldId id="391" r:id="rId17"/>
+    <p:sldId id="387" r:id="rId18"/>
+    <p:sldId id="392" r:id="rId19"/>
+    <p:sldId id="388" r:id="rId20"/>
+    <p:sldId id="389" r:id="rId21"/>
+    <p:sldId id="393" r:id="rId22"/>
+    <p:sldId id="394" r:id="rId23"/>
+    <p:sldId id="395" r:id="rId24"/>
   </p:sldIdLst>
   <p:sldSz cx="9144000" cy="6858000" type="screen4x3"/>
   <p:notesSz cx="7053263" cy="9356725"/>
@@ -1339,7 +1345,7 @@
     </p:spTree>
     <p:extLst>
       <p:ext uri="{BB962C8B-B14F-4D97-AF65-F5344CB8AC3E}">
-        <p14:creationId xmlns:p14="http://schemas.microsoft.com/office/powerpoint/2010/main" val="794429953"/>
+        <p14:creationId xmlns:p14="http://schemas.microsoft.com/office/powerpoint/2010/main" val="853640975"/>
       </p:ext>
     </p:extLst>
   </p:cSld>
@@ -1405,7 +1411,7 @@
     </p:spTree>
     <p:extLst>
       <p:ext uri="{BB962C8B-B14F-4D97-AF65-F5344CB8AC3E}">
-        <p14:creationId xmlns:p14="http://schemas.microsoft.com/office/powerpoint/2010/main" val="2295050529"/>
+        <p14:creationId xmlns:p14="http://schemas.microsoft.com/office/powerpoint/2010/main" val="4218588521"/>
       </p:ext>
     </p:extLst>
   </p:cSld>
@@ -1471,7 +1477,403 @@
     </p:spTree>
     <p:extLst>
       <p:ext uri="{BB962C8B-B14F-4D97-AF65-F5344CB8AC3E}">
+        <p14:creationId xmlns:p14="http://schemas.microsoft.com/office/powerpoint/2010/main" val="794429953"/>
+      </p:ext>
+    </p:extLst>
+  </p:cSld>
+  <p:clrMapOvr>
+    <a:masterClrMapping/>
+  </p:clrMapOvr>
+</p:notes>
+</file>
+
+<file path=ppt/notesSlides/notesSlide14.xml><?xml version="1.0" encoding="utf-8"?>
+<p:notes xmlns:a="http://schemas.openxmlformats.org/drawingml/2006/main" xmlns:r="http://schemas.openxmlformats.org/officeDocument/2006/relationships" xmlns:p="http://schemas.openxmlformats.org/presentationml/2006/main">
+  <p:cSld>
+    <p:spTree>
+      <p:nvGrpSpPr>
+        <p:cNvPr id="1" name=""/>
+        <p:cNvGrpSpPr/>
+        <p:nvPr/>
+      </p:nvGrpSpPr>
+      <p:grpSpPr>
+        <a:xfrm>
+          <a:off x="0" y="0"/>
+          <a:ext cx="0" cy="0"/>
+          <a:chOff x="0" y="0"/>
+          <a:chExt cx="0" cy="0"/>
+        </a:xfrm>
+      </p:grpSpPr>
+      <p:sp>
+        <p:nvSpPr>
+          <p:cNvPr id="2" name="Slide Image Placeholder 1"/>
+          <p:cNvSpPr>
+            <a:spLocks noGrp="1" noRot="1" noChangeAspect="1"/>
+          </p:cNvSpPr>
+          <p:nvPr>
+            <p:ph type="sldImg"/>
+          </p:nvPr>
+        </p:nvSpPr>
+        <p:spPr>
+          <a:xfrm>
+            <a:off x="1189038" y="701675"/>
+            <a:ext cx="4676775" cy="3508375"/>
+          </a:xfrm>
+        </p:spPr>
+      </p:sp>
+      <p:sp>
+        <p:nvSpPr>
+          <p:cNvPr id="3" name="Notes Placeholder 2"/>
+          <p:cNvSpPr>
+            <a:spLocks noGrp="1"/>
+          </p:cNvSpPr>
+          <p:nvPr>
+            <p:ph type="body" idx="1"/>
+          </p:nvPr>
+        </p:nvSpPr>
+        <p:spPr/>
+        <p:txBody>
+          <a:bodyPr/>
+          <a:lstStyle/>
+          <a:p>
+            <a:endParaRPr lang="en-US" dirty="0"/>
+          </a:p>
+        </p:txBody>
+      </p:sp>
+    </p:spTree>
+    <p:extLst>
+      <p:ext uri="{BB962C8B-B14F-4D97-AF65-F5344CB8AC3E}">
+        <p14:creationId xmlns:p14="http://schemas.microsoft.com/office/powerpoint/2010/main" val="1236487229"/>
+      </p:ext>
+    </p:extLst>
+  </p:cSld>
+  <p:clrMapOvr>
+    <a:masterClrMapping/>
+  </p:clrMapOvr>
+</p:notes>
+</file>
+
+<file path=ppt/notesSlides/notesSlide15.xml><?xml version="1.0" encoding="utf-8"?>
+<p:notes xmlns:a="http://schemas.openxmlformats.org/drawingml/2006/main" xmlns:r="http://schemas.openxmlformats.org/officeDocument/2006/relationships" xmlns:p="http://schemas.openxmlformats.org/presentationml/2006/main">
+  <p:cSld>
+    <p:spTree>
+      <p:nvGrpSpPr>
+        <p:cNvPr id="1" name=""/>
+        <p:cNvGrpSpPr/>
+        <p:nvPr/>
+      </p:nvGrpSpPr>
+      <p:grpSpPr>
+        <a:xfrm>
+          <a:off x="0" y="0"/>
+          <a:ext cx="0" cy="0"/>
+          <a:chOff x="0" y="0"/>
+          <a:chExt cx="0" cy="0"/>
+        </a:xfrm>
+      </p:grpSpPr>
+      <p:sp>
+        <p:nvSpPr>
+          <p:cNvPr id="2" name="Slide Image Placeholder 1"/>
+          <p:cNvSpPr>
+            <a:spLocks noGrp="1" noRot="1" noChangeAspect="1"/>
+          </p:cNvSpPr>
+          <p:nvPr>
+            <p:ph type="sldImg"/>
+          </p:nvPr>
+        </p:nvSpPr>
+        <p:spPr>
+          <a:xfrm>
+            <a:off x="1189038" y="701675"/>
+            <a:ext cx="4676775" cy="3508375"/>
+          </a:xfrm>
+        </p:spPr>
+      </p:sp>
+      <p:sp>
+        <p:nvSpPr>
+          <p:cNvPr id="3" name="Notes Placeholder 2"/>
+          <p:cNvSpPr>
+            <a:spLocks noGrp="1"/>
+          </p:cNvSpPr>
+          <p:nvPr>
+            <p:ph type="body" idx="1"/>
+          </p:nvPr>
+        </p:nvSpPr>
+        <p:spPr/>
+        <p:txBody>
+          <a:bodyPr/>
+          <a:lstStyle/>
+          <a:p>
+            <a:endParaRPr lang="en-US" dirty="0"/>
+          </a:p>
+        </p:txBody>
+      </p:sp>
+    </p:spTree>
+    <p:extLst>
+      <p:ext uri="{BB962C8B-B14F-4D97-AF65-F5344CB8AC3E}">
+        <p14:creationId xmlns:p14="http://schemas.microsoft.com/office/powerpoint/2010/main" val="2295050529"/>
+      </p:ext>
+    </p:extLst>
+  </p:cSld>
+  <p:clrMapOvr>
+    <a:masterClrMapping/>
+  </p:clrMapOvr>
+</p:notes>
+</file>
+
+<file path=ppt/notesSlides/notesSlide16.xml><?xml version="1.0" encoding="utf-8"?>
+<p:notes xmlns:a="http://schemas.openxmlformats.org/drawingml/2006/main" xmlns:r="http://schemas.openxmlformats.org/officeDocument/2006/relationships" xmlns:p="http://schemas.openxmlformats.org/presentationml/2006/main">
+  <p:cSld>
+    <p:spTree>
+      <p:nvGrpSpPr>
+        <p:cNvPr id="1" name=""/>
+        <p:cNvGrpSpPr/>
+        <p:nvPr/>
+      </p:nvGrpSpPr>
+      <p:grpSpPr>
+        <a:xfrm>
+          <a:off x="0" y="0"/>
+          <a:ext cx="0" cy="0"/>
+          <a:chOff x="0" y="0"/>
+          <a:chExt cx="0" cy="0"/>
+        </a:xfrm>
+      </p:grpSpPr>
+      <p:sp>
+        <p:nvSpPr>
+          <p:cNvPr id="2" name="Slide Image Placeholder 1"/>
+          <p:cNvSpPr>
+            <a:spLocks noGrp="1" noRot="1" noChangeAspect="1"/>
+          </p:cNvSpPr>
+          <p:nvPr>
+            <p:ph type="sldImg"/>
+          </p:nvPr>
+        </p:nvSpPr>
+        <p:spPr>
+          <a:xfrm>
+            <a:off x="1189038" y="701675"/>
+            <a:ext cx="4676775" cy="3508375"/>
+          </a:xfrm>
+        </p:spPr>
+      </p:sp>
+      <p:sp>
+        <p:nvSpPr>
+          <p:cNvPr id="3" name="Notes Placeholder 2"/>
+          <p:cNvSpPr>
+            <a:spLocks noGrp="1"/>
+          </p:cNvSpPr>
+          <p:nvPr>
+            <p:ph type="body" idx="1"/>
+          </p:nvPr>
+        </p:nvSpPr>
+        <p:spPr/>
+        <p:txBody>
+          <a:bodyPr/>
+          <a:lstStyle/>
+          <a:p>
+            <a:endParaRPr lang="en-US" dirty="0"/>
+          </a:p>
+        </p:txBody>
+      </p:sp>
+    </p:spTree>
+    <p:extLst>
+      <p:ext uri="{BB962C8B-B14F-4D97-AF65-F5344CB8AC3E}">
         <p14:creationId xmlns:p14="http://schemas.microsoft.com/office/powerpoint/2010/main" val="3995392634"/>
+      </p:ext>
+    </p:extLst>
+  </p:cSld>
+  <p:clrMapOvr>
+    <a:masterClrMapping/>
+  </p:clrMapOvr>
+</p:notes>
+</file>
+
+<file path=ppt/notesSlides/notesSlide17.xml><?xml version="1.0" encoding="utf-8"?>
+<p:notes xmlns:a="http://schemas.openxmlformats.org/drawingml/2006/main" xmlns:r="http://schemas.openxmlformats.org/officeDocument/2006/relationships" xmlns:p="http://schemas.openxmlformats.org/presentationml/2006/main">
+  <p:cSld>
+    <p:spTree>
+      <p:nvGrpSpPr>
+        <p:cNvPr id="1" name=""/>
+        <p:cNvGrpSpPr/>
+        <p:nvPr/>
+      </p:nvGrpSpPr>
+      <p:grpSpPr>
+        <a:xfrm>
+          <a:off x="0" y="0"/>
+          <a:ext cx="0" cy="0"/>
+          <a:chOff x="0" y="0"/>
+          <a:chExt cx="0" cy="0"/>
+        </a:xfrm>
+      </p:grpSpPr>
+      <p:sp>
+        <p:nvSpPr>
+          <p:cNvPr id="2" name="Slide Image Placeholder 1"/>
+          <p:cNvSpPr>
+            <a:spLocks noGrp="1" noRot="1" noChangeAspect="1"/>
+          </p:cNvSpPr>
+          <p:nvPr>
+            <p:ph type="sldImg"/>
+          </p:nvPr>
+        </p:nvSpPr>
+        <p:spPr>
+          <a:xfrm>
+            <a:off x="1189038" y="701675"/>
+            <a:ext cx="4676775" cy="3508375"/>
+          </a:xfrm>
+        </p:spPr>
+      </p:sp>
+      <p:sp>
+        <p:nvSpPr>
+          <p:cNvPr id="3" name="Notes Placeholder 2"/>
+          <p:cNvSpPr>
+            <a:spLocks noGrp="1"/>
+          </p:cNvSpPr>
+          <p:nvPr>
+            <p:ph type="body" idx="1"/>
+          </p:nvPr>
+        </p:nvSpPr>
+        <p:spPr/>
+        <p:txBody>
+          <a:bodyPr/>
+          <a:lstStyle/>
+          <a:p>
+            <a:endParaRPr lang="en-US" dirty="0"/>
+          </a:p>
+        </p:txBody>
+      </p:sp>
+    </p:spTree>
+    <p:extLst>
+      <p:ext uri="{BB962C8B-B14F-4D97-AF65-F5344CB8AC3E}">
+        <p14:creationId xmlns:p14="http://schemas.microsoft.com/office/powerpoint/2010/main" val="2948521499"/>
+      </p:ext>
+    </p:extLst>
+  </p:cSld>
+  <p:clrMapOvr>
+    <a:masterClrMapping/>
+  </p:clrMapOvr>
+</p:notes>
+</file>
+
+<file path=ppt/notesSlides/notesSlide18.xml><?xml version="1.0" encoding="utf-8"?>
+<p:notes xmlns:a="http://schemas.openxmlformats.org/drawingml/2006/main" xmlns:r="http://schemas.openxmlformats.org/officeDocument/2006/relationships" xmlns:p="http://schemas.openxmlformats.org/presentationml/2006/main">
+  <p:cSld>
+    <p:spTree>
+      <p:nvGrpSpPr>
+        <p:cNvPr id="1" name=""/>
+        <p:cNvGrpSpPr/>
+        <p:nvPr/>
+      </p:nvGrpSpPr>
+      <p:grpSpPr>
+        <a:xfrm>
+          <a:off x="0" y="0"/>
+          <a:ext cx="0" cy="0"/>
+          <a:chOff x="0" y="0"/>
+          <a:chExt cx="0" cy="0"/>
+        </a:xfrm>
+      </p:grpSpPr>
+      <p:sp>
+        <p:nvSpPr>
+          <p:cNvPr id="2" name="Slide Image Placeholder 1"/>
+          <p:cNvSpPr>
+            <a:spLocks noGrp="1" noRot="1" noChangeAspect="1"/>
+          </p:cNvSpPr>
+          <p:nvPr>
+            <p:ph type="sldImg"/>
+          </p:nvPr>
+        </p:nvSpPr>
+        <p:spPr>
+          <a:xfrm>
+            <a:off x="1189038" y="701675"/>
+            <a:ext cx="4676775" cy="3508375"/>
+          </a:xfrm>
+        </p:spPr>
+      </p:sp>
+      <p:sp>
+        <p:nvSpPr>
+          <p:cNvPr id="3" name="Notes Placeholder 2"/>
+          <p:cNvSpPr>
+            <a:spLocks noGrp="1"/>
+          </p:cNvSpPr>
+          <p:nvPr>
+            <p:ph type="body" idx="1"/>
+          </p:nvPr>
+        </p:nvSpPr>
+        <p:spPr/>
+        <p:txBody>
+          <a:bodyPr/>
+          <a:lstStyle/>
+          <a:p>
+            <a:endParaRPr lang="en-US" dirty="0"/>
+          </a:p>
+        </p:txBody>
+      </p:sp>
+    </p:spTree>
+    <p:extLst>
+      <p:ext uri="{BB962C8B-B14F-4D97-AF65-F5344CB8AC3E}">
+        <p14:creationId xmlns:p14="http://schemas.microsoft.com/office/powerpoint/2010/main" val="1884008156"/>
+      </p:ext>
+    </p:extLst>
+  </p:cSld>
+  <p:clrMapOvr>
+    <a:masterClrMapping/>
+  </p:clrMapOvr>
+</p:notes>
+</file>
+
+<file path=ppt/notesSlides/notesSlide19.xml><?xml version="1.0" encoding="utf-8"?>
+<p:notes xmlns:a="http://schemas.openxmlformats.org/drawingml/2006/main" xmlns:r="http://schemas.openxmlformats.org/officeDocument/2006/relationships" xmlns:p="http://schemas.openxmlformats.org/presentationml/2006/main">
+  <p:cSld>
+    <p:spTree>
+      <p:nvGrpSpPr>
+        <p:cNvPr id="1" name=""/>
+        <p:cNvGrpSpPr/>
+        <p:nvPr/>
+      </p:nvGrpSpPr>
+      <p:grpSpPr>
+        <a:xfrm>
+          <a:off x="0" y="0"/>
+          <a:ext cx="0" cy="0"/>
+          <a:chOff x="0" y="0"/>
+          <a:chExt cx="0" cy="0"/>
+        </a:xfrm>
+      </p:grpSpPr>
+      <p:sp>
+        <p:nvSpPr>
+          <p:cNvPr id="7" name="Slide Image Placeholder 6"/>
+          <p:cNvSpPr>
+            <a:spLocks noGrp="1" noRot="1" noChangeAspect="1"/>
+          </p:cNvSpPr>
+          <p:nvPr>
+            <p:ph type="sldImg"/>
+          </p:nvPr>
+        </p:nvSpPr>
+        <p:spPr>
+          <a:xfrm>
+            <a:off x="1189038" y="701675"/>
+            <a:ext cx="4676775" cy="3508375"/>
+          </a:xfrm>
+        </p:spPr>
+      </p:sp>
+      <p:sp>
+        <p:nvSpPr>
+          <p:cNvPr id="8" name="Notes Placeholder 7"/>
+          <p:cNvSpPr>
+            <a:spLocks noGrp="1"/>
+          </p:cNvSpPr>
+          <p:nvPr>
+            <p:ph type="body" idx="1"/>
+          </p:nvPr>
+        </p:nvSpPr>
+        <p:spPr/>
+        <p:txBody>
+          <a:bodyPr/>
+          <a:lstStyle/>
+          <a:p>
+            <a:endParaRPr lang="en-US" dirty="0"/>
+          </a:p>
+        </p:txBody>
+      </p:sp>
+    </p:spTree>
+    <p:extLst>
+      <p:ext uri="{BB962C8B-B14F-4D97-AF65-F5344CB8AC3E}">
+        <p14:creationId xmlns:p14="http://schemas.microsoft.com/office/powerpoint/2010/main" val="2599506137"/>
       </p:ext>
     </p:extLst>
   </p:cSld>
@@ -7339,96 +7741,204 @@
           <a:p>
             <a:r>
               <a:rPr lang="en-US" dirty="0"/>
-              <a:t>There are many file formats directly supported for reading and writing</a:t>
-            </a:r>
-          </a:p>
-          <a:p>
-            <a:pPr lvl="1"/>
-            <a:r>
-              <a:rPr lang="en-US" dirty="0">
-                <a:latin typeface="Courier New" panose="02070309020205020404" pitchFamily="49" charset="0"/>
-                <a:cs typeface="Courier New" panose="02070309020205020404" pitchFamily="49" charset="0"/>
-              </a:rPr>
-              <a:t>csv</a:t>
-            </a:r>
-          </a:p>
-          <a:p>
-            <a:pPr lvl="1"/>
+              <a:t>The </a:t>
+            </a:r>
+            <a:r>
+              <a:rPr lang="en-US" dirty="0">
+                <a:latin typeface="Courier New" panose="02070309020205020404" pitchFamily="49" charset="0"/>
+                <a:cs typeface="Courier New" panose="02070309020205020404" pitchFamily="49" charset="0"/>
+              </a:rPr>
+              <a:t>sort</a:t>
+            </a:r>
+            <a:r>
+              <a:rPr lang="en-US" dirty="0"/>
+              <a:t> and </a:t>
+            </a:r>
             <a:r>
               <a:rPr lang="en-US" dirty="0" err="1">
                 <a:latin typeface="Courier New" panose="02070309020205020404" pitchFamily="49" charset="0"/>
                 <a:cs typeface="Courier New" panose="02070309020205020404" pitchFamily="49" charset="0"/>
               </a:rPr>
-              <a:t>json</a:t>
-            </a:r>
+              <a:t>orderBy</a:t>
+            </a:r>
+            <a:r>
+              <a:rPr lang="en-US" dirty="0"/>
+              <a:t> methods are different aliases for the same function</a:t>
+            </a:r>
+            <a:br>
+              <a:rPr lang="en-US" dirty="0"/>
+            </a:br>
+            <a:r>
+              <a:rPr lang="en-US" dirty="0" err="1">
+                <a:latin typeface="Courier New" panose="02070309020205020404" pitchFamily="49" charset="0"/>
+                <a:cs typeface="Courier New" panose="02070309020205020404" pitchFamily="49" charset="0"/>
+              </a:rPr>
+              <a:t>df.sort</a:t>
+            </a:r>
+            <a:r>
+              <a:rPr lang="en-US" dirty="0">
+                <a:latin typeface="Courier New" panose="02070309020205020404" pitchFamily="49" charset="0"/>
+                <a:cs typeface="Courier New" panose="02070309020205020404" pitchFamily="49" charset="0"/>
+              </a:rPr>
+              <a:t>(</a:t>
+            </a:r>
+            <a:r>
+              <a:rPr lang="en-US" dirty="0" err="1">
+                <a:latin typeface="Courier New" panose="02070309020205020404" pitchFamily="49" charset="0"/>
+                <a:cs typeface="Courier New" panose="02070309020205020404" pitchFamily="49" charset="0"/>
+              </a:rPr>
+              <a:t>df.Amount</a:t>
+            </a:r>
+            <a:r>
+              <a:rPr lang="en-US" dirty="0">
+                <a:latin typeface="Courier New" panose="02070309020205020404" pitchFamily="49" charset="0"/>
+                <a:cs typeface="Courier New" panose="02070309020205020404" pitchFamily="49" charset="0"/>
+              </a:rPr>
+              <a:t>).show()</a:t>
+            </a:r>
+            <a:endParaRPr lang="en-US" dirty="0"/>
+          </a:p>
+          <a:p>
+            <a:r>
+              <a:rPr lang="en-US" dirty="0"/>
+              <a:t>They sort a </a:t>
+            </a:r>
+            <a:r>
+              <a:rPr lang="en-US" dirty="0" err="1"/>
+              <a:t>DataFrame</a:t>
+            </a:r>
+            <a:r>
+              <a:rPr lang="en-US" dirty="0"/>
+              <a:t> in ascending order or descending order if you pass the </a:t>
+            </a:r>
+            <a:r>
+              <a:rPr lang="en-US" dirty="0">
+                <a:latin typeface="Courier New" panose="02070309020205020404" pitchFamily="49" charset="0"/>
+                <a:cs typeface="Courier New" panose="02070309020205020404" pitchFamily="49" charset="0"/>
+              </a:rPr>
+              <a:t>ascending = False </a:t>
+            </a:r>
+            <a:r>
+              <a:rPr lang="en-US" dirty="0"/>
+              <a:t>parameter</a:t>
+            </a:r>
+            <a:br>
+              <a:rPr lang="en-US" dirty="0"/>
+            </a:br>
+            <a:r>
+              <a:rPr lang="en-US" dirty="0" err="1">
+                <a:latin typeface="Courier New" panose="02070309020205020404" pitchFamily="49" charset="0"/>
+                <a:cs typeface="Courier New" panose="02070309020205020404" pitchFamily="49" charset="0"/>
+              </a:rPr>
+              <a:t>df.sort</a:t>
+            </a:r>
+            <a:r>
+              <a:rPr lang="en-US" dirty="0">
+                <a:latin typeface="Courier New" panose="02070309020205020404" pitchFamily="49" charset="0"/>
+                <a:cs typeface="Courier New" panose="02070309020205020404" pitchFamily="49" charset="0"/>
+              </a:rPr>
+              <a:t>(</a:t>
+            </a:r>
+            <a:r>
+              <a:rPr lang="en-US" dirty="0" err="1">
+                <a:latin typeface="Courier New" panose="02070309020205020404" pitchFamily="49" charset="0"/>
+                <a:cs typeface="Courier New" panose="02070309020205020404" pitchFamily="49" charset="0"/>
+              </a:rPr>
+              <a:t>df.Amount</a:t>
+            </a:r>
+            <a:r>
+              <a:rPr lang="en-US" dirty="0">
+                <a:latin typeface="Courier New" panose="02070309020205020404" pitchFamily="49" charset="0"/>
+                <a:cs typeface="Courier New" panose="02070309020205020404" pitchFamily="49" charset="0"/>
+              </a:rPr>
+              <a:t>, ascending = False).show()</a:t>
+            </a:r>
+          </a:p>
+          <a:p>
+            <a:r>
+              <a:rPr lang="en-US" dirty="0"/>
+              <a:t>You can sort on multiple columns</a:t>
+            </a:r>
+            <a:br>
+              <a:rPr lang="en-US" dirty="0"/>
+            </a:br>
+            <a:r>
+              <a:rPr lang="en-US" dirty="0" err="1">
+                <a:latin typeface="Courier New" panose="02070309020205020404" pitchFamily="49" charset="0"/>
+                <a:cs typeface="Courier New" panose="02070309020205020404" pitchFamily="49" charset="0"/>
+              </a:rPr>
+              <a:t>df.select</a:t>
+            </a:r>
+            <a:r>
+              <a:rPr lang="en-US" dirty="0">
+                <a:latin typeface="Courier New" panose="02070309020205020404" pitchFamily="49" charset="0"/>
+                <a:cs typeface="Courier New" panose="02070309020205020404" pitchFamily="49" charset="0"/>
+              </a:rPr>
+              <a:t>('City', 'Amount').</a:t>
+            </a:r>
+            <a:r>
+              <a:rPr lang="en-US" dirty="0" err="1">
+                <a:latin typeface="Courier New" panose="02070309020205020404" pitchFamily="49" charset="0"/>
+                <a:cs typeface="Courier New" panose="02070309020205020404" pitchFamily="49" charset="0"/>
+              </a:rPr>
+              <a:t>orderBy</a:t>
+            </a:r>
+            <a:r>
+              <a:rPr lang="en-US" dirty="0">
+                <a:latin typeface="Courier New" panose="02070309020205020404" pitchFamily="49" charset="0"/>
+                <a:cs typeface="Courier New" panose="02070309020205020404" pitchFamily="49" charset="0"/>
+              </a:rPr>
+              <a:t>(</a:t>
+            </a:r>
+            <a:r>
+              <a:rPr lang="en-US" dirty="0" err="1">
+                <a:latin typeface="Courier New" panose="02070309020205020404" pitchFamily="49" charset="0"/>
+                <a:cs typeface="Courier New" panose="02070309020205020404" pitchFamily="49" charset="0"/>
+              </a:rPr>
+              <a:t>df.City</a:t>
+            </a:r>
+            <a:r>
+              <a:rPr lang="en-US" dirty="0">
+                <a:latin typeface="Courier New" panose="02070309020205020404" pitchFamily="49" charset="0"/>
+                <a:cs typeface="Courier New" panose="02070309020205020404" pitchFamily="49" charset="0"/>
+              </a:rPr>
+              <a:t>, </a:t>
+            </a:r>
+            <a:r>
+              <a:rPr lang="en-US" dirty="0" err="1">
+                <a:latin typeface="Courier New" panose="02070309020205020404" pitchFamily="49" charset="0"/>
+                <a:cs typeface="Courier New" panose="02070309020205020404" pitchFamily="49" charset="0"/>
+              </a:rPr>
+              <a:t>df.Amount</a:t>
+            </a:r>
+            <a:r>
+              <a:rPr lang="en-US" dirty="0">
+                <a:latin typeface="Courier New" panose="02070309020205020404" pitchFamily="49" charset="0"/>
+                <a:cs typeface="Courier New" panose="02070309020205020404" pitchFamily="49" charset="0"/>
+              </a:rPr>
+              <a:t>).show()</a:t>
+            </a:r>
+          </a:p>
+          <a:p>
+            <a:r>
+              <a:rPr lang="en-US" dirty="0"/>
+              <a:t>Custom sort functions can use the </a:t>
+            </a:r>
+            <a:r>
+              <a:rPr lang="en-US" dirty="0" err="1"/>
+              <a:t>withColumn</a:t>
+            </a:r>
+            <a:r>
+              <a:rPr lang="en-US" dirty="0"/>
+              <a:t> method</a:t>
+            </a:r>
+            <a:br>
+              <a:rPr lang="en-US" dirty="0"/>
+            </a:br>
             <a:endParaRPr lang="en-US" dirty="0">
               <a:latin typeface="Courier New" panose="02070309020205020404" pitchFamily="49" charset="0"/>
               <a:cs typeface="Courier New" panose="02070309020205020404" pitchFamily="49" charset="0"/>
             </a:endParaRPr>
-          </a:p>
-          <a:p>
-            <a:pPr lvl="1"/>
-            <a:r>
-              <a:rPr lang="en-US" dirty="0">
-                <a:latin typeface="Courier New" panose="02070309020205020404" pitchFamily="49" charset="0"/>
-                <a:cs typeface="Courier New" panose="02070309020205020404" pitchFamily="49" charset="0"/>
-              </a:rPr>
-              <a:t>orc</a:t>
-            </a:r>
-          </a:p>
-          <a:p>
-            <a:pPr lvl="1"/>
-            <a:r>
-              <a:rPr lang="en-US" dirty="0">
-                <a:latin typeface="Courier New" panose="02070309020205020404" pitchFamily="49" charset="0"/>
-                <a:cs typeface="Courier New" panose="02070309020205020404" pitchFamily="49" charset="0"/>
-              </a:rPr>
-              <a:t>parquet</a:t>
-            </a:r>
-          </a:p>
-          <a:p>
-            <a:pPr lvl="1"/>
-            <a:r>
-              <a:rPr lang="en-US" dirty="0" err="1">
-                <a:latin typeface="Courier New" panose="02070309020205020404" pitchFamily="49" charset="0"/>
-                <a:cs typeface="Courier New" panose="02070309020205020404" pitchFamily="49" charset="0"/>
-              </a:rPr>
-              <a:t>jdbc</a:t>
-            </a:r>
-            <a:endParaRPr lang="en-US" dirty="0">
-              <a:latin typeface="Courier New" panose="02070309020205020404" pitchFamily="49" charset="0"/>
-              <a:cs typeface="Courier New" panose="02070309020205020404" pitchFamily="49" charset="0"/>
-            </a:endParaRPr>
-          </a:p>
-          <a:p>
-            <a:r>
-              <a:rPr lang="en-US" dirty="0"/>
-              <a:t>Other formats can be loaded using custom java classes</a:t>
-            </a:r>
-          </a:p>
-          <a:p>
-            <a:pPr lvl="1"/>
-            <a:r>
-              <a:rPr lang="en-US" dirty="0"/>
-              <a:t>Cassandra</a:t>
-            </a:r>
-          </a:p>
-          <a:p>
-            <a:pPr lvl="1"/>
-            <a:r>
-              <a:rPr lang="en-US" dirty="0"/>
-              <a:t>Mongo</a:t>
-            </a:r>
-          </a:p>
-          <a:p>
-            <a:pPr lvl="1"/>
-            <a:r>
-              <a:rPr lang="en-US" dirty="0"/>
-              <a:t>HBase</a:t>
-            </a:r>
-          </a:p>
-          <a:p>
-            <a:endParaRPr lang="en-US" dirty="0"/>
           </a:p>
         </p:txBody>
       </p:sp>
@@ -7449,7 +7959,7 @@
           <a:p>
             <a:r>
               <a:rPr lang="en-US" dirty="0"/>
-              <a:t>Reading Files</a:t>
+              <a:t>Sorting</a:t>
             </a:r>
           </a:p>
         </p:txBody>
@@ -7457,7 +7967,7 @@
     </p:spTree>
     <p:extLst>
       <p:ext uri="{BB962C8B-B14F-4D97-AF65-F5344CB8AC3E}">
-        <p14:creationId xmlns:p14="http://schemas.microsoft.com/office/powerpoint/2010/main" val="2762489557"/>
+        <p14:creationId xmlns:p14="http://schemas.microsoft.com/office/powerpoint/2010/main" val="1745008024"/>
       </p:ext>
     </p:extLst>
   </p:cSld>
@@ -7500,140 +8010,60 @@
           <a:lstStyle/>
           <a:p>
             <a:r>
+              <a:rPr lang="en-US" dirty="0" err="1"/>
+              <a:t>DataFrames</a:t>
+            </a:r>
+            <a:r>
               <a:rPr lang="en-US" dirty="0"/>
-              <a:t>There are many different syntaxes that you will see but they all do the same thing</a:t>
-            </a:r>
-          </a:p>
-          <a:p>
-            <a:pPr marL="228600" lvl="1" indent="0">
-              <a:buNone/>
-            </a:pPr>
-            <a:br>
-              <a:rPr lang="en-US" dirty="0">
-                <a:latin typeface="Courier New" panose="02070309020205020404" pitchFamily="49" charset="0"/>
-                <a:cs typeface="Courier New" panose="02070309020205020404" pitchFamily="49" charset="0"/>
-              </a:rPr>
-            </a:br>
-            <a:r>
-              <a:rPr lang="en-US" dirty="0">
-                <a:latin typeface="Courier New" panose="02070309020205020404" pitchFamily="49" charset="0"/>
-                <a:cs typeface="Courier New" panose="02070309020205020404" pitchFamily="49" charset="0"/>
-              </a:rPr>
-              <a:t>filename = '/home/student/ROI/</a:t>
-            </a:r>
-            <a:r>
-              <a:rPr lang="en-US" dirty="0" err="1">
-                <a:latin typeface="Courier New" panose="02070309020205020404" pitchFamily="49" charset="0"/>
-                <a:cs typeface="Courier New" panose="02070309020205020404" pitchFamily="49" charset="0"/>
-              </a:rPr>
-              <a:t>SparkProgram</a:t>
-            </a:r>
-            <a:r>
-              <a:rPr lang="en-US" dirty="0">
-                <a:latin typeface="Courier New" panose="02070309020205020404" pitchFamily="49" charset="0"/>
-                <a:cs typeface="Courier New" panose="02070309020205020404" pitchFamily="49" charset="0"/>
-              </a:rPr>
-              <a:t>/datasets/</a:t>
-            </a:r>
-            <a:br>
-              <a:rPr lang="en-US" dirty="0">
-                <a:latin typeface="Courier New" panose="02070309020205020404" pitchFamily="49" charset="0"/>
-                <a:cs typeface="Courier New" panose="02070309020205020404" pitchFamily="49" charset="0"/>
-              </a:rPr>
-            </a:br>
-            <a:r>
-              <a:rPr lang="en-US" dirty="0">
-                <a:latin typeface="Courier New" panose="02070309020205020404" pitchFamily="49" charset="0"/>
-                <a:cs typeface="Courier New" panose="02070309020205020404" pitchFamily="49" charset="0"/>
-              </a:rPr>
-              <a:t>            finance/</a:t>
-            </a:r>
-            <a:r>
-              <a:rPr lang="en-US" dirty="0" err="1">
-                <a:latin typeface="Courier New" panose="02070309020205020404" pitchFamily="49" charset="0"/>
-                <a:cs typeface="Courier New" panose="02070309020205020404" pitchFamily="49" charset="0"/>
-              </a:rPr>
-              <a:t>CreditCard.csv</a:t>
-            </a:r>
-            <a:r>
-              <a:rPr lang="en-US" dirty="0">
-                <a:latin typeface="Courier New" panose="02070309020205020404" pitchFamily="49" charset="0"/>
-                <a:cs typeface="Courier New" panose="02070309020205020404" pitchFamily="49" charset="0"/>
-              </a:rPr>
-              <a:t>'</a:t>
-            </a:r>
-          </a:p>
-          <a:p>
-            <a:pPr marL="228600" lvl="1" indent="0">
-              <a:buNone/>
-            </a:pPr>
-            <a:br>
-              <a:rPr lang="en-US" dirty="0">
-                <a:latin typeface="Courier New" panose="02070309020205020404" pitchFamily="49" charset="0"/>
-                <a:cs typeface="Courier New" panose="02070309020205020404" pitchFamily="49" charset="0"/>
-              </a:rPr>
-            </a:br>
-            <a:r>
-              <a:rPr lang="en-US" dirty="0">
-                <a:latin typeface="Courier New" panose="02070309020205020404" pitchFamily="49" charset="0"/>
-                <a:cs typeface="Courier New" panose="02070309020205020404" pitchFamily="49" charset="0"/>
-              </a:rPr>
-              <a:t>df4 = </a:t>
-            </a:r>
-            <a:r>
-              <a:rPr lang="en-US" dirty="0" err="1">
-                <a:latin typeface="Courier New" panose="02070309020205020404" pitchFamily="49" charset="0"/>
-                <a:cs typeface="Courier New" panose="02070309020205020404" pitchFamily="49" charset="0"/>
-              </a:rPr>
-              <a:t>spark.read.load</a:t>
-            </a:r>
-            <a:r>
-              <a:rPr lang="en-US" dirty="0">
-                <a:latin typeface="Courier New" panose="02070309020205020404" pitchFamily="49" charset="0"/>
-                <a:cs typeface="Courier New" panose="02070309020205020404" pitchFamily="49" charset="0"/>
-              </a:rPr>
-              <a:t>(filename, format = 'csv', </a:t>
-            </a:r>
-            <a:br>
-              <a:rPr lang="en-US" dirty="0">
-                <a:latin typeface="Courier New" panose="02070309020205020404" pitchFamily="49" charset="0"/>
-                <a:cs typeface="Courier New" panose="02070309020205020404" pitchFamily="49" charset="0"/>
-              </a:rPr>
-            </a:br>
-            <a:r>
-              <a:rPr lang="en-US" dirty="0">
-                <a:latin typeface="Courier New" panose="02070309020205020404" pitchFamily="49" charset="0"/>
-                <a:cs typeface="Courier New" panose="02070309020205020404" pitchFamily="49" charset="0"/>
-              </a:rPr>
-              <a:t>  </a:t>
-            </a:r>
-            <a:r>
-              <a:rPr lang="en-US" dirty="0" err="1">
-                <a:latin typeface="Courier New" panose="02070309020205020404" pitchFamily="49" charset="0"/>
-                <a:cs typeface="Courier New" panose="02070309020205020404" pitchFamily="49" charset="0"/>
-              </a:rPr>
-              <a:t>sep</a:t>
-            </a:r>
-            <a:r>
-              <a:rPr lang="en-US" dirty="0">
-                <a:latin typeface="Courier New" panose="02070309020205020404" pitchFamily="49" charset="0"/>
-                <a:cs typeface="Courier New" panose="02070309020205020404" pitchFamily="49" charset="0"/>
-              </a:rPr>
-              <a:t> = ',', </a:t>
-            </a:r>
-            <a:r>
-              <a:rPr lang="en-US" dirty="0" err="1">
-                <a:latin typeface="Courier New" panose="02070309020205020404" pitchFamily="49" charset="0"/>
-                <a:cs typeface="Courier New" panose="02070309020205020404" pitchFamily="49" charset="0"/>
-              </a:rPr>
-              <a:t>inferSchema</a:t>
-            </a:r>
-            <a:r>
-              <a:rPr lang="en-US" dirty="0">
-                <a:latin typeface="Courier New" panose="02070309020205020404" pitchFamily="49" charset="0"/>
-                <a:cs typeface="Courier New" panose="02070309020205020404" pitchFamily="49" charset="0"/>
-              </a:rPr>
-              <a:t> = True, header = True)</a:t>
+              <a:t> can be joined to other </a:t>
+            </a:r>
+            <a:r>
+              <a:rPr lang="en-US" dirty="0" err="1"/>
+              <a:t>DataFrames</a:t>
+            </a:r>
+            <a:r>
+              <a:rPr lang="en-US" dirty="0"/>
+              <a:t> just as you would in SQL and all the expected types are supported</a:t>
+            </a:r>
+          </a:p>
+          <a:p>
+            <a:pPr lvl="1"/>
+            <a:r>
+              <a:rPr lang="en-US" dirty="0">
+                <a:latin typeface="Courier New" panose="02070309020205020404" pitchFamily="49" charset="0"/>
+                <a:cs typeface="Courier New" panose="02070309020205020404" pitchFamily="49" charset="0"/>
+              </a:rPr>
+              <a:t>INNER</a:t>
+            </a:r>
+          </a:p>
+          <a:p>
+            <a:pPr lvl="1"/>
+            <a:r>
+              <a:rPr lang="en-US" dirty="0">
+                <a:latin typeface="Courier New" panose="02070309020205020404" pitchFamily="49" charset="0"/>
+                <a:cs typeface="Courier New" panose="02070309020205020404" pitchFamily="49" charset="0"/>
+              </a:rPr>
+              <a:t>LEFT</a:t>
+            </a:r>
+          </a:p>
+          <a:p>
+            <a:pPr lvl="1"/>
+            <a:r>
+              <a:rPr lang="en-US" dirty="0">
+                <a:latin typeface="Courier New" panose="02070309020205020404" pitchFamily="49" charset="0"/>
+                <a:cs typeface="Courier New" panose="02070309020205020404" pitchFamily="49" charset="0"/>
+              </a:rPr>
+              <a:t>RIGHT</a:t>
+            </a:r>
+          </a:p>
+          <a:p>
+            <a:pPr lvl="1"/>
+            <a:r>
+              <a:rPr lang="en-US" dirty="0">
+                <a:latin typeface="Courier New" panose="02070309020205020404" pitchFamily="49" charset="0"/>
+                <a:cs typeface="Courier New" panose="02070309020205020404" pitchFamily="49" charset="0"/>
+              </a:rPr>
+              <a:t>FULL</a:t>
             </a:r>
             <a:br>
               <a:rPr lang="en-US" dirty="0">
@@ -7647,7 +8077,7 @@
             </a:endParaRPr>
           </a:p>
           <a:p>
-            <a:pPr marL="228600" lvl="1" indent="0">
+            <a:pPr marL="0" indent="0">
               <a:buNone/>
             </a:pPr>
             <a:r>
@@ -7655,35 +8085,63 @@
                 <a:latin typeface="Courier New" panose="02070309020205020404" pitchFamily="49" charset="0"/>
                 <a:cs typeface="Courier New" panose="02070309020205020404" pitchFamily="49" charset="0"/>
               </a:rPr>
-              <a:t>df4 = </a:t>
+              <a:t>tab1 = </a:t>
             </a:r>
             <a:r>
               <a:rPr lang="en-US" dirty="0" err="1">
                 <a:latin typeface="Courier New" panose="02070309020205020404" pitchFamily="49" charset="0"/>
                 <a:cs typeface="Courier New" panose="02070309020205020404" pitchFamily="49" charset="0"/>
               </a:rPr>
-              <a:t>spark.read.format</a:t>
-            </a:r>
-            <a:r>
-              <a:rPr lang="en-US" dirty="0">
-                <a:latin typeface="Courier New" panose="02070309020205020404" pitchFamily="49" charset="0"/>
-                <a:cs typeface="Courier New" panose="02070309020205020404" pitchFamily="49" charset="0"/>
-              </a:rPr>
-              <a:t>('csv').option('</a:t>
+              <a:t>sc.parallelize</a:t>
+            </a:r>
+            <a:r>
+              <a:rPr lang="en-US" dirty="0">
+                <a:latin typeface="Courier New" panose="02070309020205020404" pitchFamily="49" charset="0"/>
+                <a:cs typeface="Courier New" panose="02070309020205020404" pitchFamily="49" charset="0"/>
+              </a:rPr>
+              <a:t>([(1, 'Alpha'), (2, 'Beta'), (3, 'Delta')]).</a:t>
             </a:r>
             <a:r>
               <a:rPr lang="en-US" dirty="0" err="1">
                 <a:latin typeface="Courier New" panose="02070309020205020404" pitchFamily="49" charset="0"/>
                 <a:cs typeface="Courier New" panose="02070309020205020404" pitchFamily="49" charset="0"/>
               </a:rPr>
-              <a:t>header','true</a:t>
-            </a:r>
-            <a:r>
-              <a:rPr lang="en-US" dirty="0">
-                <a:latin typeface="Courier New" panose="02070309020205020404" pitchFamily="49" charset="0"/>
-                <a:cs typeface="Courier New" panose="02070309020205020404" pitchFamily="49" charset="0"/>
-              </a:rPr>
-              <a:t>').</a:t>
+              <a:t>toDF</a:t>
+            </a:r>
+            <a:r>
+              <a:rPr lang="en-US" dirty="0">
+                <a:latin typeface="Courier New" panose="02070309020205020404" pitchFamily="49" charset="0"/>
+                <a:cs typeface="Courier New" panose="02070309020205020404" pitchFamily="49" charset="0"/>
+              </a:rPr>
+              <a:t>('</a:t>
+            </a:r>
+            <a:r>
+              <a:rPr lang="en-US" dirty="0" err="1">
+                <a:latin typeface="Courier New" panose="02070309020205020404" pitchFamily="49" charset="0"/>
+                <a:cs typeface="Courier New" panose="02070309020205020404" pitchFamily="49" charset="0"/>
+              </a:rPr>
+              <a:t>ID:int</a:t>
+            </a:r>
+            <a:r>
+              <a:rPr lang="en-US" dirty="0">
+                <a:latin typeface="Courier New" panose="02070309020205020404" pitchFamily="49" charset="0"/>
+                <a:cs typeface="Courier New" panose="02070309020205020404" pitchFamily="49" charset="0"/>
+              </a:rPr>
+              <a:t>, </a:t>
+            </a:r>
+            <a:r>
+              <a:rPr lang="en-US" dirty="0" err="1">
+                <a:latin typeface="Courier New" panose="02070309020205020404" pitchFamily="49" charset="0"/>
+                <a:cs typeface="Courier New" panose="02070309020205020404" pitchFamily="49" charset="0"/>
+              </a:rPr>
+              <a:t>code:string</a:t>
+            </a:r>
+            <a:r>
+              <a:rPr lang="en-US" dirty="0">
+                <a:latin typeface="Courier New" panose="02070309020205020404" pitchFamily="49" charset="0"/>
+                <a:cs typeface="Courier New" panose="02070309020205020404" pitchFamily="49" charset="0"/>
+              </a:rPr>
+              <a:t>')</a:t>
             </a:r>
             <a:br>
               <a:rPr lang="en-US" dirty="0">
@@ -7691,32 +8149,33 @@
                 <a:cs typeface="Courier New" panose="02070309020205020404" pitchFamily="49" charset="0"/>
               </a:rPr>
             </a:br>
-            <a:r>
-              <a:rPr lang="en-US" dirty="0">
-                <a:latin typeface="Courier New" panose="02070309020205020404" pitchFamily="49" charset="0"/>
-                <a:cs typeface="Courier New" panose="02070309020205020404" pitchFamily="49" charset="0"/>
-              </a:rPr>
-              <a:t>  option('</a:t>
+            <a:br>
+              <a:rPr lang="en-US" dirty="0">
+                <a:latin typeface="Courier New" panose="02070309020205020404" pitchFamily="49" charset="0"/>
+                <a:cs typeface="Courier New" panose="02070309020205020404" pitchFamily="49" charset="0"/>
+              </a:rPr>
+            </a:br>
+            <a:r>
+              <a:rPr lang="en-US" dirty="0">
+                <a:latin typeface="Courier New" panose="02070309020205020404" pitchFamily="49" charset="0"/>
+                <a:cs typeface="Courier New" panose="02070309020205020404" pitchFamily="49" charset="0"/>
+              </a:rPr>
+              <a:t>tab2 = </a:t>
             </a:r>
             <a:r>
               <a:rPr lang="en-US" dirty="0" err="1">
                 <a:latin typeface="Courier New" panose="02070309020205020404" pitchFamily="49" charset="0"/>
                 <a:cs typeface="Courier New" panose="02070309020205020404" pitchFamily="49" charset="0"/>
               </a:rPr>
-              <a:t>inferSchema</a:t>
-            </a:r>
-            <a:r>
-              <a:rPr lang="en-US" dirty="0">
-                <a:latin typeface="Courier New" panose="02070309020205020404" pitchFamily="49" charset="0"/>
-                <a:cs typeface="Courier New" panose="02070309020205020404" pitchFamily="49" charset="0"/>
-              </a:rPr>
-              <a:t>','true').load(filename)</a:t>
-            </a:r>
-          </a:p>
-          <a:p>
-            <a:pPr marL="228600" lvl="1" indent="0">
-              <a:buNone/>
-            </a:pPr>
+              <a:t>sc.parallelize</a:t>
+            </a:r>
+            <a:r>
+              <a:rPr lang="en-US" dirty="0">
+                <a:latin typeface="Courier New" panose="02070309020205020404" pitchFamily="49" charset="0"/>
+                <a:cs typeface="Courier New" panose="02070309020205020404" pitchFamily="49" charset="0"/>
+              </a:rPr>
+              <a:t>([(100, 'One', 1), (101, 'Two', 2), (102, 'Three', 1), (103, 'Four', 4)]) \</a:t>
+            </a:r>
             <a:br>
               <a:rPr lang="en-US" dirty="0">
                 <a:latin typeface="Courier New" panose="02070309020205020404" pitchFamily="49" charset="0"/>
@@ -7728,21 +8187,63 @@
                 <a:latin typeface="Courier New" panose="02070309020205020404" pitchFamily="49" charset="0"/>
                 <a:cs typeface="Courier New" panose="02070309020205020404" pitchFamily="49" charset="0"/>
               </a:rPr>
-              <a:t>df4 = </a:t>
+              <a:t>.</a:t>
             </a:r>
             <a:r>
               <a:rPr lang="en-US" dirty="0" err="1">
                 <a:latin typeface="Courier New" panose="02070309020205020404" pitchFamily="49" charset="0"/>
                 <a:cs typeface="Courier New" panose="02070309020205020404" pitchFamily="49" charset="0"/>
               </a:rPr>
-              <a:t>spark.read.csv</a:t>
-            </a:r>
-            <a:r>
-              <a:rPr lang="en-US" dirty="0">
-                <a:latin typeface="Courier New" panose="02070309020205020404" pitchFamily="49" charset="0"/>
-                <a:cs typeface="Courier New" panose="02070309020205020404" pitchFamily="49" charset="0"/>
-              </a:rPr>
-              <a:t>(filename, header = True,</a:t>
+              <a:t>toDF</a:t>
+            </a:r>
+            <a:r>
+              <a:rPr lang="en-US" dirty="0">
+                <a:latin typeface="Courier New" panose="02070309020205020404" pitchFamily="49" charset="0"/>
+                <a:cs typeface="Courier New" panose="02070309020205020404" pitchFamily="49" charset="0"/>
+              </a:rPr>
+              <a:t>('</a:t>
+            </a:r>
+            <a:r>
+              <a:rPr lang="en-US" dirty="0" err="1">
+                <a:latin typeface="Courier New" panose="02070309020205020404" pitchFamily="49" charset="0"/>
+                <a:cs typeface="Courier New" panose="02070309020205020404" pitchFamily="49" charset="0"/>
+              </a:rPr>
+              <a:t>ID:int</a:t>
+            </a:r>
+            <a:r>
+              <a:rPr lang="en-US" dirty="0">
+                <a:latin typeface="Courier New" panose="02070309020205020404" pitchFamily="49" charset="0"/>
+                <a:cs typeface="Courier New" panose="02070309020205020404" pitchFamily="49" charset="0"/>
+              </a:rPr>
+              <a:t>, </a:t>
+            </a:r>
+            <a:r>
+              <a:rPr lang="en-US" dirty="0" err="1">
+                <a:latin typeface="Courier New" panose="02070309020205020404" pitchFamily="49" charset="0"/>
+                <a:cs typeface="Courier New" panose="02070309020205020404" pitchFamily="49" charset="0"/>
+              </a:rPr>
+              <a:t>name:string</a:t>
+            </a:r>
+            <a:r>
+              <a:rPr lang="en-US" dirty="0">
+                <a:latin typeface="Courier New" panose="02070309020205020404" pitchFamily="49" charset="0"/>
+                <a:cs typeface="Courier New" panose="02070309020205020404" pitchFamily="49" charset="0"/>
+              </a:rPr>
+              <a:t>, </a:t>
+            </a:r>
+            <a:r>
+              <a:rPr lang="en-US" dirty="0" err="1">
+                <a:latin typeface="Courier New" panose="02070309020205020404" pitchFamily="49" charset="0"/>
+                <a:cs typeface="Courier New" panose="02070309020205020404" pitchFamily="49" charset="0"/>
+              </a:rPr>
+              <a:t>parentID:int</a:t>
+            </a:r>
+            <a:r>
+              <a:rPr lang="en-US" dirty="0">
+                <a:latin typeface="Courier New" panose="02070309020205020404" pitchFamily="49" charset="0"/>
+                <a:cs typeface="Courier New" panose="02070309020205020404" pitchFamily="49" charset="0"/>
+              </a:rPr>
+              <a:t>')</a:t>
             </a:r>
             <a:br>
               <a:rPr lang="en-US" dirty="0">
@@ -7750,30 +8251,61 @@
                 <a:cs typeface="Courier New" panose="02070309020205020404" pitchFamily="49" charset="0"/>
               </a:rPr>
             </a:br>
-            <a:r>
-              <a:rPr lang="en-US" dirty="0">
-                <a:latin typeface="Courier New" panose="02070309020205020404" pitchFamily="49" charset="0"/>
-                <a:cs typeface="Courier New" panose="02070309020205020404" pitchFamily="49" charset="0"/>
-              </a:rPr>
-              <a:t>  </a:t>
-            </a:r>
-            <a:r>
-              <a:rPr lang="en-US" dirty="0" err="1">
-                <a:latin typeface="Courier New" panose="02070309020205020404" pitchFamily="49" charset="0"/>
-                <a:cs typeface="Courier New" panose="02070309020205020404" pitchFamily="49" charset="0"/>
-              </a:rPr>
-              <a:t>inferSchema</a:t>
-            </a:r>
-            <a:r>
-              <a:rPr lang="en-US" dirty="0">
-                <a:latin typeface="Courier New" panose="02070309020205020404" pitchFamily="49" charset="0"/>
-                <a:cs typeface="Courier New" panose="02070309020205020404" pitchFamily="49" charset="0"/>
-              </a:rPr>
-              <a:t> = True)</a:t>
-            </a:r>
-          </a:p>
-          <a:p>
-            <a:pPr marL="228600" lvl="1" indent="0">
+            <a:br>
+              <a:rPr lang="en-US" dirty="0">
+                <a:latin typeface="Courier New" panose="02070309020205020404" pitchFamily="49" charset="0"/>
+                <a:cs typeface="Courier New" panose="02070309020205020404" pitchFamily="49" charset="0"/>
+              </a:rPr>
+            </a:br>
+            <a:r>
+              <a:rPr lang="en-US" dirty="0">
+                <a:latin typeface="Courier New" panose="02070309020205020404" pitchFamily="49" charset="0"/>
+                <a:cs typeface="Courier New" panose="02070309020205020404" pitchFamily="49" charset="0"/>
+              </a:rPr>
+              <a:t>tab1.join(tab2, tab1.ID == tab2.parentID).show()</a:t>
+            </a:r>
+            <a:br>
+              <a:rPr lang="en-US" dirty="0">
+                <a:latin typeface="Courier New" panose="02070309020205020404" pitchFamily="49" charset="0"/>
+                <a:cs typeface="Courier New" panose="02070309020205020404" pitchFamily="49" charset="0"/>
+              </a:rPr>
+            </a:br>
+            <a:r>
+              <a:rPr lang="en-US" dirty="0">
+                <a:latin typeface="Courier New" panose="02070309020205020404" pitchFamily="49" charset="0"/>
+                <a:cs typeface="Courier New" panose="02070309020205020404" pitchFamily="49" charset="0"/>
+              </a:rPr>
+              <a:t>tab1.join(tab2, tab1.ID == tab2.parentID, 'left').show()</a:t>
+            </a:r>
+            <a:br>
+              <a:rPr lang="en-US" dirty="0">
+                <a:latin typeface="Courier New" panose="02070309020205020404" pitchFamily="49" charset="0"/>
+                <a:cs typeface="Courier New" panose="02070309020205020404" pitchFamily="49" charset="0"/>
+              </a:rPr>
+            </a:br>
+            <a:r>
+              <a:rPr lang="en-US" dirty="0">
+                <a:latin typeface="Courier New" panose="02070309020205020404" pitchFamily="49" charset="0"/>
+                <a:cs typeface="Courier New" panose="02070309020205020404" pitchFamily="49" charset="0"/>
+              </a:rPr>
+              <a:t>tab1.join(tab2, tab1.ID == tab2.parentID, 'right').show()</a:t>
+            </a:r>
+            <a:br>
+              <a:rPr lang="en-US" dirty="0">
+                <a:latin typeface="Courier New" panose="02070309020205020404" pitchFamily="49" charset="0"/>
+                <a:cs typeface="Courier New" panose="02070309020205020404" pitchFamily="49" charset="0"/>
+              </a:rPr>
+            </a:br>
+            <a:r>
+              <a:rPr lang="en-US" dirty="0">
+                <a:latin typeface="Courier New" panose="02070309020205020404" pitchFamily="49" charset="0"/>
+                <a:cs typeface="Courier New" panose="02070309020205020404" pitchFamily="49" charset="0"/>
+              </a:rPr>
+              <a:t>tab1.join(tab2, tab1.ID == tab2.parentID, 'full').show()</a:t>
+            </a:r>
+          </a:p>
+          <a:p>
+            <a:pPr marL="0" indent="0">
               <a:buNone/>
             </a:pPr>
             <a:endParaRPr lang="en-US" dirty="0">
@@ -7782,16 +8314,19 @@
             </a:endParaRPr>
           </a:p>
           <a:p>
-            <a:pPr marL="228600" lvl="1" indent="0">
+            <a:pPr marL="0" indent="0">
               <a:buNone/>
             </a:pPr>
+            <a:br>
+              <a:rPr lang="en-US" dirty="0">
+                <a:latin typeface="Courier New" panose="02070309020205020404" pitchFamily="49" charset="0"/>
+                <a:cs typeface="Courier New" panose="02070309020205020404" pitchFamily="49" charset="0"/>
+              </a:rPr>
+            </a:br>
             <a:endParaRPr lang="en-US" dirty="0">
               <a:latin typeface="Courier New" panose="02070309020205020404" pitchFamily="49" charset="0"/>
               <a:cs typeface="Courier New" panose="02070309020205020404" pitchFamily="49" charset="0"/>
             </a:endParaRPr>
-          </a:p>
-          <a:p>
-            <a:endParaRPr lang="en-US" dirty="0"/>
           </a:p>
         </p:txBody>
       </p:sp>
@@ -7812,7 +8347,7 @@
           <a:p>
             <a:r>
               <a:rPr lang="en-US" dirty="0"/>
-              <a:t>Reading CSV Files</a:t>
+              <a:t>JOIN</a:t>
             </a:r>
           </a:p>
         </p:txBody>
@@ -7820,7 +8355,7 @@
     </p:spTree>
     <p:extLst>
       <p:ext uri="{BB962C8B-B14F-4D97-AF65-F5344CB8AC3E}">
-        <p14:creationId xmlns:p14="http://schemas.microsoft.com/office/powerpoint/2010/main" val="926687632"/>
+        <p14:creationId xmlns:p14="http://schemas.microsoft.com/office/powerpoint/2010/main" val="2832165533"/>
       </p:ext>
     </p:extLst>
   </p:cSld>
@@ -7864,39 +8399,92 @@
           <a:p>
             <a:r>
               <a:rPr lang="en-US" dirty="0"/>
-              <a:t>There are many different syntaxes that you will see but they all do the same thing</a:t>
-            </a:r>
-          </a:p>
-          <a:p>
-            <a:pPr marL="228600" lvl="1" indent="0">
-              <a:buNone/>
-            </a:pPr>
+              <a:t>Grouping in Spark works a little differently. The </a:t>
+            </a:r>
+            <a:r>
+              <a:rPr lang="en-US" dirty="0" err="1">
+                <a:latin typeface="Courier New" panose="02070309020205020404" pitchFamily="49" charset="0"/>
+                <a:cs typeface="Courier New" panose="02070309020205020404" pitchFamily="49" charset="0"/>
+              </a:rPr>
+              <a:t>groupBy</a:t>
+            </a:r>
+            <a:r>
+              <a:rPr lang="en-US" dirty="0"/>
+              <a:t> method creates a grouped </a:t>
+            </a:r>
+            <a:r>
+              <a:rPr lang="en-US" dirty="0" err="1"/>
+              <a:t>DataFrame</a:t>
+            </a:r>
+            <a:r>
+              <a:rPr lang="en-US" dirty="0"/>
+              <a:t> which can then have aggregate methods called on it.</a:t>
+            </a:r>
             <a:br>
-              <a:rPr lang="en-US" dirty="0">
-                <a:latin typeface="Courier New" panose="02070309020205020404" pitchFamily="49" charset="0"/>
-                <a:cs typeface="Courier New" panose="02070309020205020404" pitchFamily="49" charset="0"/>
-              </a:rPr>
+              <a:rPr lang="en-US" dirty="0"/>
             </a:br>
             <a:r>
               <a:rPr lang="en-US" dirty="0">
                 <a:latin typeface="Courier New" panose="02070309020205020404" pitchFamily="49" charset="0"/>
                 <a:cs typeface="Courier New" panose="02070309020205020404" pitchFamily="49" charset="0"/>
               </a:rPr>
-              <a:t>filename = '/home/student/ROI/</a:t>
+              <a:t>tab3 = </a:t>
             </a:r>
             <a:r>
               <a:rPr lang="en-US" dirty="0" err="1">
                 <a:latin typeface="Courier New" panose="02070309020205020404" pitchFamily="49" charset="0"/>
                 <a:cs typeface="Courier New" panose="02070309020205020404" pitchFamily="49" charset="0"/>
               </a:rPr>
-              <a:t>SparkProgram</a:t>
-            </a:r>
-            <a:r>
-              <a:rPr lang="en-US" dirty="0">
-                <a:latin typeface="Courier New" panose="02070309020205020404" pitchFamily="49" charset="0"/>
-                <a:cs typeface="Courier New" panose="02070309020205020404" pitchFamily="49" charset="0"/>
-              </a:rPr>
-              <a:t>/datasets/</a:t>
+              <a:t>sc.parallelize</a:t>
+            </a:r>
+            <a:r>
+              <a:rPr lang="en-US" dirty="0">
+                <a:latin typeface="Courier New" panose="02070309020205020404" pitchFamily="49" charset="0"/>
+                <a:cs typeface="Courier New" panose="02070309020205020404" pitchFamily="49" charset="0"/>
+              </a:rPr>
+              <a:t>([(1, 10), (1, 20), (1, 30), (2, 40), (2,50)]).</a:t>
+            </a:r>
+            <a:r>
+              <a:rPr lang="en-US" dirty="0" err="1">
+                <a:latin typeface="Courier New" panose="02070309020205020404" pitchFamily="49" charset="0"/>
+                <a:cs typeface="Courier New" panose="02070309020205020404" pitchFamily="49" charset="0"/>
+              </a:rPr>
+              <a:t>toDF</a:t>
+            </a:r>
+            <a:r>
+              <a:rPr lang="en-US" dirty="0">
+                <a:latin typeface="Courier New" panose="02070309020205020404" pitchFamily="49" charset="0"/>
+                <a:cs typeface="Courier New" panose="02070309020205020404" pitchFamily="49" charset="0"/>
+              </a:rPr>
+              <a:t>('</a:t>
+            </a:r>
+            <a:r>
+              <a:rPr lang="en-US" dirty="0" err="1">
+                <a:latin typeface="Courier New" panose="02070309020205020404" pitchFamily="49" charset="0"/>
+                <a:cs typeface="Courier New" panose="02070309020205020404" pitchFamily="49" charset="0"/>
+              </a:rPr>
+              <a:t>groupID:int</a:t>
+            </a:r>
+            <a:r>
+              <a:rPr lang="en-US" dirty="0">
+                <a:latin typeface="Courier New" panose="02070309020205020404" pitchFamily="49" charset="0"/>
+                <a:cs typeface="Courier New" panose="02070309020205020404" pitchFamily="49" charset="0"/>
+              </a:rPr>
+              <a:t>, </a:t>
+            </a:r>
+            <a:r>
+              <a:rPr lang="en-US" dirty="0" err="1">
+                <a:latin typeface="Courier New" panose="02070309020205020404" pitchFamily="49" charset="0"/>
+                <a:cs typeface="Courier New" panose="02070309020205020404" pitchFamily="49" charset="0"/>
+              </a:rPr>
+              <a:t>amount:int</a:t>
+            </a:r>
+            <a:r>
+              <a:rPr lang="en-US" dirty="0">
+                <a:latin typeface="Courier New" panose="02070309020205020404" pitchFamily="49" charset="0"/>
+                <a:cs typeface="Courier New" panose="02070309020205020404" pitchFamily="49" charset="0"/>
+              </a:rPr>
+              <a:t>')</a:t>
             </a:r>
             <a:br>
               <a:rPr lang="en-US" dirty="0">
@@ -7909,144 +8497,199 @@
                 <a:latin typeface="Courier New" panose="02070309020205020404" pitchFamily="49" charset="0"/>
                 <a:cs typeface="Courier New" panose="02070309020205020404" pitchFamily="49" charset="0"/>
               </a:rPr>
-              <a:t>            finance/</a:t>
+              <a:t>x = tab3.groupby('</a:t>
             </a:r>
             <a:r>
               <a:rPr lang="en-US" dirty="0" err="1">
                 <a:latin typeface="Courier New" panose="02070309020205020404" pitchFamily="49" charset="0"/>
                 <a:cs typeface="Courier New" panose="02070309020205020404" pitchFamily="49" charset="0"/>
               </a:rPr>
-              <a:t>CreditCard.csv</a:t>
-            </a:r>
-            <a:r>
-              <a:rPr lang="en-US" dirty="0">
-                <a:latin typeface="Courier New" panose="02070309020205020404" pitchFamily="49" charset="0"/>
-                <a:cs typeface="Courier New" panose="02070309020205020404" pitchFamily="49" charset="0"/>
-              </a:rPr>
-              <a:t>'</a:t>
-            </a:r>
-          </a:p>
-          <a:p>
-            <a:pPr marL="228600" lvl="1" indent="0">
-              <a:buNone/>
-            </a:pPr>
+              <a:t>groupID</a:t>
+            </a:r>
+            <a:r>
+              <a:rPr lang="en-US" dirty="0">
+                <a:latin typeface="Courier New" panose="02070309020205020404" pitchFamily="49" charset="0"/>
+                <a:cs typeface="Courier New" panose="02070309020205020404" pitchFamily="49" charset="0"/>
+              </a:rPr>
+              <a:t>')</a:t>
+            </a:r>
+            <a:endParaRPr lang="en-US" dirty="0"/>
+          </a:p>
+          <a:p>
+            <a:r>
+              <a:rPr lang="en-US" dirty="0"/>
+              <a:t>There are various different syntaxes to accomplish the same results</a:t>
+            </a:r>
+          </a:p>
+          <a:p>
+            <a:pPr lvl="1"/>
+            <a:r>
+              <a:rPr lang="en-US" dirty="0"/>
+              <a:t>call the method after grouping</a:t>
+            </a:r>
             <a:br>
-              <a:rPr lang="en-US" dirty="0">
-                <a:latin typeface="Courier New" panose="02070309020205020404" pitchFamily="49" charset="0"/>
-                <a:cs typeface="Courier New" panose="02070309020205020404" pitchFamily="49" charset="0"/>
-              </a:rPr>
+              <a:rPr lang="en-US" dirty="0"/>
             </a:br>
             <a:r>
-              <a:rPr lang="en-US" dirty="0">
-                <a:latin typeface="Courier New" panose="02070309020205020404" pitchFamily="49" charset="0"/>
-                <a:cs typeface="Courier New" panose="02070309020205020404" pitchFamily="49" charset="0"/>
-              </a:rPr>
-              <a:t>df4 = </a:t>
+              <a:rPr lang="en-US" dirty="0" err="1"/>
+              <a:t>x.max</a:t>
+            </a:r>
+            <a:r>
+              <a:rPr lang="en-US" dirty="0"/>
+              <a:t>().show()</a:t>
+            </a:r>
+          </a:p>
+          <a:p>
+            <a:pPr lvl="1"/>
+            <a:r>
+              <a:rPr lang="en-US" dirty="0"/>
+              <a:t>use the </a:t>
             </a:r>
             <a:r>
               <a:rPr lang="en-US" dirty="0" err="1">
                 <a:latin typeface="Courier New" panose="02070309020205020404" pitchFamily="49" charset="0"/>
                 <a:cs typeface="Courier New" panose="02070309020205020404" pitchFamily="49" charset="0"/>
               </a:rPr>
-              <a:t>spark.read.load</a:t>
-            </a:r>
-            <a:r>
-              <a:rPr lang="en-US" dirty="0">
-                <a:latin typeface="Courier New" panose="02070309020205020404" pitchFamily="49" charset="0"/>
-                <a:cs typeface="Courier New" panose="02070309020205020404" pitchFamily="49" charset="0"/>
-              </a:rPr>
-              <a:t>(filename, format = 'csv', </a:t>
+              <a:t>agg</a:t>
+            </a:r>
+            <a:r>
+              <a:rPr lang="en-US" dirty="0"/>
+              <a:t> method with a dictionary</a:t>
             </a:r>
             <a:br>
-              <a:rPr lang="en-US" dirty="0">
-                <a:latin typeface="Courier New" panose="02070309020205020404" pitchFamily="49" charset="0"/>
-                <a:cs typeface="Courier New" panose="02070309020205020404" pitchFamily="49" charset="0"/>
-              </a:rPr>
+              <a:rPr lang="en-US" dirty="0"/>
             </a:br>
             <a:r>
-              <a:rPr lang="en-US" dirty="0">
-                <a:latin typeface="Courier New" panose="02070309020205020404" pitchFamily="49" charset="0"/>
-                <a:cs typeface="Courier New" panose="02070309020205020404" pitchFamily="49" charset="0"/>
-              </a:rPr>
-              <a:t>  </a:t>
-            </a:r>
-            <a:r>
               <a:rPr lang="en-US" dirty="0" err="1">
                 <a:latin typeface="Courier New" panose="02070309020205020404" pitchFamily="49" charset="0"/>
                 <a:cs typeface="Courier New" panose="02070309020205020404" pitchFamily="49" charset="0"/>
               </a:rPr>
-              <a:t>sep</a:t>
-            </a:r>
-            <a:r>
-              <a:rPr lang="en-US" dirty="0">
-                <a:latin typeface="Courier New" panose="02070309020205020404" pitchFamily="49" charset="0"/>
-                <a:cs typeface="Courier New" panose="02070309020205020404" pitchFamily="49" charset="0"/>
-              </a:rPr>
-              <a:t> = ',', </a:t>
+              <a:t>x.agg</a:t>
+            </a:r>
+            <a:r>
+              <a:rPr lang="en-US" dirty="0">
+                <a:latin typeface="Courier New" panose="02070309020205020404" pitchFamily="49" charset="0"/>
+                <a:cs typeface="Courier New" panose="02070309020205020404" pitchFamily="49" charset="0"/>
+              </a:rPr>
+              <a:t>({'</a:t>
             </a:r>
             <a:r>
               <a:rPr lang="en-US" dirty="0" err="1">
                 <a:latin typeface="Courier New" panose="02070309020205020404" pitchFamily="49" charset="0"/>
                 <a:cs typeface="Courier New" panose="02070309020205020404" pitchFamily="49" charset="0"/>
               </a:rPr>
-              <a:t>inferSchema</a:t>
-            </a:r>
-            <a:r>
-              <a:rPr lang="en-US" dirty="0">
-                <a:latin typeface="Courier New" panose="02070309020205020404" pitchFamily="49" charset="0"/>
-                <a:cs typeface="Courier New" panose="02070309020205020404" pitchFamily="49" charset="0"/>
-              </a:rPr>
-              <a:t> = True, header = True)</a:t>
+              <a:t>amount':'sum</a:t>
+            </a:r>
+            <a:r>
+              <a:rPr lang="en-US" dirty="0">
+                <a:latin typeface="Courier New" panose="02070309020205020404" pitchFamily="49" charset="0"/>
+                <a:cs typeface="Courier New" panose="02070309020205020404" pitchFamily="49" charset="0"/>
+              </a:rPr>
+              <a:t>', '</a:t>
+            </a:r>
+            <a:r>
+              <a:rPr lang="en-US" dirty="0" err="1">
+                <a:latin typeface="Courier New" panose="02070309020205020404" pitchFamily="49" charset="0"/>
+                <a:cs typeface="Courier New" panose="02070309020205020404" pitchFamily="49" charset="0"/>
+              </a:rPr>
+              <a:t>amount':'max</a:t>
+            </a:r>
+            <a:r>
+              <a:rPr lang="en-US" dirty="0">
+                <a:latin typeface="Courier New" panose="02070309020205020404" pitchFamily="49" charset="0"/>
+                <a:cs typeface="Courier New" panose="02070309020205020404" pitchFamily="49" charset="0"/>
+              </a:rPr>
+              <a:t>'}).show()</a:t>
+            </a:r>
+          </a:p>
+          <a:p>
+            <a:pPr lvl="1"/>
+            <a:r>
+              <a:rPr lang="en-US" dirty="0"/>
+              <a:t>use the </a:t>
+            </a:r>
+            <a:r>
+              <a:rPr lang="en-US" dirty="0" err="1">
+                <a:latin typeface="Courier New" panose="02070309020205020404" pitchFamily="49" charset="0"/>
+                <a:cs typeface="Courier New" panose="02070309020205020404" pitchFamily="49" charset="0"/>
+              </a:rPr>
+              <a:t>agg</a:t>
+            </a:r>
+            <a:r>
+              <a:rPr lang="en-US" dirty="0"/>
+              <a:t> method with the function names</a:t>
             </a:r>
             <a:br>
-              <a:rPr lang="en-US" dirty="0">
-                <a:latin typeface="Courier New" panose="02070309020205020404" pitchFamily="49" charset="0"/>
-                <a:cs typeface="Courier New" panose="02070309020205020404" pitchFamily="49" charset="0"/>
-              </a:rPr>
+              <a:rPr lang="en-US" dirty="0"/>
             </a:br>
-            <a:endParaRPr lang="en-US" dirty="0">
-              <a:latin typeface="Courier New" panose="02070309020205020404" pitchFamily="49" charset="0"/>
-              <a:cs typeface="Courier New" panose="02070309020205020404" pitchFamily="49" charset="0"/>
-            </a:endParaRPr>
-          </a:p>
-          <a:p>
-            <a:pPr marL="228600" lvl="1" indent="0">
-              <a:buNone/>
-            </a:pPr>
-            <a:r>
-              <a:rPr lang="en-US" dirty="0">
-                <a:latin typeface="Courier New" panose="02070309020205020404" pitchFamily="49" charset="0"/>
-                <a:cs typeface="Courier New" panose="02070309020205020404" pitchFamily="49" charset="0"/>
-              </a:rPr>
-              <a:t>df4 = </a:t>
+            <a:r>
+              <a:rPr lang="en-US" dirty="0">
+                <a:latin typeface="Courier New" panose="02070309020205020404" pitchFamily="49" charset="0"/>
+                <a:cs typeface="Courier New" panose="02070309020205020404" pitchFamily="49" charset="0"/>
+              </a:rPr>
+              <a:t>from </a:t>
             </a:r>
             <a:r>
               <a:rPr lang="en-US" dirty="0" err="1">
                 <a:latin typeface="Courier New" panose="02070309020205020404" pitchFamily="49" charset="0"/>
                 <a:cs typeface="Courier New" panose="02070309020205020404" pitchFamily="49" charset="0"/>
               </a:rPr>
-              <a:t>spark.read.format</a:t>
-            </a:r>
-            <a:r>
-              <a:rPr lang="en-US" dirty="0">
-                <a:latin typeface="Courier New" panose="02070309020205020404" pitchFamily="49" charset="0"/>
-                <a:cs typeface="Courier New" panose="02070309020205020404" pitchFamily="49" charset="0"/>
-              </a:rPr>
-              <a:t>('csv').option('</a:t>
-            </a:r>
+              <a:t>pyspark.sql</a:t>
+            </a:r>
+            <a:r>
+              <a:rPr lang="en-US" dirty="0">
+                <a:latin typeface="Courier New" panose="02070309020205020404" pitchFamily="49" charset="0"/>
+                <a:cs typeface="Courier New" panose="02070309020205020404" pitchFamily="49" charset="0"/>
+              </a:rPr>
+              <a:t> import functions as F</a:t>
+            </a:r>
+            <a:br>
+              <a:rPr lang="en-US" dirty="0">
+                <a:latin typeface="Courier New" panose="02070309020205020404" pitchFamily="49" charset="0"/>
+                <a:cs typeface="Courier New" panose="02070309020205020404" pitchFamily="49" charset="0"/>
+              </a:rPr>
+            </a:br>
             <a:r>
               <a:rPr lang="en-US" dirty="0" err="1">
                 <a:latin typeface="Courier New" panose="02070309020205020404" pitchFamily="49" charset="0"/>
                 <a:cs typeface="Courier New" panose="02070309020205020404" pitchFamily="49" charset="0"/>
               </a:rPr>
-              <a:t>header','true</a:t>
-            </a:r>
-            <a:r>
-              <a:rPr lang="en-US" dirty="0">
-                <a:latin typeface="Courier New" panose="02070309020205020404" pitchFamily="49" charset="0"/>
-                <a:cs typeface="Courier New" panose="02070309020205020404" pitchFamily="49" charset="0"/>
-              </a:rPr>
-              <a:t>').</a:t>
+              <a:t>x.agg</a:t>
+            </a:r>
+            <a:r>
+              <a:rPr lang="en-US" dirty="0">
+                <a:latin typeface="Courier New" panose="02070309020205020404" pitchFamily="49" charset="0"/>
+                <a:cs typeface="Courier New" panose="02070309020205020404" pitchFamily="49" charset="0"/>
+              </a:rPr>
+              <a:t>(</a:t>
+            </a:r>
+            <a:r>
+              <a:rPr lang="en-US" dirty="0" err="1">
+                <a:latin typeface="Courier New" panose="02070309020205020404" pitchFamily="49" charset="0"/>
+                <a:cs typeface="Courier New" panose="02070309020205020404" pitchFamily="49" charset="0"/>
+              </a:rPr>
+              <a:t>F.sum</a:t>
+            </a:r>
+            <a:r>
+              <a:rPr lang="en-US" dirty="0">
+                <a:latin typeface="Courier New" panose="02070309020205020404" pitchFamily="49" charset="0"/>
+                <a:cs typeface="Courier New" panose="02070309020205020404" pitchFamily="49" charset="0"/>
+              </a:rPr>
+              <a:t>('amount'), </a:t>
+            </a:r>
+            <a:r>
+              <a:rPr lang="en-US" dirty="0" err="1">
+                <a:latin typeface="Courier New" panose="02070309020205020404" pitchFamily="49" charset="0"/>
+                <a:cs typeface="Courier New" panose="02070309020205020404" pitchFamily="49" charset="0"/>
+              </a:rPr>
+              <a:t>F.max</a:t>
+            </a:r>
+            <a:r>
+              <a:rPr lang="en-US" dirty="0">
+                <a:latin typeface="Courier New" panose="02070309020205020404" pitchFamily="49" charset="0"/>
+                <a:cs typeface="Courier New" panose="02070309020205020404" pitchFamily="49" charset="0"/>
+              </a:rPr>
+              <a:t>('amount')).show()</a:t>
             </a:r>
             <a:br>
               <a:rPr lang="en-US" dirty="0">
@@ -8054,106 +8697,6 @@
                 <a:cs typeface="Courier New" panose="02070309020205020404" pitchFamily="49" charset="0"/>
               </a:rPr>
             </a:br>
-            <a:r>
-              <a:rPr lang="en-US" dirty="0">
-                <a:latin typeface="Courier New" panose="02070309020205020404" pitchFamily="49" charset="0"/>
-                <a:cs typeface="Courier New" panose="02070309020205020404" pitchFamily="49" charset="0"/>
-              </a:rPr>
-              <a:t>  option('</a:t>
-            </a:r>
-            <a:r>
-              <a:rPr lang="en-US" dirty="0" err="1">
-                <a:latin typeface="Courier New" panose="02070309020205020404" pitchFamily="49" charset="0"/>
-                <a:cs typeface="Courier New" panose="02070309020205020404" pitchFamily="49" charset="0"/>
-              </a:rPr>
-              <a:t>inferSchema</a:t>
-            </a:r>
-            <a:r>
-              <a:rPr lang="en-US" dirty="0">
-                <a:latin typeface="Courier New" panose="02070309020205020404" pitchFamily="49" charset="0"/>
-                <a:cs typeface="Courier New" panose="02070309020205020404" pitchFamily="49" charset="0"/>
-              </a:rPr>
-              <a:t>','true').load(filename)</a:t>
-            </a:r>
-          </a:p>
-          <a:p>
-            <a:pPr marL="228600" lvl="1" indent="0">
-              <a:buNone/>
-            </a:pPr>
-            <a:br>
-              <a:rPr lang="en-US" dirty="0">
-                <a:latin typeface="Courier New" panose="02070309020205020404" pitchFamily="49" charset="0"/>
-                <a:cs typeface="Courier New" panose="02070309020205020404" pitchFamily="49" charset="0"/>
-              </a:rPr>
-            </a:br>
-            <a:r>
-              <a:rPr lang="en-US" dirty="0">
-                <a:latin typeface="Courier New" panose="02070309020205020404" pitchFamily="49" charset="0"/>
-                <a:cs typeface="Courier New" panose="02070309020205020404" pitchFamily="49" charset="0"/>
-              </a:rPr>
-              <a:t>df4 = </a:t>
-            </a:r>
-            <a:r>
-              <a:rPr lang="en-US" dirty="0" err="1">
-                <a:latin typeface="Courier New" panose="02070309020205020404" pitchFamily="49" charset="0"/>
-                <a:cs typeface="Courier New" panose="02070309020205020404" pitchFamily="49" charset="0"/>
-              </a:rPr>
-              <a:t>spark.read.csv</a:t>
-            </a:r>
-            <a:r>
-              <a:rPr lang="en-US" dirty="0">
-                <a:latin typeface="Courier New" panose="02070309020205020404" pitchFamily="49" charset="0"/>
-                <a:cs typeface="Courier New" panose="02070309020205020404" pitchFamily="49" charset="0"/>
-              </a:rPr>
-              <a:t>(filename, header = True,</a:t>
-            </a:r>
-            <a:br>
-              <a:rPr lang="en-US" dirty="0">
-                <a:latin typeface="Courier New" panose="02070309020205020404" pitchFamily="49" charset="0"/>
-                <a:cs typeface="Courier New" panose="02070309020205020404" pitchFamily="49" charset="0"/>
-              </a:rPr>
-            </a:br>
-            <a:r>
-              <a:rPr lang="en-US" dirty="0">
-                <a:latin typeface="Courier New" panose="02070309020205020404" pitchFamily="49" charset="0"/>
-                <a:cs typeface="Courier New" panose="02070309020205020404" pitchFamily="49" charset="0"/>
-              </a:rPr>
-              <a:t>  </a:t>
-            </a:r>
-            <a:r>
-              <a:rPr lang="en-US" dirty="0" err="1">
-                <a:latin typeface="Courier New" panose="02070309020205020404" pitchFamily="49" charset="0"/>
-                <a:cs typeface="Courier New" panose="02070309020205020404" pitchFamily="49" charset="0"/>
-              </a:rPr>
-              <a:t>inferSchema</a:t>
-            </a:r>
-            <a:r>
-              <a:rPr lang="en-US" dirty="0">
-                <a:latin typeface="Courier New" panose="02070309020205020404" pitchFamily="49" charset="0"/>
-                <a:cs typeface="Courier New" panose="02070309020205020404" pitchFamily="49" charset="0"/>
-              </a:rPr>
-              <a:t> = True)</a:t>
-            </a:r>
-          </a:p>
-          <a:p>
-            <a:pPr marL="228600" lvl="1" indent="0">
-              <a:buNone/>
-            </a:pPr>
-            <a:endParaRPr lang="en-US" dirty="0">
-              <a:latin typeface="Courier New" panose="02070309020205020404" pitchFamily="49" charset="0"/>
-              <a:cs typeface="Courier New" panose="02070309020205020404" pitchFamily="49" charset="0"/>
-            </a:endParaRPr>
-          </a:p>
-          <a:p>
-            <a:pPr marL="228600" lvl="1" indent="0">
-              <a:buNone/>
-            </a:pPr>
-            <a:endParaRPr lang="en-US" dirty="0">
-              <a:latin typeface="Courier New" panose="02070309020205020404" pitchFamily="49" charset="0"/>
-              <a:cs typeface="Courier New" panose="02070309020205020404" pitchFamily="49" charset="0"/>
-            </a:endParaRPr>
-          </a:p>
-          <a:p>
             <a:endParaRPr lang="en-US" dirty="0"/>
           </a:p>
         </p:txBody>
@@ -8175,7 +8718,993 @@
           <a:p>
             <a:r>
               <a:rPr lang="en-US" dirty="0"/>
+              <a:t>Grouping and Aggregating</a:t>
+            </a:r>
+          </a:p>
+        </p:txBody>
+      </p:sp>
+    </p:spTree>
+    <p:extLst>
+      <p:ext uri="{BB962C8B-B14F-4D97-AF65-F5344CB8AC3E}">
+        <p14:creationId xmlns:p14="http://schemas.microsoft.com/office/powerpoint/2010/main" val="2762489557"/>
+      </p:ext>
+    </p:extLst>
+  </p:cSld>
+  <p:clrMapOvr>
+    <a:masterClrMapping/>
+  </p:clrMapOvr>
+</p:sld>
+</file>
+
+<file path=ppt/slides/slide14.xml><?xml version="1.0" encoding="utf-8"?>
+<p:sld xmlns:a="http://schemas.openxmlformats.org/drawingml/2006/main" xmlns:r="http://schemas.openxmlformats.org/officeDocument/2006/relationships" xmlns:p="http://schemas.openxmlformats.org/presentationml/2006/main">
+  <p:cSld>
+    <p:spTree>
+      <p:nvGrpSpPr>
+        <p:cNvPr id="1" name=""/>
+        <p:cNvGrpSpPr/>
+        <p:nvPr/>
+      </p:nvGrpSpPr>
+      <p:grpSpPr>
+        <a:xfrm>
+          <a:off x="0" y="0"/>
+          <a:ext cx="0" cy="0"/>
+          <a:chOff x="0" y="0"/>
+          <a:chExt cx="0" cy="0"/>
+        </a:xfrm>
+      </p:grpSpPr>
+      <p:sp>
+        <p:nvSpPr>
+          <p:cNvPr id="2" name="Content Placeholder 1"/>
+          <p:cNvSpPr>
+            <a:spLocks noGrp="1"/>
+          </p:cNvSpPr>
+          <p:nvPr>
+            <p:ph idx="1"/>
+          </p:nvPr>
+        </p:nvSpPr>
+        <p:spPr/>
+        <p:txBody>
+          <a:bodyPr/>
+          <a:lstStyle/>
+          <a:p>
+            <a:r>
+              <a:rPr lang="en-US" dirty="0"/>
+              <a:t>There are many file formats directly supported for reading and writing</a:t>
+            </a:r>
+          </a:p>
+          <a:p>
+            <a:pPr lvl="1"/>
+            <a:r>
+              <a:rPr lang="en-US" dirty="0">
+                <a:latin typeface="Courier New" panose="02070309020205020404" pitchFamily="49" charset="0"/>
+                <a:cs typeface="Courier New" panose="02070309020205020404" pitchFamily="49" charset="0"/>
+              </a:rPr>
+              <a:t>csv</a:t>
+            </a:r>
+          </a:p>
+          <a:p>
+            <a:pPr lvl="1"/>
+            <a:r>
+              <a:rPr lang="en-US" dirty="0" err="1">
+                <a:latin typeface="Courier New" panose="02070309020205020404" pitchFamily="49" charset="0"/>
+                <a:cs typeface="Courier New" panose="02070309020205020404" pitchFamily="49" charset="0"/>
+              </a:rPr>
+              <a:t>json</a:t>
+            </a:r>
+            <a:endParaRPr lang="en-US" dirty="0">
+              <a:latin typeface="Courier New" panose="02070309020205020404" pitchFamily="49" charset="0"/>
+              <a:cs typeface="Courier New" panose="02070309020205020404" pitchFamily="49" charset="0"/>
+            </a:endParaRPr>
+          </a:p>
+          <a:p>
+            <a:pPr lvl="1"/>
+            <a:r>
+              <a:rPr lang="en-US" dirty="0">
+                <a:latin typeface="Courier New" panose="02070309020205020404" pitchFamily="49" charset="0"/>
+                <a:cs typeface="Courier New" panose="02070309020205020404" pitchFamily="49" charset="0"/>
+              </a:rPr>
+              <a:t>orc</a:t>
+            </a:r>
+          </a:p>
+          <a:p>
+            <a:pPr lvl="1"/>
+            <a:r>
+              <a:rPr lang="en-US" dirty="0">
+                <a:latin typeface="Courier New" panose="02070309020205020404" pitchFamily="49" charset="0"/>
+                <a:cs typeface="Courier New" panose="02070309020205020404" pitchFamily="49" charset="0"/>
+              </a:rPr>
+              <a:t>parquet</a:t>
+            </a:r>
+          </a:p>
+          <a:p>
+            <a:pPr lvl="1"/>
+            <a:r>
+              <a:rPr lang="en-US" dirty="0" err="1">
+                <a:latin typeface="Courier New" panose="02070309020205020404" pitchFamily="49" charset="0"/>
+                <a:cs typeface="Courier New" panose="02070309020205020404" pitchFamily="49" charset="0"/>
+              </a:rPr>
+              <a:t>jdbc</a:t>
+            </a:r>
+            <a:endParaRPr lang="en-US" dirty="0">
+              <a:latin typeface="Courier New" panose="02070309020205020404" pitchFamily="49" charset="0"/>
+              <a:cs typeface="Courier New" panose="02070309020205020404" pitchFamily="49" charset="0"/>
+            </a:endParaRPr>
+          </a:p>
+          <a:p>
+            <a:r>
+              <a:rPr lang="en-US" dirty="0"/>
+              <a:t>Other formats can be loaded using custom java classes</a:t>
+            </a:r>
+          </a:p>
+          <a:p>
+            <a:pPr lvl="1"/>
+            <a:r>
+              <a:rPr lang="en-US" dirty="0"/>
+              <a:t>Cassandra</a:t>
+            </a:r>
+          </a:p>
+          <a:p>
+            <a:pPr lvl="1"/>
+            <a:r>
+              <a:rPr lang="en-US" dirty="0"/>
+              <a:t>Mongo</a:t>
+            </a:r>
+          </a:p>
+          <a:p>
+            <a:pPr lvl="1"/>
+            <a:r>
+              <a:rPr lang="en-US" dirty="0"/>
+              <a:t>HBase</a:t>
+            </a:r>
+          </a:p>
+          <a:p>
+            <a:pPr lvl="1"/>
+            <a:r>
+              <a:rPr lang="en-US" dirty="0"/>
+              <a:t>AVRO</a:t>
+            </a:r>
+          </a:p>
+          <a:p>
+            <a:endParaRPr lang="en-US" dirty="0"/>
+          </a:p>
+        </p:txBody>
+      </p:sp>
+      <p:sp>
+        <p:nvSpPr>
+          <p:cNvPr id="3" name="Title 2"/>
+          <p:cNvSpPr>
+            <a:spLocks noGrp="1"/>
+          </p:cNvSpPr>
+          <p:nvPr>
+            <p:ph type="title"/>
+          </p:nvPr>
+        </p:nvSpPr>
+        <p:spPr/>
+        <p:txBody>
+          <a:bodyPr/>
+          <a:lstStyle/>
+          <a:p>
+            <a:r>
+              <a:rPr lang="en-US" dirty="0"/>
+              <a:t>Reading Files</a:t>
+            </a:r>
+          </a:p>
+        </p:txBody>
+      </p:sp>
+    </p:spTree>
+    <p:extLst>
+      <p:ext uri="{BB962C8B-B14F-4D97-AF65-F5344CB8AC3E}">
+        <p14:creationId xmlns:p14="http://schemas.microsoft.com/office/powerpoint/2010/main" val="856217166"/>
+      </p:ext>
+    </p:extLst>
+  </p:cSld>
+  <p:clrMapOvr>
+    <a:masterClrMapping/>
+  </p:clrMapOvr>
+</p:sld>
+</file>
+
+<file path=ppt/slides/slide15.xml><?xml version="1.0" encoding="utf-8"?>
+<p:sld xmlns:a="http://schemas.openxmlformats.org/drawingml/2006/main" xmlns:r="http://schemas.openxmlformats.org/officeDocument/2006/relationships" xmlns:p="http://schemas.openxmlformats.org/presentationml/2006/main">
+  <p:cSld>
+    <p:spTree>
+      <p:nvGrpSpPr>
+        <p:cNvPr id="1" name=""/>
+        <p:cNvGrpSpPr/>
+        <p:nvPr/>
+      </p:nvGrpSpPr>
+      <p:grpSpPr>
+        <a:xfrm>
+          <a:off x="0" y="0"/>
+          <a:ext cx="0" cy="0"/>
+          <a:chOff x="0" y="0"/>
+          <a:chExt cx="0" cy="0"/>
+        </a:xfrm>
+      </p:grpSpPr>
+      <p:sp>
+        <p:nvSpPr>
+          <p:cNvPr id="2" name="Content Placeholder 1"/>
+          <p:cNvSpPr>
+            <a:spLocks noGrp="1"/>
+          </p:cNvSpPr>
+          <p:nvPr>
+            <p:ph idx="1"/>
+          </p:nvPr>
+        </p:nvSpPr>
+        <p:spPr/>
+        <p:txBody>
+          <a:bodyPr/>
+          <a:lstStyle/>
+          <a:p>
+            <a:r>
+              <a:rPr lang="en-US" dirty="0"/>
+              <a:t>There are many different syntaxes that you will see but they all do the same thing</a:t>
+            </a:r>
+          </a:p>
+          <a:p>
+            <a:r>
+              <a:rPr lang="en-US" dirty="0"/>
+              <a:t>The </a:t>
+            </a:r>
+            <a:r>
+              <a:rPr lang="en-US" dirty="0" err="1">
+                <a:latin typeface="Courier New" panose="02070309020205020404" pitchFamily="49" charset="0"/>
+                <a:cs typeface="Courier New" panose="02070309020205020404" pitchFamily="49" charset="0"/>
+              </a:rPr>
+              <a:t>sep</a:t>
+            </a:r>
+            <a:r>
+              <a:rPr lang="en-US" dirty="0"/>
+              <a:t> parameter can also be used to indicate different </a:t>
+            </a:r>
+            <a:r>
+              <a:rPr lang="en-US" dirty="0" err="1"/>
+              <a:t>seperators</a:t>
+            </a:r>
+            <a:r>
+              <a:rPr lang="en-US" dirty="0"/>
+              <a:t> like </a:t>
+            </a:r>
+            <a:r>
+              <a:rPr lang="en-US" dirty="0">
+                <a:latin typeface="Courier New" panose="02070309020205020404" pitchFamily="49" charset="0"/>
+                <a:cs typeface="Courier New" panose="02070309020205020404" pitchFamily="49" charset="0"/>
+              </a:rPr>
+              <a:t>\t</a:t>
+            </a:r>
+            <a:r>
+              <a:rPr lang="en-US" dirty="0"/>
+              <a:t> for tab</a:t>
+            </a:r>
+          </a:p>
+          <a:p>
+            <a:pPr marL="228600" lvl="1" indent="0">
+              <a:buNone/>
+            </a:pPr>
+            <a:br>
+              <a:rPr lang="en-US" dirty="0">
+                <a:latin typeface="Courier New" panose="02070309020205020404" pitchFamily="49" charset="0"/>
+                <a:cs typeface="Courier New" panose="02070309020205020404" pitchFamily="49" charset="0"/>
+              </a:rPr>
+            </a:br>
+            <a:r>
+              <a:rPr lang="en-US" dirty="0">
+                <a:latin typeface="Courier New" panose="02070309020205020404" pitchFamily="49" charset="0"/>
+                <a:cs typeface="Courier New" panose="02070309020205020404" pitchFamily="49" charset="0"/>
+              </a:rPr>
+              <a:t>filename = '/home/student/ROI/</a:t>
+            </a:r>
+            <a:r>
+              <a:rPr lang="en-US" dirty="0" err="1">
+                <a:latin typeface="Courier New" panose="02070309020205020404" pitchFamily="49" charset="0"/>
+                <a:cs typeface="Courier New" panose="02070309020205020404" pitchFamily="49" charset="0"/>
+              </a:rPr>
+              <a:t>SparkProgram</a:t>
+            </a:r>
+            <a:r>
+              <a:rPr lang="en-US" dirty="0">
+                <a:latin typeface="Courier New" panose="02070309020205020404" pitchFamily="49" charset="0"/>
+                <a:cs typeface="Courier New" panose="02070309020205020404" pitchFamily="49" charset="0"/>
+              </a:rPr>
+              <a:t>/datasets/</a:t>
+            </a:r>
+            <a:br>
+              <a:rPr lang="en-US" dirty="0">
+                <a:latin typeface="Courier New" panose="02070309020205020404" pitchFamily="49" charset="0"/>
+                <a:cs typeface="Courier New" panose="02070309020205020404" pitchFamily="49" charset="0"/>
+              </a:rPr>
+            </a:br>
+            <a:r>
+              <a:rPr lang="en-US" dirty="0">
+                <a:latin typeface="Courier New" panose="02070309020205020404" pitchFamily="49" charset="0"/>
+                <a:cs typeface="Courier New" panose="02070309020205020404" pitchFamily="49" charset="0"/>
+              </a:rPr>
+              <a:t>            finance/</a:t>
+            </a:r>
+            <a:r>
+              <a:rPr lang="en-US" dirty="0" err="1">
+                <a:latin typeface="Courier New" panose="02070309020205020404" pitchFamily="49" charset="0"/>
+                <a:cs typeface="Courier New" panose="02070309020205020404" pitchFamily="49" charset="0"/>
+              </a:rPr>
+              <a:t>CreditCard.csv</a:t>
+            </a:r>
+            <a:r>
+              <a:rPr lang="en-US" dirty="0">
+                <a:latin typeface="Courier New" panose="02070309020205020404" pitchFamily="49" charset="0"/>
+                <a:cs typeface="Courier New" panose="02070309020205020404" pitchFamily="49" charset="0"/>
+              </a:rPr>
+              <a:t>'</a:t>
+            </a:r>
+          </a:p>
+          <a:p>
+            <a:pPr marL="228600" lvl="1" indent="0">
+              <a:buNone/>
+            </a:pPr>
+            <a:br>
+              <a:rPr lang="en-US" dirty="0">
+                <a:latin typeface="Courier New" panose="02070309020205020404" pitchFamily="49" charset="0"/>
+                <a:cs typeface="Courier New" panose="02070309020205020404" pitchFamily="49" charset="0"/>
+              </a:rPr>
+            </a:br>
+            <a:r>
+              <a:rPr lang="en-US" dirty="0">
+                <a:latin typeface="Courier New" panose="02070309020205020404" pitchFamily="49" charset="0"/>
+                <a:cs typeface="Courier New" panose="02070309020205020404" pitchFamily="49" charset="0"/>
+              </a:rPr>
+              <a:t>df4 = </a:t>
+            </a:r>
+            <a:r>
+              <a:rPr lang="en-US" dirty="0" err="1">
+                <a:latin typeface="Courier New" panose="02070309020205020404" pitchFamily="49" charset="0"/>
+                <a:cs typeface="Courier New" panose="02070309020205020404" pitchFamily="49" charset="0"/>
+              </a:rPr>
+              <a:t>spark.read.load</a:t>
+            </a:r>
+            <a:r>
+              <a:rPr lang="en-US" dirty="0">
+                <a:latin typeface="Courier New" panose="02070309020205020404" pitchFamily="49" charset="0"/>
+                <a:cs typeface="Courier New" panose="02070309020205020404" pitchFamily="49" charset="0"/>
+              </a:rPr>
+              <a:t>(filename, format = 'csv', </a:t>
+            </a:r>
+            <a:br>
+              <a:rPr lang="en-US" dirty="0">
+                <a:latin typeface="Courier New" panose="02070309020205020404" pitchFamily="49" charset="0"/>
+                <a:cs typeface="Courier New" panose="02070309020205020404" pitchFamily="49" charset="0"/>
+              </a:rPr>
+            </a:br>
+            <a:r>
+              <a:rPr lang="en-US" dirty="0">
+                <a:latin typeface="Courier New" panose="02070309020205020404" pitchFamily="49" charset="0"/>
+                <a:cs typeface="Courier New" panose="02070309020205020404" pitchFamily="49" charset="0"/>
+              </a:rPr>
+              <a:t>  </a:t>
+            </a:r>
+            <a:r>
+              <a:rPr lang="en-US" dirty="0" err="1">
+                <a:latin typeface="Courier New" panose="02070309020205020404" pitchFamily="49" charset="0"/>
+                <a:cs typeface="Courier New" panose="02070309020205020404" pitchFamily="49" charset="0"/>
+              </a:rPr>
+              <a:t>sep</a:t>
+            </a:r>
+            <a:r>
+              <a:rPr lang="en-US" dirty="0">
+                <a:latin typeface="Courier New" panose="02070309020205020404" pitchFamily="49" charset="0"/>
+                <a:cs typeface="Courier New" panose="02070309020205020404" pitchFamily="49" charset="0"/>
+              </a:rPr>
+              <a:t> = ',', </a:t>
+            </a:r>
+            <a:r>
+              <a:rPr lang="en-US" dirty="0" err="1">
+                <a:latin typeface="Courier New" panose="02070309020205020404" pitchFamily="49" charset="0"/>
+                <a:cs typeface="Courier New" panose="02070309020205020404" pitchFamily="49" charset="0"/>
+              </a:rPr>
+              <a:t>inferSchema</a:t>
+            </a:r>
+            <a:r>
+              <a:rPr lang="en-US" dirty="0">
+                <a:latin typeface="Courier New" panose="02070309020205020404" pitchFamily="49" charset="0"/>
+                <a:cs typeface="Courier New" panose="02070309020205020404" pitchFamily="49" charset="0"/>
+              </a:rPr>
+              <a:t> = True, header = True)</a:t>
+            </a:r>
+            <a:br>
+              <a:rPr lang="en-US" dirty="0">
+                <a:latin typeface="Courier New" panose="02070309020205020404" pitchFamily="49" charset="0"/>
+                <a:cs typeface="Courier New" panose="02070309020205020404" pitchFamily="49" charset="0"/>
+              </a:rPr>
+            </a:br>
+            <a:endParaRPr lang="en-US" dirty="0">
+              <a:latin typeface="Courier New" panose="02070309020205020404" pitchFamily="49" charset="0"/>
+              <a:cs typeface="Courier New" panose="02070309020205020404" pitchFamily="49" charset="0"/>
+            </a:endParaRPr>
+          </a:p>
+          <a:p>
+            <a:pPr marL="228600" lvl="1" indent="0">
+              <a:buNone/>
+            </a:pPr>
+            <a:r>
+              <a:rPr lang="en-US" dirty="0">
+                <a:latin typeface="Courier New" panose="02070309020205020404" pitchFamily="49" charset="0"/>
+                <a:cs typeface="Courier New" panose="02070309020205020404" pitchFamily="49" charset="0"/>
+              </a:rPr>
+              <a:t>df4 = </a:t>
+            </a:r>
+            <a:r>
+              <a:rPr lang="en-US" dirty="0" err="1">
+                <a:latin typeface="Courier New" panose="02070309020205020404" pitchFamily="49" charset="0"/>
+                <a:cs typeface="Courier New" panose="02070309020205020404" pitchFamily="49" charset="0"/>
+              </a:rPr>
+              <a:t>spark.read.format</a:t>
+            </a:r>
+            <a:r>
+              <a:rPr lang="en-US" dirty="0">
+                <a:latin typeface="Courier New" panose="02070309020205020404" pitchFamily="49" charset="0"/>
+                <a:cs typeface="Courier New" panose="02070309020205020404" pitchFamily="49" charset="0"/>
+              </a:rPr>
+              <a:t>('csv').option('</a:t>
+            </a:r>
+            <a:r>
+              <a:rPr lang="en-US" dirty="0" err="1">
+                <a:latin typeface="Courier New" panose="02070309020205020404" pitchFamily="49" charset="0"/>
+                <a:cs typeface="Courier New" panose="02070309020205020404" pitchFamily="49" charset="0"/>
+              </a:rPr>
+              <a:t>header','true</a:t>
+            </a:r>
+            <a:r>
+              <a:rPr lang="en-US" dirty="0">
+                <a:latin typeface="Courier New" panose="02070309020205020404" pitchFamily="49" charset="0"/>
+                <a:cs typeface="Courier New" panose="02070309020205020404" pitchFamily="49" charset="0"/>
+              </a:rPr>
+              <a:t>').</a:t>
+            </a:r>
+            <a:br>
+              <a:rPr lang="en-US" dirty="0">
+                <a:latin typeface="Courier New" panose="02070309020205020404" pitchFamily="49" charset="0"/>
+                <a:cs typeface="Courier New" panose="02070309020205020404" pitchFamily="49" charset="0"/>
+              </a:rPr>
+            </a:br>
+            <a:r>
+              <a:rPr lang="en-US" dirty="0">
+                <a:latin typeface="Courier New" panose="02070309020205020404" pitchFamily="49" charset="0"/>
+                <a:cs typeface="Courier New" panose="02070309020205020404" pitchFamily="49" charset="0"/>
+              </a:rPr>
+              <a:t>  option('</a:t>
+            </a:r>
+            <a:r>
+              <a:rPr lang="en-US" dirty="0" err="1">
+                <a:latin typeface="Courier New" panose="02070309020205020404" pitchFamily="49" charset="0"/>
+                <a:cs typeface="Courier New" panose="02070309020205020404" pitchFamily="49" charset="0"/>
+              </a:rPr>
+              <a:t>inferSchema</a:t>
+            </a:r>
+            <a:r>
+              <a:rPr lang="en-US" dirty="0">
+                <a:latin typeface="Courier New" panose="02070309020205020404" pitchFamily="49" charset="0"/>
+                <a:cs typeface="Courier New" panose="02070309020205020404" pitchFamily="49" charset="0"/>
+              </a:rPr>
+              <a:t>','true').load(filename)</a:t>
+            </a:r>
+          </a:p>
+          <a:p>
+            <a:pPr marL="228600" lvl="1" indent="0">
+              <a:buNone/>
+            </a:pPr>
+            <a:br>
+              <a:rPr lang="en-US" dirty="0">
+                <a:latin typeface="Courier New" panose="02070309020205020404" pitchFamily="49" charset="0"/>
+                <a:cs typeface="Courier New" panose="02070309020205020404" pitchFamily="49" charset="0"/>
+              </a:rPr>
+            </a:br>
+            <a:r>
+              <a:rPr lang="en-US" dirty="0">
+                <a:latin typeface="Courier New" panose="02070309020205020404" pitchFamily="49" charset="0"/>
+                <a:cs typeface="Courier New" panose="02070309020205020404" pitchFamily="49" charset="0"/>
+              </a:rPr>
+              <a:t>df4 = </a:t>
+            </a:r>
+            <a:r>
+              <a:rPr lang="en-US" dirty="0" err="1">
+                <a:latin typeface="Courier New" panose="02070309020205020404" pitchFamily="49" charset="0"/>
+                <a:cs typeface="Courier New" panose="02070309020205020404" pitchFamily="49" charset="0"/>
+              </a:rPr>
+              <a:t>spark.read.csv</a:t>
+            </a:r>
+            <a:r>
+              <a:rPr lang="en-US" dirty="0">
+                <a:latin typeface="Courier New" panose="02070309020205020404" pitchFamily="49" charset="0"/>
+                <a:cs typeface="Courier New" panose="02070309020205020404" pitchFamily="49" charset="0"/>
+              </a:rPr>
+              <a:t>(filename, header = True,</a:t>
+            </a:r>
+            <a:br>
+              <a:rPr lang="en-US" dirty="0">
+                <a:latin typeface="Courier New" panose="02070309020205020404" pitchFamily="49" charset="0"/>
+                <a:cs typeface="Courier New" panose="02070309020205020404" pitchFamily="49" charset="0"/>
+              </a:rPr>
+            </a:br>
+            <a:r>
+              <a:rPr lang="en-US" dirty="0">
+                <a:latin typeface="Courier New" panose="02070309020205020404" pitchFamily="49" charset="0"/>
+                <a:cs typeface="Courier New" panose="02070309020205020404" pitchFamily="49" charset="0"/>
+              </a:rPr>
+              <a:t>  </a:t>
+            </a:r>
+            <a:r>
+              <a:rPr lang="en-US" dirty="0" err="1">
+                <a:latin typeface="Courier New" panose="02070309020205020404" pitchFamily="49" charset="0"/>
+                <a:cs typeface="Courier New" panose="02070309020205020404" pitchFamily="49" charset="0"/>
+              </a:rPr>
+              <a:t>inferSchema</a:t>
+            </a:r>
+            <a:r>
+              <a:rPr lang="en-US" dirty="0">
+                <a:latin typeface="Courier New" panose="02070309020205020404" pitchFamily="49" charset="0"/>
+                <a:cs typeface="Courier New" panose="02070309020205020404" pitchFamily="49" charset="0"/>
+              </a:rPr>
+              <a:t> = True)</a:t>
+            </a:r>
+          </a:p>
+          <a:p>
+            <a:pPr marL="228600" lvl="1" indent="0">
+              <a:buNone/>
+            </a:pPr>
+            <a:endParaRPr lang="en-US" dirty="0">
+              <a:latin typeface="Courier New" panose="02070309020205020404" pitchFamily="49" charset="0"/>
+              <a:cs typeface="Courier New" panose="02070309020205020404" pitchFamily="49" charset="0"/>
+            </a:endParaRPr>
+          </a:p>
+          <a:p>
+            <a:pPr marL="228600" lvl="1" indent="0">
+              <a:buNone/>
+            </a:pPr>
+            <a:endParaRPr lang="en-US" dirty="0">
+              <a:latin typeface="Courier New" panose="02070309020205020404" pitchFamily="49" charset="0"/>
+              <a:cs typeface="Courier New" panose="02070309020205020404" pitchFamily="49" charset="0"/>
+            </a:endParaRPr>
+          </a:p>
+          <a:p>
+            <a:endParaRPr lang="en-US" dirty="0"/>
+          </a:p>
+        </p:txBody>
+      </p:sp>
+      <p:sp>
+        <p:nvSpPr>
+          <p:cNvPr id="3" name="Title 2"/>
+          <p:cNvSpPr>
+            <a:spLocks noGrp="1"/>
+          </p:cNvSpPr>
+          <p:nvPr>
+            <p:ph type="title"/>
+          </p:nvPr>
+        </p:nvSpPr>
+        <p:spPr/>
+        <p:txBody>
+          <a:bodyPr/>
+          <a:lstStyle/>
+          <a:p>
+            <a:r>
+              <a:rPr lang="en-US" dirty="0"/>
               <a:t>Reading CSV Files</a:t>
+            </a:r>
+          </a:p>
+        </p:txBody>
+      </p:sp>
+    </p:spTree>
+    <p:extLst>
+      <p:ext uri="{BB962C8B-B14F-4D97-AF65-F5344CB8AC3E}">
+        <p14:creationId xmlns:p14="http://schemas.microsoft.com/office/powerpoint/2010/main" val="926687632"/>
+      </p:ext>
+    </p:extLst>
+  </p:cSld>
+  <p:clrMapOvr>
+    <a:masterClrMapping/>
+  </p:clrMapOvr>
+</p:sld>
+</file>
+
+<file path=ppt/slides/slide16.xml><?xml version="1.0" encoding="utf-8"?>
+<p:sld xmlns:a="http://schemas.openxmlformats.org/drawingml/2006/main" xmlns:r="http://schemas.openxmlformats.org/officeDocument/2006/relationships" xmlns:p="http://schemas.openxmlformats.org/presentationml/2006/main">
+  <p:cSld>
+    <p:spTree>
+      <p:nvGrpSpPr>
+        <p:cNvPr id="1" name=""/>
+        <p:cNvGrpSpPr/>
+        <p:nvPr/>
+      </p:nvGrpSpPr>
+      <p:grpSpPr>
+        <a:xfrm>
+          <a:off x="0" y="0"/>
+          <a:ext cx="0" cy="0"/>
+          <a:chOff x="0" y="0"/>
+          <a:chExt cx="0" cy="0"/>
+        </a:xfrm>
+      </p:grpSpPr>
+      <p:sp>
+        <p:nvSpPr>
+          <p:cNvPr id="2" name="Content Placeholder 1"/>
+          <p:cNvSpPr>
+            <a:spLocks noGrp="1"/>
+          </p:cNvSpPr>
+          <p:nvPr>
+            <p:ph idx="1"/>
+          </p:nvPr>
+        </p:nvSpPr>
+        <p:spPr>
+          <a:xfrm>
+            <a:off x="581025" y="1155614"/>
+            <a:ext cx="8402554" cy="5072616"/>
+          </a:xfrm>
+        </p:spPr>
+        <p:txBody>
+          <a:bodyPr/>
+          <a:lstStyle/>
+          <a:p>
+            <a:r>
+              <a:rPr lang="en-US" dirty="0"/>
+              <a:t>The write method on a </a:t>
+            </a:r>
+            <a:r>
+              <a:rPr lang="en-US" dirty="0" err="1"/>
+              <a:t>DataFrame</a:t>
+            </a:r>
+            <a:r>
+              <a:rPr lang="en-US" dirty="0"/>
+              <a:t> can be used just like the </a:t>
+            </a:r>
+            <a:r>
+              <a:rPr lang="en-US" dirty="0">
+                <a:latin typeface="Courier New" panose="02070309020205020404" pitchFamily="49" charset="0"/>
+                <a:cs typeface="Courier New" panose="02070309020205020404" pitchFamily="49" charset="0"/>
+              </a:rPr>
+              <a:t>read</a:t>
+            </a:r>
+            <a:r>
+              <a:rPr lang="en-US" dirty="0"/>
+              <a:t> function using many different options</a:t>
+            </a:r>
+          </a:p>
+          <a:p>
+            <a:r>
+              <a:rPr lang="en-US" dirty="0"/>
+              <a:t>Some options are built-in such as:</a:t>
+            </a:r>
+          </a:p>
+          <a:p>
+            <a:pPr lvl="1"/>
+            <a:r>
+              <a:rPr lang="en-US" dirty="0" err="1">
+                <a:latin typeface="Courier New" panose="02070309020205020404" pitchFamily="49" charset="0"/>
+                <a:cs typeface="Courier New" panose="02070309020205020404" pitchFamily="49" charset="0"/>
+              </a:rPr>
+              <a:t>jdbc</a:t>
+            </a:r>
+            <a:endParaRPr lang="en-US" dirty="0">
+              <a:latin typeface="Courier New" panose="02070309020205020404" pitchFamily="49" charset="0"/>
+              <a:cs typeface="Courier New" panose="02070309020205020404" pitchFamily="49" charset="0"/>
+            </a:endParaRPr>
+          </a:p>
+          <a:p>
+            <a:pPr lvl="1"/>
+            <a:r>
+              <a:rPr lang="en-US" dirty="0" err="1">
+                <a:latin typeface="Courier New" panose="02070309020205020404" pitchFamily="49" charset="0"/>
+                <a:cs typeface="Courier New" panose="02070309020205020404" pitchFamily="49" charset="0"/>
+              </a:rPr>
+              <a:t>json</a:t>
+            </a:r>
+            <a:r>
+              <a:rPr lang="en-US" dirty="0">
+                <a:latin typeface="Courier New" panose="02070309020205020404" pitchFamily="49" charset="0"/>
+                <a:cs typeface="Courier New" panose="02070309020205020404" pitchFamily="49" charset="0"/>
+              </a:rPr>
+              <a:t> </a:t>
+            </a:r>
+            <a:r>
+              <a:rPr lang="en-US" dirty="0" err="1">
+                <a:latin typeface="Courier New" panose="02070309020205020404" pitchFamily="49" charset="0"/>
+                <a:cs typeface="Courier New" panose="02070309020205020404" pitchFamily="49" charset="0"/>
+              </a:rPr>
+              <a:t>spark.read.json</a:t>
+            </a:r>
+            <a:r>
+              <a:rPr lang="en-US" dirty="0">
+                <a:latin typeface="Courier New" panose="02070309020205020404" pitchFamily="49" charset="0"/>
+                <a:cs typeface="Courier New" panose="02070309020205020404" pitchFamily="49" charset="0"/>
+              </a:rPr>
+              <a:t>(filename)</a:t>
+            </a:r>
+            <a:r>
+              <a:rPr lang="en-US" dirty="0" err="1">
+                <a:latin typeface="Courier New" panose="02070309020205020404" pitchFamily="49" charset="0"/>
+                <a:cs typeface="Courier New" panose="02070309020205020404" pitchFamily="49" charset="0"/>
+              </a:rPr>
+              <a:t>df.write.json</a:t>
+            </a:r>
+            <a:r>
+              <a:rPr lang="en-US" dirty="0">
+                <a:latin typeface="Courier New" panose="02070309020205020404" pitchFamily="49" charset="0"/>
+                <a:cs typeface="Courier New" panose="02070309020205020404" pitchFamily="49" charset="0"/>
+              </a:rPr>
+              <a:t>(file)</a:t>
+            </a:r>
+          </a:p>
+          <a:p>
+            <a:pPr lvl="1"/>
+            <a:r>
+              <a:rPr lang="en-US" dirty="0">
+                <a:latin typeface="Courier New" panose="02070309020205020404" pitchFamily="49" charset="0"/>
+                <a:cs typeface="Courier New" panose="02070309020205020404" pitchFamily="49" charset="0"/>
+              </a:rPr>
+              <a:t>orc  </a:t>
+            </a:r>
+            <a:r>
+              <a:rPr lang="en-US" dirty="0" err="1">
+                <a:latin typeface="Courier New" panose="02070309020205020404" pitchFamily="49" charset="0"/>
+                <a:cs typeface="Courier New" panose="02070309020205020404" pitchFamily="49" charset="0"/>
+              </a:rPr>
+              <a:t>spark.read.orc</a:t>
+            </a:r>
+            <a:r>
+              <a:rPr lang="en-US" dirty="0">
+                <a:latin typeface="Courier New" panose="02070309020205020404" pitchFamily="49" charset="0"/>
+                <a:cs typeface="Courier New" panose="02070309020205020404" pitchFamily="49" charset="0"/>
+              </a:rPr>
+              <a:t>(filename) </a:t>
+            </a:r>
+            <a:r>
+              <a:rPr lang="en-US" dirty="0" err="1">
+                <a:latin typeface="Courier New" panose="02070309020205020404" pitchFamily="49" charset="0"/>
+                <a:cs typeface="Courier New" panose="02070309020205020404" pitchFamily="49" charset="0"/>
+              </a:rPr>
+              <a:t>df.write.orc</a:t>
+            </a:r>
+            <a:r>
+              <a:rPr lang="en-US" dirty="0">
+                <a:latin typeface="Courier New" panose="02070309020205020404" pitchFamily="49" charset="0"/>
+                <a:cs typeface="Courier New" panose="02070309020205020404" pitchFamily="49" charset="0"/>
+              </a:rPr>
+              <a:t>(file)</a:t>
+            </a:r>
+          </a:p>
+          <a:p>
+            <a:pPr lvl="1"/>
+            <a:r>
+              <a:rPr lang="en-US" dirty="0">
+                <a:latin typeface="Courier New" panose="02070309020205020404" pitchFamily="49" charset="0"/>
+                <a:cs typeface="Courier New" panose="02070309020205020404" pitchFamily="49" charset="0"/>
+              </a:rPr>
+              <a:t>parquet </a:t>
+            </a:r>
+            <a:r>
+              <a:rPr lang="en-US" dirty="0" err="1">
+                <a:latin typeface="Courier New" panose="02070309020205020404" pitchFamily="49" charset="0"/>
+                <a:cs typeface="Courier New" panose="02070309020205020404" pitchFamily="49" charset="0"/>
+              </a:rPr>
+              <a:t>spark.read.parquet</a:t>
+            </a:r>
+            <a:r>
+              <a:rPr lang="en-US" dirty="0">
+                <a:latin typeface="Courier New" panose="02070309020205020404" pitchFamily="49" charset="0"/>
+                <a:cs typeface="Courier New" panose="02070309020205020404" pitchFamily="49" charset="0"/>
+              </a:rPr>
+              <a:t>(file) </a:t>
+            </a:r>
+            <a:r>
+              <a:rPr lang="en-US" dirty="0" err="1">
+                <a:latin typeface="Courier New" panose="02070309020205020404" pitchFamily="49" charset="0"/>
+                <a:cs typeface="Courier New" panose="02070309020205020404" pitchFamily="49" charset="0"/>
+              </a:rPr>
+              <a:t>df.write.parquet</a:t>
+            </a:r>
+            <a:r>
+              <a:rPr lang="en-US" dirty="0">
+                <a:latin typeface="Courier New" panose="02070309020205020404" pitchFamily="49" charset="0"/>
+                <a:cs typeface="Courier New" panose="02070309020205020404" pitchFamily="49" charset="0"/>
+              </a:rPr>
+              <a:t>(file)</a:t>
+            </a:r>
+          </a:p>
+          <a:p>
+            <a:pPr lvl="1"/>
+            <a:r>
+              <a:rPr lang="en-US" dirty="0">
+                <a:latin typeface="Courier New" panose="02070309020205020404" pitchFamily="49" charset="0"/>
+                <a:cs typeface="Courier New" panose="02070309020205020404" pitchFamily="49" charset="0"/>
+              </a:rPr>
+              <a:t>text  </a:t>
+            </a:r>
+            <a:r>
+              <a:rPr lang="en-US" dirty="0" err="1">
+                <a:latin typeface="Courier New" panose="02070309020205020404" pitchFamily="49" charset="0"/>
+                <a:cs typeface="Courier New" panose="02070309020205020404" pitchFamily="49" charset="0"/>
+              </a:rPr>
+              <a:t>spark.read.text</a:t>
+            </a:r>
+            <a:r>
+              <a:rPr lang="en-US" dirty="0">
+                <a:latin typeface="Courier New" panose="02070309020205020404" pitchFamily="49" charset="0"/>
+                <a:cs typeface="Courier New" panose="02070309020205020404" pitchFamily="49" charset="0"/>
+              </a:rPr>
+              <a:t>(file) </a:t>
+            </a:r>
+            <a:r>
+              <a:rPr lang="en-US" dirty="0" err="1">
+                <a:latin typeface="Courier New" panose="02070309020205020404" pitchFamily="49" charset="0"/>
+                <a:cs typeface="Courier New" panose="02070309020205020404" pitchFamily="49" charset="0"/>
+              </a:rPr>
+              <a:t>df.write.text</a:t>
+            </a:r>
+            <a:r>
+              <a:rPr lang="en-US" dirty="0">
+                <a:latin typeface="Courier New" panose="02070309020205020404" pitchFamily="49" charset="0"/>
+                <a:cs typeface="Courier New" panose="02070309020205020404" pitchFamily="49" charset="0"/>
+              </a:rPr>
+              <a:t>(file)</a:t>
+            </a:r>
+          </a:p>
+          <a:p>
+            <a:r>
+              <a:rPr lang="en-US" dirty="0"/>
+              <a:t>Other formats can use the option to supply a custom Java class that can be downloaded and installed on the computer:</a:t>
+            </a:r>
+          </a:p>
+          <a:p>
+            <a:pPr lvl="1"/>
+            <a:r>
+              <a:rPr lang="en-US" dirty="0"/>
+              <a:t>AVRO: </a:t>
+            </a:r>
+            <a:r>
+              <a:rPr lang="en-US" dirty="0" err="1">
+                <a:latin typeface="Courier New" panose="02070309020205020404" pitchFamily="49" charset="0"/>
+                <a:cs typeface="Courier New" panose="02070309020205020404" pitchFamily="49" charset="0"/>
+              </a:rPr>
+              <a:t>spark.read.format</a:t>
+            </a:r>
+            <a:r>
+              <a:rPr lang="en-US" dirty="0">
+                <a:latin typeface="Courier New" panose="02070309020205020404" pitchFamily="49" charset="0"/>
+                <a:cs typeface="Courier New" panose="02070309020205020404" pitchFamily="49" charset="0"/>
+              </a:rPr>
+              <a:t>("</a:t>
+            </a:r>
+            <a:r>
+              <a:rPr lang="en-US" dirty="0" err="1">
+                <a:latin typeface="Courier New" panose="02070309020205020404" pitchFamily="49" charset="0"/>
+                <a:cs typeface="Courier New" panose="02070309020205020404" pitchFamily="49" charset="0"/>
+              </a:rPr>
+              <a:t>com.databricks.spark.avro</a:t>
+            </a:r>
+            <a:r>
+              <a:rPr lang="en-US" dirty="0">
+                <a:latin typeface="Courier New" panose="02070309020205020404" pitchFamily="49" charset="0"/>
+                <a:cs typeface="Courier New" panose="02070309020205020404" pitchFamily="49" charset="0"/>
+              </a:rPr>
+              <a:t>").load("</a:t>
+            </a:r>
+            <a:r>
+              <a:rPr lang="en-US" dirty="0" err="1">
+                <a:latin typeface="Courier New" panose="02070309020205020404" pitchFamily="49" charset="0"/>
+                <a:cs typeface="Courier New" panose="02070309020205020404" pitchFamily="49" charset="0"/>
+              </a:rPr>
+              <a:t>kv.avro</a:t>
+            </a:r>
+            <a:r>
+              <a:rPr lang="en-US" dirty="0">
+                <a:latin typeface="Courier New" panose="02070309020205020404" pitchFamily="49" charset="0"/>
+                <a:cs typeface="Courier New" panose="02070309020205020404" pitchFamily="49" charset="0"/>
+              </a:rPr>
+              <a:t>")</a:t>
+            </a:r>
+          </a:p>
+          <a:p>
+            <a:pPr lvl="1"/>
+            <a:r>
+              <a:rPr lang="en-US" dirty="0">
+                <a:latin typeface="Courier New" panose="02070309020205020404" pitchFamily="49" charset="0"/>
+                <a:cs typeface="Courier New" panose="02070309020205020404" pitchFamily="49" charset="0"/>
+              </a:rPr>
+              <a:t>Cassandra:</a:t>
+            </a:r>
+            <a:br>
+              <a:rPr lang="en-US" dirty="0">
+                <a:latin typeface="Courier New" panose="02070309020205020404" pitchFamily="49" charset="0"/>
+                <a:cs typeface="Courier New" panose="02070309020205020404" pitchFamily="49" charset="0"/>
+              </a:rPr>
+            </a:br>
+            <a:r>
+              <a:rPr lang="en-US" dirty="0" err="1">
+                <a:latin typeface="Courier New" panose="02070309020205020404" pitchFamily="49" charset="0"/>
+                <a:cs typeface="Courier New" panose="02070309020205020404" pitchFamily="49" charset="0"/>
+              </a:rPr>
+              <a:t>sqlContext.read.format</a:t>
+            </a:r>
+            <a:r>
+              <a:rPr lang="en-US" dirty="0">
+                <a:latin typeface="Courier New" panose="02070309020205020404" pitchFamily="49" charset="0"/>
+                <a:cs typeface="Courier New" panose="02070309020205020404" pitchFamily="49" charset="0"/>
+              </a:rPr>
+              <a:t>("</a:t>
+            </a:r>
+            <a:r>
+              <a:rPr lang="en-US" dirty="0" err="1">
+                <a:latin typeface="Courier New" panose="02070309020205020404" pitchFamily="49" charset="0"/>
+                <a:cs typeface="Courier New" panose="02070309020205020404" pitchFamily="49" charset="0"/>
+              </a:rPr>
+              <a:t>org.apache.spark.sql.cassandra</a:t>
+            </a:r>
+            <a:r>
+              <a:rPr lang="en-US" dirty="0">
+                <a:latin typeface="Courier New" panose="02070309020205020404" pitchFamily="49" charset="0"/>
+                <a:cs typeface="Courier New" panose="02070309020205020404" pitchFamily="49" charset="0"/>
+              </a:rPr>
+              <a:t>").options(table = </a:t>
+            </a:r>
+            <a:r>
+              <a:rPr lang="en-US" dirty="0" err="1">
+                <a:latin typeface="Courier New" panose="02070309020205020404" pitchFamily="49" charset="0"/>
+                <a:cs typeface="Courier New" panose="02070309020205020404" pitchFamily="49" charset="0"/>
+              </a:rPr>
+              <a:t>table_name</a:t>
+            </a:r>
+            <a:r>
+              <a:rPr lang="en-US" dirty="0">
+                <a:latin typeface="Courier New" panose="02070309020205020404" pitchFamily="49" charset="0"/>
+                <a:cs typeface="Courier New" panose="02070309020205020404" pitchFamily="49" charset="0"/>
+              </a:rPr>
+              <a:t>, </a:t>
+            </a:r>
+            <a:r>
+              <a:rPr lang="en-US" dirty="0" err="1">
+                <a:latin typeface="Courier New" panose="02070309020205020404" pitchFamily="49" charset="0"/>
+                <a:cs typeface="Courier New" panose="02070309020205020404" pitchFamily="49" charset="0"/>
+              </a:rPr>
+              <a:t>keyspace</a:t>
+            </a:r>
+            <a:r>
+              <a:rPr lang="en-US" dirty="0">
+                <a:latin typeface="Courier New" panose="02070309020205020404" pitchFamily="49" charset="0"/>
+                <a:cs typeface="Courier New" panose="02070309020205020404" pitchFamily="49" charset="0"/>
+              </a:rPr>
+              <a:t> = </a:t>
+            </a:r>
+            <a:r>
+              <a:rPr lang="en-US" dirty="0" err="1">
+                <a:latin typeface="Courier New" panose="02070309020205020404" pitchFamily="49" charset="0"/>
+                <a:cs typeface="Courier New" panose="02070309020205020404" pitchFamily="49" charset="0"/>
+              </a:rPr>
+              <a:t>keys_space_name</a:t>
+            </a:r>
+            <a:r>
+              <a:rPr lang="en-US" dirty="0">
+                <a:latin typeface="Courier New" panose="02070309020205020404" pitchFamily="49" charset="0"/>
+                <a:cs typeface="Courier New" panose="02070309020205020404" pitchFamily="49" charset="0"/>
+              </a:rPr>
+              <a:t>).load()</a:t>
+            </a:r>
+          </a:p>
+        </p:txBody>
+      </p:sp>
+      <p:sp>
+        <p:nvSpPr>
+          <p:cNvPr id="3" name="Title 2"/>
+          <p:cNvSpPr>
+            <a:spLocks noGrp="1"/>
+          </p:cNvSpPr>
+          <p:nvPr>
+            <p:ph type="title"/>
+          </p:nvPr>
+        </p:nvSpPr>
+        <p:spPr/>
+        <p:txBody>
+          <a:bodyPr/>
+          <a:lstStyle/>
+          <a:p>
+            <a:r>
+              <a:rPr lang="en-US" dirty="0"/>
+              <a:t>Writing Files</a:t>
             </a:r>
           </a:p>
         </p:txBody>
@@ -8184,6 +9713,865 @@
     <p:extLst>
       <p:ext uri="{BB962C8B-B14F-4D97-AF65-F5344CB8AC3E}">
         <p14:creationId xmlns:p14="http://schemas.microsoft.com/office/powerpoint/2010/main" val="4135539595"/>
+      </p:ext>
+    </p:extLst>
+  </p:cSld>
+  <p:clrMapOvr>
+    <a:masterClrMapping/>
+  </p:clrMapOvr>
+</p:sld>
+</file>
+
+<file path=ppt/slides/slide17.xml><?xml version="1.0" encoding="utf-8"?>
+<p:sld xmlns:a="http://schemas.openxmlformats.org/drawingml/2006/main" xmlns:r="http://schemas.openxmlformats.org/officeDocument/2006/relationships" xmlns:p="http://schemas.openxmlformats.org/presentationml/2006/main">
+  <p:cSld>
+    <p:spTree>
+      <p:nvGrpSpPr>
+        <p:cNvPr id="1" name=""/>
+        <p:cNvGrpSpPr/>
+        <p:nvPr/>
+      </p:nvGrpSpPr>
+      <p:grpSpPr>
+        <a:xfrm>
+          <a:off x="0" y="0"/>
+          <a:ext cx="0" cy="0"/>
+          <a:chOff x="0" y="0"/>
+          <a:chExt cx="0" cy="0"/>
+        </a:xfrm>
+      </p:grpSpPr>
+      <p:sp>
+        <p:nvSpPr>
+          <p:cNvPr id="2" name="Content Placeholder 1"/>
+          <p:cNvSpPr>
+            <a:spLocks noGrp="1"/>
+          </p:cNvSpPr>
+          <p:nvPr>
+            <p:ph idx="1"/>
+          </p:nvPr>
+        </p:nvSpPr>
+        <p:spPr>
+          <a:xfrm>
+            <a:off x="270668" y="1123530"/>
+            <a:ext cx="8873332" cy="5229144"/>
+          </a:xfrm>
+        </p:spPr>
+        <p:txBody>
+          <a:bodyPr/>
+          <a:lstStyle/>
+          <a:p>
+            <a:r>
+              <a:rPr lang="en-US" dirty="0"/>
+              <a:t>A lot of standard SQL is supported by Spark </a:t>
+            </a:r>
+          </a:p>
+          <a:p>
+            <a:r>
+              <a:rPr lang="en-US" dirty="0"/>
+              <a:t>Using the expr function in combination with </a:t>
+            </a:r>
+            <a:r>
+              <a:rPr lang="en-US" dirty="0" err="1"/>
+              <a:t>withColumn</a:t>
+            </a:r>
+            <a:r>
+              <a:rPr lang="en-US" dirty="0"/>
+              <a:t> you can add calculated columns to a </a:t>
+            </a:r>
+            <a:r>
+              <a:rPr lang="en-US" dirty="0" err="1"/>
+              <a:t>DataFrame</a:t>
+            </a:r>
+            <a:r>
+              <a:rPr lang="en-US" dirty="0"/>
+              <a:t> if you can code the calculation as standard SQL</a:t>
+            </a:r>
+          </a:p>
+          <a:p>
+            <a:pPr marL="228600" lvl="1" indent="0">
+              <a:buNone/>
+            </a:pPr>
+            <a:r>
+              <a:rPr lang="en-US" dirty="0">
+                <a:latin typeface="Courier New" panose="02070309020205020404" pitchFamily="49" charset="0"/>
+                <a:cs typeface="Courier New" panose="02070309020205020404" pitchFamily="49" charset="0"/>
+              </a:rPr>
+              <a:t>from </a:t>
+            </a:r>
+            <a:r>
+              <a:rPr lang="en-US" dirty="0" err="1">
+                <a:latin typeface="Courier New" panose="02070309020205020404" pitchFamily="49" charset="0"/>
+                <a:cs typeface="Courier New" panose="02070309020205020404" pitchFamily="49" charset="0"/>
+              </a:rPr>
+              <a:t>pyspark.sql.functions</a:t>
+            </a:r>
+            <a:r>
+              <a:rPr lang="en-US" dirty="0">
+                <a:latin typeface="Courier New" panose="02070309020205020404" pitchFamily="49" charset="0"/>
+                <a:cs typeface="Courier New" panose="02070309020205020404" pitchFamily="49" charset="0"/>
+              </a:rPr>
+              <a:t> import expr</a:t>
+            </a:r>
+          </a:p>
+          <a:p>
+            <a:pPr marL="228600" lvl="1" indent="0">
+              <a:buNone/>
+            </a:pPr>
+            <a:r>
+              <a:rPr lang="en-US" dirty="0">
+                <a:latin typeface="Courier New" panose="02070309020205020404" pitchFamily="49" charset="0"/>
+                <a:cs typeface="Courier New" panose="02070309020205020404" pitchFamily="49" charset="0"/>
+              </a:rPr>
+              <a:t>x2.withColumn('</a:t>
+            </a:r>
+            <a:r>
+              <a:rPr lang="en-US" dirty="0" err="1">
+                <a:latin typeface="Courier New" panose="02070309020205020404" pitchFamily="49" charset="0"/>
+                <a:cs typeface="Courier New" panose="02070309020205020404" pitchFamily="49" charset="0"/>
+              </a:rPr>
+              <a:t>uppername</a:t>
+            </a:r>
+            <a:r>
+              <a:rPr lang="en-US" dirty="0">
+                <a:latin typeface="Courier New" panose="02070309020205020404" pitchFamily="49" charset="0"/>
+                <a:cs typeface="Courier New" panose="02070309020205020404" pitchFamily="49" charset="0"/>
+              </a:rPr>
+              <a:t>', expr('upper(name)')).show()</a:t>
+            </a:r>
+          </a:p>
+          <a:p>
+            <a:r>
+              <a:rPr lang="en-US" dirty="0"/>
+              <a:t>Sometimes you just want to easily rename a column</a:t>
+            </a:r>
+          </a:p>
+          <a:p>
+            <a:pPr lvl="1"/>
+            <a:r>
+              <a:rPr lang="en-US" dirty="0" err="1">
+                <a:latin typeface="Courier New" panose="02070309020205020404" pitchFamily="49" charset="0"/>
+                <a:cs typeface="Courier New" panose="02070309020205020404" pitchFamily="49" charset="0"/>
+              </a:rPr>
+              <a:t>withColumnRenamed</a:t>
+            </a:r>
+            <a:r>
+              <a:rPr lang="en-US" dirty="0">
+                <a:latin typeface="Courier New" panose="02070309020205020404" pitchFamily="49" charset="0"/>
+                <a:cs typeface="Courier New" panose="02070309020205020404" pitchFamily="49" charset="0"/>
+              </a:rPr>
+              <a:t>(</a:t>
+            </a:r>
+            <a:r>
+              <a:rPr lang="en-US" dirty="0" err="1">
+                <a:latin typeface="Courier New" panose="02070309020205020404" pitchFamily="49" charset="0"/>
+                <a:cs typeface="Courier New" panose="02070309020205020404" pitchFamily="49" charset="0"/>
+              </a:rPr>
+              <a:t>oldname</a:t>
+            </a:r>
+            <a:r>
+              <a:rPr lang="en-US" dirty="0">
+                <a:latin typeface="Courier New" panose="02070309020205020404" pitchFamily="49" charset="0"/>
+                <a:cs typeface="Courier New" panose="02070309020205020404" pitchFamily="49" charset="0"/>
+              </a:rPr>
+              <a:t>, newname)</a:t>
+            </a:r>
+          </a:p>
+          <a:p>
+            <a:r>
+              <a:rPr lang="en-US" dirty="0"/>
+              <a:t>Like </a:t>
+            </a:r>
+            <a:r>
+              <a:rPr lang="en-US" dirty="0">
+                <a:latin typeface="Courier New" panose="02070309020205020404" pitchFamily="49" charset="0"/>
+                <a:cs typeface="Courier New" panose="02070309020205020404" pitchFamily="49" charset="0"/>
+              </a:rPr>
+              <a:t>collect() </a:t>
+            </a:r>
+            <a:r>
+              <a:rPr lang="en-US" dirty="0"/>
+              <a:t>the </a:t>
+            </a:r>
+            <a:r>
+              <a:rPr lang="en-US" dirty="0" err="1">
+                <a:latin typeface="Courier New" panose="02070309020205020404" pitchFamily="49" charset="0"/>
+                <a:cs typeface="Courier New" panose="02070309020205020404" pitchFamily="49" charset="0"/>
+              </a:rPr>
+              <a:t>toLocalIterator</a:t>
+            </a:r>
+            <a:r>
+              <a:rPr lang="en-US" dirty="0">
+                <a:latin typeface="Courier New" panose="02070309020205020404" pitchFamily="49" charset="0"/>
+                <a:cs typeface="Courier New" panose="02070309020205020404" pitchFamily="49" charset="0"/>
+              </a:rPr>
+              <a:t>()</a:t>
+            </a:r>
+            <a:r>
+              <a:rPr lang="en-US" dirty="0"/>
+              <a:t> method will return all the results to the driver node, but it does it as a generator instead of a </a:t>
+            </a:r>
+            <a:r>
+              <a:rPr lang="en-US" dirty="0">
+                <a:latin typeface="Courier New" panose="02070309020205020404" pitchFamily="49" charset="0"/>
+                <a:cs typeface="Courier New" panose="02070309020205020404" pitchFamily="49" charset="0"/>
+              </a:rPr>
+              <a:t>list</a:t>
+            </a:r>
+            <a:r>
+              <a:rPr lang="en-US" dirty="0"/>
+              <a:t> </a:t>
+            </a:r>
+          </a:p>
+          <a:p>
+            <a:r>
+              <a:rPr lang="en-US" dirty="0"/>
+              <a:t>Just like SQL there are methods </a:t>
+            </a:r>
+            <a:r>
+              <a:rPr lang="en-US" dirty="0">
+                <a:latin typeface="Courier New" panose="02070309020205020404" pitchFamily="49" charset="0"/>
+                <a:cs typeface="Courier New" panose="02070309020205020404" pitchFamily="49" charset="0"/>
+              </a:rPr>
+              <a:t>union, </a:t>
+            </a:r>
+            <a:r>
+              <a:rPr lang="en-US" dirty="0" err="1">
+                <a:latin typeface="Courier New" panose="02070309020205020404" pitchFamily="49" charset="0"/>
+                <a:cs typeface="Courier New" panose="02070309020205020404" pitchFamily="49" charset="0"/>
+              </a:rPr>
+              <a:t>unionAll</a:t>
+            </a:r>
+            <a:r>
+              <a:rPr lang="en-US" dirty="0">
+                <a:latin typeface="Courier New" panose="02070309020205020404" pitchFamily="49" charset="0"/>
+                <a:cs typeface="Courier New" panose="02070309020205020404" pitchFamily="49" charset="0"/>
+              </a:rPr>
+              <a:t>, subtract </a:t>
+            </a:r>
+            <a:r>
+              <a:rPr lang="en-US" dirty="0"/>
+              <a:t>and</a:t>
+            </a:r>
+            <a:r>
+              <a:rPr lang="en-US" dirty="0">
+                <a:latin typeface="Courier New" panose="02070309020205020404" pitchFamily="49" charset="0"/>
+                <a:cs typeface="Courier New" panose="02070309020205020404" pitchFamily="49" charset="0"/>
+              </a:rPr>
+              <a:t> intersect</a:t>
+            </a:r>
+            <a:endParaRPr lang="en-US" dirty="0"/>
+          </a:p>
+          <a:p>
+            <a:endParaRPr lang="en-US" dirty="0">
+              <a:latin typeface="Courier New" panose="02070309020205020404" pitchFamily="49" charset="0"/>
+              <a:cs typeface="Courier New" panose="02070309020205020404" pitchFamily="49" charset="0"/>
+            </a:endParaRPr>
+          </a:p>
+        </p:txBody>
+      </p:sp>
+      <p:sp>
+        <p:nvSpPr>
+          <p:cNvPr id="3" name="Title 2"/>
+          <p:cNvSpPr>
+            <a:spLocks noGrp="1"/>
+          </p:cNvSpPr>
+          <p:nvPr>
+            <p:ph type="title"/>
+          </p:nvPr>
+        </p:nvSpPr>
+        <p:spPr/>
+        <p:txBody>
+          <a:bodyPr/>
+          <a:lstStyle/>
+          <a:p>
+            <a:r>
+              <a:rPr lang="en-US" dirty="0"/>
+              <a:t>Miscellaneous Useful Methods</a:t>
+            </a:r>
+          </a:p>
+        </p:txBody>
+      </p:sp>
+    </p:spTree>
+    <p:extLst>
+      <p:ext uri="{BB962C8B-B14F-4D97-AF65-F5344CB8AC3E}">
+        <p14:creationId xmlns:p14="http://schemas.microsoft.com/office/powerpoint/2010/main" val="1785131013"/>
+      </p:ext>
+    </p:extLst>
+  </p:cSld>
+  <p:clrMapOvr>
+    <a:masterClrMapping/>
+  </p:clrMapOvr>
+</p:sld>
+</file>
+
+<file path=ppt/slides/slide18.xml><?xml version="1.0" encoding="utf-8"?>
+<p:sld xmlns:a="http://schemas.openxmlformats.org/drawingml/2006/main" xmlns:r="http://schemas.openxmlformats.org/officeDocument/2006/relationships" xmlns:p="http://schemas.openxmlformats.org/presentationml/2006/main">
+  <p:cSld>
+    <p:spTree>
+      <p:nvGrpSpPr>
+        <p:cNvPr id="1" name=""/>
+        <p:cNvGrpSpPr/>
+        <p:nvPr/>
+      </p:nvGrpSpPr>
+      <p:grpSpPr>
+        <a:xfrm>
+          <a:off x="0" y="0"/>
+          <a:ext cx="0" cy="0"/>
+          <a:chOff x="0" y="0"/>
+          <a:chExt cx="0" cy="0"/>
+        </a:xfrm>
+      </p:grpSpPr>
+      <p:sp>
+        <p:nvSpPr>
+          <p:cNvPr id="2" name="Content Placeholder 1"/>
+          <p:cNvSpPr>
+            <a:spLocks noGrp="1"/>
+          </p:cNvSpPr>
+          <p:nvPr>
+            <p:ph idx="1"/>
+          </p:nvPr>
+        </p:nvSpPr>
+        <p:spPr>
+          <a:xfrm>
+            <a:off x="270668" y="1123530"/>
+            <a:ext cx="8873332" cy="5229144"/>
+          </a:xfrm>
+        </p:spPr>
+        <p:txBody>
+          <a:bodyPr/>
+          <a:lstStyle/>
+          <a:p>
+            <a:r>
+              <a:rPr lang="en-US" dirty="0"/>
+              <a:t>Sometimes it is necessary to write complex functions using Python</a:t>
+            </a:r>
+          </a:p>
+          <a:p>
+            <a:r>
+              <a:rPr lang="en-US" dirty="0"/>
+              <a:t>Import the helper functions in </a:t>
+            </a:r>
+            <a:r>
+              <a:rPr lang="en-US" dirty="0" err="1"/>
+              <a:t>pyspark.sql</a:t>
+            </a:r>
+            <a:endParaRPr lang="en-US" dirty="0"/>
+          </a:p>
+          <a:p>
+            <a:pPr marL="228600" lvl="1" indent="0">
+              <a:buNone/>
+            </a:pPr>
+            <a:r>
+              <a:rPr lang="en-US" dirty="0">
+                <a:latin typeface="Courier New" panose="02070309020205020404" pitchFamily="49" charset="0"/>
+                <a:cs typeface="Courier New" panose="02070309020205020404" pitchFamily="49" charset="0"/>
+              </a:rPr>
+              <a:t>from </a:t>
+            </a:r>
+            <a:r>
+              <a:rPr lang="en-US" dirty="0" err="1">
+                <a:latin typeface="Courier New" panose="02070309020205020404" pitchFamily="49" charset="0"/>
+                <a:cs typeface="Courier New" panose="02070309020205020404" pitchFamily="49" charset="0"/>
+              </a:rPr>
+              <a:t>pyspark.sql.functions</a:t>
+            </a:r>
+            <a:r>
+              <a:rPr lang="en-US" dirty="0">
+                <a:latin typeface="Courier New" panose="02070309020205020404" pitchFamily="49" charset="0"/>
+                <a:cs typeface="Courier New" panose="02070309020205020404" pitchFamily="49" charset="0"/>
+              </a:rPr>
+              <a:t> import </a:t>
+            </a:r>
+            <a:r>
+              <a:rPr lang="en-US" dirty="0" err="1">
+                <a:latin typeface="Courier New" panose="02070309020205020404" pitchFamily="49" charset="0"/>
+                <a:cs typeface="Courier New" panose="02070309020205020404" pitchFamily="49" charset="0"/>
+              </a:rPr>
+              <a:t>udf</a:t>
+            </a:r>
+            <a:endParaRPr lang="en-US" dirty="0">
+              <a:latin typeface="Courier New" panose="02070309020205020404" pitchFamily="49" charset="0"/>
+              <a:cs typeface="Courier New" panose="02070309020205020404" pitchFamily="49" charset="0"/>
+            </a:endParaRPr>
+          </a:p>
+          <a:p>
+            <a:pPr marL="228600" lvl="1" indent="0">
+              <a:buNone/>
+            </a:pPr>
+            <a:r>
+              <a:rPr lang="en-US" dirty="0">
+                <a:latin typeface="Courier New" panose="02070309020205020404" pitchFamily="49" charset="0"/>
+                <a:cs typeface="Courier New" panose="02070309020205020404" pitchFamily="49" charset="0"/>
+              </a:rPr>
+              <a:t>from </a:t>
+            </a:r>
+            <a:r>
+              <a:rPr lang="en-US" dirty="0" err="1">
+                <a:latin typeface="Courier New" panose="02070309020205020404" pitchFamily="49" charset="0"/>
+                <a:cs typeface="Courier New" panose="02070309020205020404" pitchFamily="49" charset="0"/>
+              </a:rPr>
+              <a:t>pyspark.sql.types</a:t>
+            </a:r>
+            <a:r>
+              <a:rPr lang="en-US" dirty="0">
+                <a:latin typeface="Courier New" panose="02070309020205020404" pitchFamily="49" charset="0"/>
+                <a:cs typeface="Courier New" panose="02070309020205020404" pitchFamily="49" charset="0"/>
+              </a:rPr>
+              <a:t> import *</a:t>
+            </a:r>
+          </a:p>
+          <a:p>
+            <a:pPr marL="228600" lvl="1" indent="0">
+              <a:buNone/>
+            </a:pPr>
+            <a:r>
+              <a:rPr lang="en-US" dirty="0">
+                <a:latin typeface="Courier New" panose="02070309020205020404" pitchFamily="49" charset="0"/>
+                <a:cs typeface="Courier New" panose="02070309020205020404" pitchFamily="49" charset="0"/>
+              </a:rPr>
+              <a:t>from </a:t>
+            </a:r>
+            <a:r>
+              <a:rPr lang="en-US" dirty="0" err="1">
+                <a:latin typeface="Courier New" panose="02070309020205020404" pitchFamily="49" charset="0"/>
+                <a:cs typeface="Courier New" panose="02070309020205020404" pitchFamily="49" charset="0"/>
+              </a:rPr>
+              <a:t>pyspark.sql.functions</a:t>
+            </a:r>
+            <a:r>
+              <a:rPr lang="en-US" dirty="0">
+                <a:latin typeface="Courier New" panose="02070309020205020404" pitchFamily="49" charset="0"/>
+                <a:cs typeface="Courier New" panose="02070309020205020404" pitchFamily="49" charset="0"/>
+              </a:rPr>
+              <a:t> import </a:t>
+            </a:r>
+            <a:r>
+              <a:rPr lang="en-US" dirty="0" err="1">
+                <a:latin typeface="Courier New" panose="02070309020205020404" pitchFamily="49" charset="0"/>
+                <a:cs typeface="Courier New" panose="02070309020205020404" pitchFamily="49" charset="0"/>
+              </a:rPr>
+              <a:t>to_date</a:t>
+            </a:r>
+            <a:endParaRPr lang="en-US" dirty="0">
+              <a:latin typeface="Courier New" panose="02070309020205020404" pitchFamily="49" charset="0"/>
+              <a:cs typeface="Courier New" panose="02070309020205020404" pitchFamily="49" charset="0"/>
+            </a:endParaRPr>
+          </a:p>
+          <a:p>
+            <a:r>
+              <a:rPr lang="en-US" dirty="0"/>
+              <a:t>Write whatever custom function you need:</a:t>
+            </a:r>
+            <a:br>
+              <a:rPr lang="en-US" dirty="0"/>
+            </a:br>
+            <a:r>
+              <a:rPr lang="en-US" dirty="0">
+                <a:latin typeface="Courier New" panose="02070309020205020404" pitchFamily="49" charset="0"/>
+                <a:cs typeface="Courier New" panose="02070309020205020404" pitchFamily="49" charset="0"/>
+              </a:rPr>
+              <a:t>def city(x):</a:t>
+            </a:r>
+            <a:br>
+              <a:rPr lang="en-US" dirty="0">
+                <a:latin typeface="Courier New" panose="02070309020205020404" pitchFamily="49" charset="0"/>
+                <a:cs typeface="Courier New" panose="02070309020205020404" pitchFamily="49" charset="0"/>
+              </a:rPr>
+            </a:br>
+            <a:r>
+              <a:rPr lang="en-US" dirty="0">
+                <a:latin typeface="Courier New" panose="02070309020205020404" pitchFamily="49" charset="0"/>
+                <a:cs typeface="Courier New" panose="02070309020205020404" pitchFamily="49" charset="0"/>
+              </a:rPr>
+              <a:t>    return x[:</a:t>
+            </a:r>
+            <a:r>
+              <a:rPr lang="en-US" dirty="0" err="1">
+                <a:latin typeface="Courier New" panose="02070309020205020404" pitchFamily="49" charset="0"/>
+                <a:cs typeface="Courier New" panose="02070309020205020404" pitchFamily="49" charset="0"/>
+              </a:rPr>
+              <a:t>x.find</a:t>
+            </a:r>
+            <a:r>
+              <a:rPr lang="en-US" dirty="0">
+                <a:latin typeface="Courier New" panose="02070309020205020404" pitchFamily="49" charset="0"/>
+                <a:cs typeface="Courier New" panose="02070309020205020404" pitchFamily="49" charset="0"/>
+              </a:rPr>
+              <a:t>(',')]</a:t>
+            </a:r>
+            <a:br>
+              <a:rPr lang="en-US" dirty="0">
+                <a:latin typeface="Courier New" panose="02070309020205020404" pitchFamily="49" charset="0"/>
+                <a:cs typeface="Courier New" panose="02070309020205020404" pitchFamily="49" charset="0"/>
+              </a:rPr>
+            </a:br>
+            <a:r>
+              <a:rPr lang="en-US" dirty="0">
+                <a:latin typeface="Courier New" panose="02070309020205020404" pitchFamily="49" charset="0"/>
+                <a:cs typeface="Courier New" panose="02070309020205020404" pitchFamily="49" charset="0"/>
+              </a:rPr>
+              <a:t>def country(x):</a:t>
+            </a:r>
+            <a:br>
+              <a:rPr lang="en-US" dirty="0">
+                <a:latin typeface="Courier New" panose="02070309020205020404" pitchFamily="49" charset="0"/>
+                <a:cs typeface="Courier New" panose="02070309020205020404" pitchFamily="49" charset="0"/>
+              </a:rPr>
+            </a:br>
+            <a:r>
+              <a:rPr lang="en-US" dirty="0">
+                <a:latin typeface="Courier New" panose="02070309020205020404" pitchFamily="49" charset="0"/>
+                <a:cs typeface="Courier New" panose="02070309020205020404" pitchFamily="49" charset="0"/>
+              </a:rPr>
+              <a:t>    return x[</a:t>
+            </a:r>
+            <a:r>
+              <a:rPr lang="en-US" dirty="0" err="1">
+                <a:latin typeface="Courier New" panose="02070309020205020404" pitchFamily="49" charset="0"/>
+                <a:cs typeface="Courier New" panose="02070309020205020404" pitchFamily="49" charset="0"/>
+              </a:rPr>
+              <a:t>x.find</a:t>
+            </a:r>
+            <a:r>
+              <a:rPr lang="en-US" dirty="0">
+                <a:latin typeface="Courier New" panose="02070309020205020404" pitchFamily="49" charset="0"/>
+                <a:cs typeface="Courier New" panose="02070309020205020404" pitchFamily="49" charset="0"/>
+              </a:rPr>
+              <a:t>(',') + 1 :]</a:t>
+            </a:r>
+          </a:p>
+          <a:p>
+            <a:r>
+              <a:rPr lang="en-US" dirty="0"/>
+              <a:t>Call the built-in function or use the </a:t>
+            </a:r>
+            <a:r>
+              <a:rPr lang="en-US" dirty="0" err="1">
+                <a:latin typeface="Courier New" panose="02070309020205020404" pitchFamily="49" charset="0"/>
+                <a:cs typeface="Courier New" panose="02070309020205020404" pitchFamily="49" charset="0"/>
+              </a:rPr>
+              <a:t>udf</a:t>
+            </a:r>
+            <a:r>
+              <a:rPr lang="en-US" dirty="0"/>
+              <a:t> function to wrap and call your UDF:</a:t>
+            </a:r>
+            <a:br>
+              <a:rPr lang="en-US" dirty="0"/>
+            </a:br>
+            <a:r>
+              <a:rPr lang="en-US" sz="1600" dirty="0">
+                <a:latin typeface="Courier New" panose="02070309020205020404" pitchFamily="49" charset="0"/>
+                <a:cs typeface="Courier New" panose="02070309020205020404" pitchFamily="49" charset="0"/>
+              </a:rPr>
+              <a:t>df4.withColumn('City', </a:t>
+            </a:r>
+            <a:r>
+              <a:rPr lang="en-US" sz="1600" dirty="0" err="1">
+                <a:latin typeface="Courier New" panose="02070309020205020404" pitchFamily="49" charset="0"/>
+                <a:cs typeface="Courier New" panose="02070309020205020404" pitchFamily="49" charset="0"/>
+              </a:rPr>
+              <a:t>udf</a:t>
+            </a:r>
+            <a:r>
+              <a:rPr lang="en-US" sz="1600" dirty="0">
+                <a:latin typeface="Courier New" panose="02070309020205020404" pitchFamily="49" charset="0"/>
+                <a:cs typeface="Courier New" panose="02070309020205020404" pitchFamily="49" charset="0"/>
+              </a:rPr>
+              <a:t>(city, </a:t>
+            </a:r>
+            <a:r>
+              <a:rPr lang="en-US" sz="1600" dirty="0" err="1">
+                <a:latin typeface="Courier New" panose="02070309020205020404" pitchFamily="49" charset="0"/>
+                <a:cs typeface="Courier New" panose="02070309020205020404" pitchFamily="49" charset="0"/>
+              </a:rPr>
+              <a:t>StringType</a:t>
+            </a:r>
+            <a:r>
+              <a:rPr lang="en-US" sz="1600" dirty="0">
+                <a:latin typeface="Courier New" panose="02070309020205020404" pitchFamily="49" charset="0"/>
+                <a:cs typeface="Courier New" panose="02070309020205020404" pitchFamily="49" charset="0"/>
+              </a:rPr>
+              <a:t>())(df4.CityCountry)) \</a:t>
+            </a:r>
+            <a:br>
+              <a:rPr lang="en-US" sz="1600" dirty="0">
+                <a:latin typeface="Courier New" panose="02070309020205020404" pitchFamily="49" charset="0"/>
+                <a:cs typeface="Courier New" panose="02070309020205020404" pitchFamily="49" charset="0"/>
+              </a:rPr>
+            </a:br>
+            <a:r>
+              <a:rPr lang="en-US" sz="1600" dirty="0">
+                <a:latin typeface="Courier New" panose="02070309020205020404" pitchFamily="49" charset="0"/>
+                <a:cs typeface="Courier New" panose="02070309020205020404" pitchFamily="49" charset="0"/>
+              </a:rPr>
+              <a:t>.</a:t>
+            </a:r>
+            <a:r>
+              <a:rPr lang="en-US" sz="1600" dirty="0" err="1">
+                <a:latin typeface="Courier New" panose="02070309020205020404" pitchFamily="49" charset="0"/>
+                <a:cs typeface="Courier New" panose="02070309020205020404" pitchFamily="49" charset="0"/>
+              </a:rPr>
+              <a:t>withColumn</a:t>
+            </a:r>
+            <a:r>
+              <a:rPr lang="en-US" sz="1600" dirty="0">
+                <a:latin typeface="Courier New" panose="02070309020205020404" pitchFamily="49" charset="0"/>
+                <a:cs typeface="Courier New" panose="02070309020205020404" pitchFamily="49" charset="0"/>
+              </a:rPr>
+              <a:t>('Country', </a:t>
+            </a:r>
+            <a:r>
+              <a:rPr lang="en-US" sz="1600" dirty="0" err="1">
+                <a:latin typeface="Courier New" panose="02070309020205020404" pitchFamily="49" charset="0"/>
+                <a:cs typeface="Courier New" panose="02070309020205020404" pitchFamily="49" charset="0"/>
+              </a:rPr>
+              <a:t>udf</a:t>
+            </a:r>
+            <a:r>
+              <a:rPr lang="en-US" sz="1600" dirty="0">
+                <a:latin typeface="Courier New" panose="02070309020205020404" pitchFamily="49" charset="0"/>
+                <a:cs typeface="Courier New" panose="02070309020205020404" pitchFamily="49" charset="0"/>
+              </a:rPr>
+              <a:t>(country, </a:t>
+            </a:r>
+            <a:r>
+              <a:rPr lang="en-US" sz="1600" dirty="0" err="1">
+                <a:latin typeface="Courier New" panose="02070309020205020404" pitchFamily="49" charset="0"/>
+                <a:cs typeface="Courier New" panose="02070309020205020404" pitchFamily="49" charset="0"/>
+              </a:rPr>
+              <a:t>StringType</a:t>
+            </a:r>
+            <a:r>
+              <a:rPr lang="en-US" sz="1600" dirty="0">
+                <a:latin typeface="Courier New" panose="02070309020205020404" pitchFamily="49" charset="0"/>
+                <a:cs typeface="Courier New" panose="02070309020205020404" pitchFamily="49" charset="0"/>
+              </a:rPr>
+              <a:t>())(df4.CityCountry)) \</a:t>
+            </a:r>
+            <a:br>
+              <a:rPr lang="en-US" sz="1600" dirty="0">
+                <a:latin typeface="Courier New" panose="02070309020205020404" pitchFamily="49" charset="0"/>
+                <a:cs typeface="Courier New" panose="02070309020205020404" pitchFamily="49" charset="0"/>
+              </a:rPr>
+            </a:br>
+            <a:r>
+              <a:rPr lang="en-US" sz="1600" dirty="0">
+                <a:latin typeface="Courier New" panose="02070309020205020404" pitchFamily="49" charset="0"/>
+                <a:cs typeface="Courier New" panose="02070309020205020404" pitchFamily="49" charset="0"/>
+              </a:rPr>
+              <a:t>.</a:t>
+            </a:r>
+            <a:r>
+              <a:rPr lang="en-US" sz="1600" dirty="0" err="1">
+                <a:latin typeface="Courier New" panose="02070309020205020404" pitchFamily="49" charset="0"/>
+                <a:cs typeface="Courier New" panose="02070309020205020404" pitchFamily="49" charset="0"/>
+              </a:rPr>
+              <a:t>withColumn</a:t>
+            </a:r>
+            <a:r>
+              <a:rPr lang="en-US" sz="1600" dirty="0">
+                <a:latin typeface="Courier New" panose="02070309020205020404" pitchFamily="49" charset="0"/>
+                <a:cs typeface="Courier New" panose="02070309020205020404" pitchFamily="49" charset="0"/>
+              </a:rPr>
+              <a:t>('Date', </a:t>
+            </a:r>
+            <a:r>
+              <a:rPr lang="en-US" sz="1600" dirty="0" err="1">
+                <a:latin typeface="Courier New" panose="02070309020205020404" pitchFamily="49" charset="0"/>
+                <a:cs typeface="Courier New" panose="02070309020205020404" pitchFamily="49" charset="0"/>
+              </a:rPr>
+              <a:t>to_date</a:t>
+            </a:r>
+            <a:r>
+              <a:rPr lang="en-US" sz="1600" dirty="0">
+                <a:latin typeface="Courier New" panose="02070309020205020404" pitchFamily="49" charset="0"/>
+                <a:cs typeface="Courier New" panose="02070309020205020404" pitchFamily="49" charset="0"/>
+              </a:rPr>
+              <a:t>(df4.Date, '</a:t>
+            </a:r>
+            <a:r>
+              <a:rPr lang="en-US" sz="1600" dirty="0" err="1">
+                <a:latin typeface="Courier New" panose="02070309020205020404" pitchFamily="49" charset="0"/>
+                <a:cs typeface="Courier New" panose="02070309020205020404" pitchFamily="49" charset="0"/>
+              </a:rPr>
+              <a:t>dd</a:t>
+            </a:r>
+            <a:r>
+              <a:rPr lang="en-US" sz="1600" dirty="0">
+                <a:latin typeface="Courier New" panose="02070309020205020404" pitchFamily="49" charset="0"/>
+                <a:cs typeface="Courier New" panose="02070309020205020404" pitchFamily="49" charset="0"/>
+              </a:rPr>
+              <a:t>-MMM-</a:t>
+            </a:r>
+            <a:r>
+              <a:rPr lang="en-US" sz="1600" dirty="0" err="1">
+                <a:latin typeface="Courier New" panose="02070309020205020404" pitchFamily="49" charset="0"/>
+                <a:cs typeface="Courier New" panose="02070309020205020404" pitchFamily="49" charset="0"/>
+              </a:rPr>
+              <a:t>yy</a:t>
+            </a:r>
+            <a:r>
+              <a:rPr lang="en-US" sz="1600" dirty="0">
+                <a:latin typeface="Courier New" panose="02070309020205020404" pitchFamily="49" charset="0"/>
+                <a:cs typeface="Courier New" panose="02070309020205020404" pitchFamily="49" charset="0"/>
+              </a:rPr>
+              <a:t>')) \</a:t>
+            </a:r>
+            <a:br>
+              <a:rPr lang="en-US" sz="1600" dirty="0">
+                <a:latin typeface="Courier New" panose="02070309020205020404" pitchFamily="49" charset="0"/>
+                <a:cs typeface="Courier New" panose="02070309020205020404" pitchFamily="49" charset="0"/>
+              </a:rPr>
+            </a:br>
+            <a:r>
+              <a:rPr lang="en-US" sz="1600" dirty="0">
+                <a:latin typeface="Courier New" panose="02070309020205020404" pitchFamily="49" charset="0"/>
+                <a:cs typeface="Courier New" panose="02070309020205020404" pitchFamily="49" charset="0"/>
+              </a:rPr>
+              <a:t>.drop(df4.CityCountry)</a:t>
+            </a:r>
+          </a:p>
+        </p:txBody>
+      </p:sp>
+      <p:sp>
+        <p:nvSpPr>
+          <p:cNvPr id="3" name="Title 2"/>
+          <p:cNvSpPr>
+            <a:spLocks noGrp="1"/>
+          </p:cNvSpPr>
+          <p:nvPr>
+            <p:ph type="title"/>
+          </p:nvPr>
+        </p:nvSpPr>
+        <p:spPr/>
+        <p:txBody>
+          <a:bodyPr/>
+          <a:lstStyle/>
+          <a:p>
+            <a:r>
+              <a:rPr lang="en-US" dirty="0"/>
+              <a:t>User Defined Functions</a:t>
+            </a:r>
+          </a:p>
+        </p:txBody>
+      </p:sp>
+    </p:spTree>
+    <p:extLst>
+      <p:ext uri="{BB962C8B-B14F-4D97-AF65-F5344CB8AC3E}">
+        <p14:creationId xmlns:p14="http://schemas.microsoft.com/office/powerpoint/2010/main" val="3221363704"/>
+      </p:ext>
+    </p:extLst>
+  </p:cSld>
+  <p:clrMapOvr>
+    <a:masterClrMapping/>
+  </p:clrMapOvr>
+</p:sld>
+</file>
+
+<file path=ppt/slides/slide19.xml><?xml version="1.0" encoding="utf-8"?>
+<p:sld xmlns:a="http://schemas.openxmlformats.org/drawingml/2006/main" xmlns:r="http://schemas.openxmlformats.org/officeDocument/2006/relationships" xmlns:p="http://schemas.openxmlformats.org/presentationml/2006/main">
+  <p:cSld>
+    <p:spTree>
+      <p:nvGrpSpPr>
+        <p:cNvPr id="1" name=""/>
+        <p:cNvGrpSpPr/>
+        <p:nvPr/>
+      </p:nvGrpSpPr>
+      <p:grpSpPr>
+        <a:xfrm>
+          <a:off x="0" y="0"/>
+          <a:ext cx="0" cy="0"/>
+          <a:chOff x="0" y="0"/>
+          <a:chExt cx="0" cy="0"/>
+        </a:xfrm>
+      </p:grpSpPr>
+      <p:sp>
+        <p:nvSpPr>
+          <p:cNvPr id="3" name="Content Placeholder 2"/>
+          <p:cNvSpPr>
+            <a:spLocks noGrp="1"/>
+          </p:cNvSpPr>
+          <p:nvPr>
+            <p:ph idx="1"/>
+          </p:nvPr>
+        </p:nvSpPr>
+        <p:spPr/>
+        <p:txBody>
+          <a:bodyPr/>
+          <a:lstStyle/>
+          <a:p>
+            <a:pPr marL="0" indent="0">
+              <a:buNone/>
+            </a:pPr>
+            <a:r>
+              <a:rPr lang="en-US" dirty="0"/>
+              <a:t>In this chapter, we will :</a:t>
+            </a:r>
+          </a:p>
+          <a:p>
+            <a:r>
+              <a:rPr lang="en-US" dirty="0"/>
+              <a:t>Introduce </a:t>
+            </a:r>
+            <a:r>
+              <a:rPr lang="en-US" dirty="0" err="1"/>
+              <a:t>DataFrames</a:t>
+            </a:r>
+            <a:endParaRPr lang="en-US" dirty="0"/>
+          </a:p>
+          <a:p>
+            <a:r>
+              <a:rPr lang="en-US" dirty="0"/>
+              <a:t>Show how to create a structured object using </a:t>
+            </a:r>
+            <a:r>
+              <a:rPr lang="en-US" dirty="0" err="1"/>
+              <a:t>DataFrames</a:t>
+            </a:r>
+            <a:endParaRPr lang="en-US" dirty="0"/>
+          </a:p>
+          <a:p>
+            <a:r>
+              <a:rPr lang="en-US" dirty="0"/>
+              <a:t>Apply transformations and actions on </a:t>
+            </a:r>
+            <a:r>
+              <a:rPr lang="en-US" dirty="0" err="1"/>
+              <a:t>DataFrames</a:t>
+            </a:r>
+            <a:endParaRPr lang="en-US" dirty="0"/>
+          </a:p>
+          <a:p>
+            <a:endParaRPr lang="en-US" dirty="0"/>
+          </a:p>
+        </p:txBody>
+      </p:sp>
+      <p:sp>
+        <p:nvSpPr>
+          <p:cNvPr id="2" name="Title 1"/>
+          <p:cNvSpPr>
+            <a:spLocks noGrp="1"/>
+          </p:cNvSpPr>
+          <p:nvPr>
+            <p:ph type="title"/>
+          </p:nvPr>
+        </p:nvSpPr>
+        <p:spPr/>
+        <p:txBody>
+          <a:bodyPr/>
+          <a:lstStyle/>
+          <a:p>
+            <a:r>
+              <a:rPr lang="en-US" dirty="0"/>
+              <a:t>Chapter Objectives</a:t>
+            </a:r>
+          </a:p>
+        </p:txBody>
+      </p:sp>
+    </p:spTree>
+    <p:extLst>
+      <p:ext uri="{BB962C8B-B14F-4D97-AF65-F5344CB8AC3E}">
+        <p14:creationId xmlns:p14="http://schemas.microsoft.com/office/powerpoint/2010/main" val="4133957086"/>
       </p:ext>
     </p:extLst>
   </p:cSld>
@@ -11454,6 +13842,15 @@
 </file>
 
 <file path=customXml/item1.xml><?xml version="1.0" encoding="utf-8"?>
+<?mso-contentType ?>
+<FormTemplates xmlns="http://schemas.microsoft.com/sharepoint/v3/contenttype/forms">
+  <Display>DocumentLibraryForm</Display>
+  <Edit>DocumentLibraryForm</Edit>
+  <New>DocumentLibraryForm</New>
+</FormTemplates>
+</file>
+
+<file path=customXml/item2.xml><?xml version="1.0" encoding="utf-8"?>
 <p:properties xmlns:p="http://schemas.microsoft.com/office/2006/metadata/properties" xmlns:xsi="http://www.w3.org/2001/XMLSchema-instance" xmlns:pc="http://schemas.microsoft.com/office/infopath/2007/PartnerControls">
   <documentManagement>
     <_dlc_DocId xmlns="037063e9-a85e-4c78-8627-f1a9315663e5">EVEA5JW6U4JV-6-9770</_dlc_DocId>
@@ -11467,62 +13864,7 @@
 </p:properties>
 </file>
 
-<file path=customXml/item2.xml><?xml version="1.0" encoding="utf-8"?>
-<?mso-contentType ?>
-<FormTemplates xmlns="http://schemas.microsoft.com/sharepoint/v3/contenttype/forms">
-  <Display>DocumentLibraryForm</Display>
-  <Edit>DocumentLibraryForm</Edit>
-  <New>DocumentLibraryForm</New>
-</FormTemplates>
-</file>
-
 <file path=customXml/item3.xml><?xml version="1.0" encoding="utf-8"?>
-<?mso-contentType ?>
-<spe:Receivers xmlns:spe="http://schemas.microsoft.com/sharepoint/events">
-  <Receiver>
-    <Name>Document ID Generator</Name>
-    <Synchronization>Synchronous</Synchronization>
-    <Type>10001</Type>
-    <SequenceNumber>1000</SequenceNumber>
-    <Assembly>Microsoft.Office.DocumentManagement, Version=14.0.0.0, Culture=neutral, PublicKeyToken=71e9bce111e9429c</Assembly>
-    <Class>Microsoft.Office.DocumentManagement.Internal.DocIdHandler</Class>
-    <Data/>
-    <Filter/>
-  </Receiver>
-  <Receiver>
-    <Name>Document ID Generator</Name>
-    <Synchronization>Synchronous</Synchronization>
-    <Type>10002</Type>
-    <SequenceNumber>1001</SequenceNumber>
-    <Assembly>Microsoft.Office.DocumentManagement, Version=14.0.0.0, Culture=neutral, PublicKeyToken=71e9bce111e9429c</Assembly>
-    <Class>Microsoft.Office.DocumentManagement.Internal.DocIdHandler</Class>
-    <Data/>
-    <Filter/>
-  </Receiver>
-  <Receiver>
-    <Name>Document ID Generator</Name>
-    <Synchronization>Synchronous</Synchronization>
-    <Type>10004</Type>
-    <SequenceNumber>1002</SequenceNumber>
-    <Assembly>Microsoft.Office.DocumentManagement, Version=14.0.0.0, Culture=neutral, PublicKeyToken=71e9bce111e9429c</Assembly>
-    <Class>Microsoft.Office.DocumentManagement.Internal.DocIdHandler</Class>
-    <Data/>
-    <Filter/>
-  </Receiver>
-  <Receiver>
-    <Name>Document ID Generator</Name>
-    <Synchronization>Synchronous</Synchronization>
-    <Type>10006</Type>
-    <SequenceNumber>1003</SequenceNumber>
-    <Assembly>Microsoft.Office.DocumentManagement, Version=14.0.0.0, Culture=neutral, PublicKeyToken=71e9bce111e9429c</Assembly>
-    <Class>Microsoft.Office.DocumentManagement.Internal.DocIdHandler</Class>
-    <Data/>
-    <Filter/>
-  </Receiver>
-</spe:Receivers>
-</file>
-
-<file path=customXml/item4.xml><?xml version="1.0" encoding="utf-8"?>
 <ct:contentTypeSchema xmlns:ct="http://schemas.microsoft.com/office/2006/metadata/contentType" xmlns:ma="http://schemas.microsoft.com/office/2006/metadata/properties/metaAttributes" ct:_="" ma:_="" ma:contentTypeName="Document" ma:contentTypeID="0x0101006B08A054FD435346B287BB258D6D8C2A" ma:contentTypeVersion="2" ma:contentTypeDescription="Create a new document." ma:contentTypeScope="" ma:versionID="6146b90b4382322d8952632f355192b7">
   <xsd:schema xmlns:xsd="http://www.w3.org/2001/XMLSchema" xmlns:xs="http://www.w3.org/2001/XMLSchema" xmlns:p="http://schemas.microsoft.com/office/2006/metadata/properties" xmlns:ns2="027ed24f-5970-4294-be5c-0919c5aaa214" xmlns:ns3="037063e9-a85e-4c78-8627-f1a9315663e5" targetNamespace="http://schemas.microsoft.com/office/2006/metadata/properties" ma:root="true" ma:fieldsID="b5d91f802dafd2e22aeea528efbe2d3e" ns2:_="" ns3:_="">
     <xsd:import namespace="027ed24f-5970-4294-be5c-0919c5aaa214"/>
@@ -11688,7 +14030,61 @@
 </ct:contentTypeSchema>
 </file>
 
+<file path=customXml/item4.xml><?xml version="1.0" encoding="utf-8"?>
+<?mso-contentType ?>
+<spe:Receivers xmlns:spe="http://schemas.microsoft.com/sharepoint/events">
+  <Receiver>
+    <Name>Document ID Generator</Name>
+    <Synchronization>Synchronous</Synchronization>
+    <Type>10001</Type>
+    <SequenceNumber>1000</SequenceNumber>
+    <Assembly>Microsoft.Office.DocumentManagement, Version=14.0.0.0, Culture=neutral, PublicKeyToken=71e9bce111e9429c</Assembly>
+    <Class>Microsoft.Office.DocumentManagement.Internal.DocIdHandler</Class>
+    <Data/>
+    <Filter/>
+  </Receiver>
+  <Receiver>
+    <Name>Document ID Generator</Name>
+    <Synchronization>Synchronous</Synchronization>
+    <Type>10002</Type>
+    <SequenceNumber>1001</SequenceNumber>
+    <Assembly>Microsoft.Office.DocumentManagement, Version=14.0.0.0, Culture=neutral, PublicKeyToken=71e9bce111e9429c</Assembly>
+    <Class>Microsoft.Office.DocumentManagement.Internal.DocIdHandler</Class>
+    <Data/>
+    <Filter/>
+  </Receiver>
+  <Receiver>
+    <Name>Document ID Generator</Name>
+    <Synchronization>Synchronous</Synchronization>
+    <Type>10004</Type>
+    <SequenceNumber>1002</SequenceNumber>
+    <Assembly>Microsoft.Office.DocumentManagement, Version=14.0.0.0, Culture=neutral, PublicKeyToken=71e9bce111e9429c</Assembly>
+    <Class>Microsoft.Office.DocumentManagement.Internal.DocIdHandler</Class>
+    <Data/>
+    <Filter/>
+  </Receiver>
+  <Receiver>
+    <Name>Document ID Generator</Name>
+    <Synchronization>Synchronous</Synchronization>
+    <Type>10006</Type>
+    <SequenceNumber>1003</SequenceNumber>
+    <Assembly>Microsoft.Office.DocumentManagement, Version=14.0.0.0, Culture=neutral, PublicKeyToken=71e9bce111e9429c</Assembly>
+    <Class>Microsoft.Office.DocumentManagement.Internal.DocIdHandler</Class>
+    <Data/>
+    <Filter/>
+  </Receiver>
+</spe:Receivers>
+</file>
+
 <file path=customXml/itemProps1.xml><?xml version="1.0" encoding="utf-8"?>
+<ds:datastoreItem xmlns:ds="http://schemas.openxmlformats.org/officeDocument/2006/customXml" ds:itemID="{2DA015F3-603C-4688-A5F3-81D587DAB8C9}">
+  <ds:schemaRefs>
+    <ds:schemaRef ds:uri="http://schemas.microsoft.com/sharepoint/v3/contenttype/forms"/>
+  </ds:schemaRefs>
+</ds:datastoreItem>
+</file>
+
+<file path=customXml/itemProps2.xml><?xml version="1.0" encoding="utf-8"?>
 <ds:datastoreItem xmlns:ds="http://schemas.openxmlformats.org/officeDocument/2006/customXml" ds:itemID="{F47B9207-CE5C-49AD-B414-15CBFA246D65}">
   <ds:schemaRefs>
     <ds:schemaRef ds:uri="http://schemas.microsoft.com/office/2006/metadata/properties"/>
@@ -11699,23 +14095,7 @@
 </ds:datastoreItem>
 </file>
 
-<file path=customXml/itemProps2.xml><?xml version="1.0" encoding="utf-8"?>
-<ds:datastoreItem xmlns:ds="http://schemas.openxmlformats.org/officeDocument/2006/customXml" ds:itemID="{2DA015F3-603C-4688-A5F3-81D587DAB8C9}">
-  <ds:schemaRefs>
-    <ds:schemaRef ds:uri="http://schemas.microsoft.com/sharepoint/v3/contenttype/forms"/>
-  </ds:schemaRefs>
-</ds:datastoreItem>
-</file>
-
 <file path=customXml/itemProps3.xml><?xml version="1.0" encoding="utf-8"?>
-<ds:datastoreItem xmlns:ds="http://schemas.openxmlformats.org/officeDocument/2006/customXml" ds:itemID="{B9043294-8302-4947-B882-02D6486F929C}">
-  <ds:schemaRefs>
-    <ds:schemaRef ds:uri="http://schemas.microsoft.com/sharepoint/events"/>
-  </ds:schemaRefs>
-</ds:datastoreItem>
-</file>
-
-<file path=customXml/itemProps4.xml><?xml version="1.0" encoding="utf-8"?>
 <ds:datastoreItem xmlns:ds="http://schemas.openxmlformats.org/officeDocument/2006/customXml" ds:itemID="{B8E0886B-5092-4138-9EEE-28D3BFD5A483}">
   <ds:schemaRefs>
     <ds:schemaRef ds:uri="http://schemas.microsoft.com/office/2006/metadata/contentType"/>
@@ -11732,4 +14112,12 @@
     <ds:schemaRef ds:uri="http://schemas.microsoft.com/internal/obd"/>
   </ds:schemaRefs>
 </ds:datastoreItem>
+</file>
+
+<file path=customXml/itemProps4.xml><?xml version="1.0" encoding="utf-8"?>
+<ds:datastoreItem xmlns:ds="http://schemas.openxmlformats.org/officeDocument/2006/customXml" ds:itemID="{B9043294-8302-4947-B882-02D6486F929C}">
+  <ds:schemaRefs>
+    <ds:schemaRef ds:uri="http://schemas.microsoft.com/sharepoint/events"/>
+  </ds:schemaRefs>
+</ds:datastoreItem>
 </file>
--- a/Day2/Ch03_DataFrames.pptx
+++ b/Day2/Ch03_DataFrames.pptx
@@ -737,7 +737,7 @@
                 </a:solidFill>
                 <a:latin typeface="Tahoma" pitchFamily="34" charset="0"/>
               </a:rPr>
-              <a:t>Chapter 2-</a:t>
+              <a:t>Chapter 3-</a:t>
             </a:r>
             <a:fld id="{9C58707A-6F60-4D20-8A8B-4F90B88EA4F7}" type="slidenum">
               <a:rPr lang="en-US" sz="1200" smtClean="0">
@@ -7478,7 +7478,7 @@
               </a:rPr>
             </a:br>
             <a:r>
-              <a:rPr lang="en-US" dirty="0" err="1"/>
+              <a:rPr lang="en-US" dirty="0"/>
               <a:t>DataFrames</a:t>
             </a:r>
             <a:endParaRPr lang="en-US" sz="3600" dirty="0">
@@ -7555,12 +7555,8 @@
           <a:lstStyle/>
           <a:p>
             <a:r>
-              <a:rPr lang="en-US" dirty="0" err="1"/>
-              <a:t>DataFrames</a:t>
-            </a:r>
-            <a:r>
               <a:rPr lang="en-US" dirty="0"/>
-              <a:t> can be filtered like a SQL table using either the </a:t>
+              <a:t>DataFrames can be filtered like a SQL table using either the </a:t>
             </a:r>
             <a:r>
               <a:rPr lang="en-US" dirty="0">
@@ -7589,7 +7585,7 @@
             <a:pPr lvl="1"/>
             <a:r>
               <a:rPr lang="en-US" dirty="0"/>
-              <a:t>they are the exact same method with different aliases</a:t>
+              <a:t>They are the exact same method with different aliases</a:t>
             </a:r>
             <a:br>
               <a:rPr lang="en-US" dirty="0"/>
@@ -7755,7 +7751,7 @@
               <a:t> and </a:t>
             </a:r>
             <a:r>
-              <a:rPr lang="en-US" dirty="0" err="1">
+              <a:rPr lang="en-US" dirty="0">
                 <a:latin typeface="Courier New" panose="02070309020205020404" pitchFamily="49" charset="0"/>
                 <a:cs typeface="Courier New" panose="02070309020205020404" pitchFamily="49" charset="0"/>
               </a:rPr>
@@ -7769,47 +7765,18 @@
               <a:rPr lang="en-US" dirty="0"/>
             </a:br>
             <a:r>
-              <a:rPr lang="en-US" dirty="0" err="1">
-                <a:latin typeface="Courier New" panose="02070309020205020404" pitchFamily="49" charset="0"/>
-                <a:cs typeface="Courier New" panose="02070309020205020404" pitchFamily="49" charset="0"/>
-              </a:rPr>
-              <a:t>df.sort</a:t>
-            </a:r>
-            <a:r>
-              <a:rPr lang="en-US" dirty="0">
-                <a:latin typeface="Courier New" panose="02070309020205020404" pitchFamily="49" charset="0"/>
-                <a:cs typeface="Courier New" panose="02070309020205020404" pitchFamily="49" charset="0"/>
-              </a:rPr>
-              <a:t>(</a:t>
-            </a:r>
-            <a:r>
-              <a:rPr lang="en-US" dirty="0" err="1">
-                <a:latin typeface="Courier New" panose="02070309020205020404" pitchFamily="49" charset="0"/>
-                <a:cs typeface="Courier New" panose="02070309020205020404" pitchFamily="49" charset="0"/>
-              </a:rPr>
-              <a:t>df.Amount</a:t>
-            </a:r>
-            <a:r>
-              <a:rPr lang="en-US" dirty="0">
-                <a:latin typeface="Courier New" panose="02070309020205020404" pitchFamily="49" charset="0"/>
-                <a:cs typeface="Courier New" panose="02070309020205020404" pitchFamily="49" charset="0"/>
-              </a:rPr>
-              <a:t>).show()</a:t>
+              <a:rPr lang="en-US" dirty="0">
+                <a:latin typeface="Courier New" panose="02070309020205020404" pitchFamily="49" charset="0"/>
+                <a:cs typeface="Courier New" panose="02070309020205020404" pitchFamily="49" charset="0"/>
+              </a:rPr>
+              <a:t>df.sort(df.Amount).show()</a:t>
             </a:r>
             <a:endParaRPr lang="en-US" dirty="0"/>
           </a:p>
           <a:p>
             <a:r>
               <a:rPr lang="en-US" dirty="0"/>
-              <a:t>They sort a </a:t>
-            </a:r>
-            <a:r>
-              <a:rPr lang="en-US" dirty="0" err="1"/>
-              <a:t>DataFrame</a:t>
-            </a:r>
-            <a:r>
-              <a:rPr lang="en-US" dirty="0"/>
-              <a:t> in ascending order or descending order if you pass the </a:t>
+              <a:t>They sort a DataFrame in ascending order or descending order if you pass the </a:t>
             </a:r>
             <a:r>
               <a:rPr lang="en-US" dirty="0">
@@ -7826,32 +7793,11 @@
               <a:rPr lang="en-US" dirty="0"/>
             </a:br>
             <a:r>
-              <a:rPr lang="en-US" dirty="0" err="1">
-                <a:latin typeface="Courier New" panose="02070309020205020404" pitchFamily="49" charset="0"/>
-                <a:cs typeface="Courier New" panose="02070309020205020404" pitchFamily="49" charset="0"/>
-              </a:rPr>
-              <a:t>df.sort</a:t>
-            </a:r>
-            <a:r>
-              <a:rPr lang="en-US" dirty="0">
-                <a:latin typeface="Courier New" panose="02070309020205020404" pitchFamily="49" charset="0"/>
-                <a:cs typeface="Courier New" panose="02070309020205020404" pitchFamily="49" charset="0"/>
-              </a:rPr>
-              <a:t>(</a:t>
-            </a:r>
-            <a:r>
-              <a:rPr lang="en-US" dirty="0" err="1">
-                <a:latin typeface="Courier New" panose="02070309020205020404" pitchFamily="49" charset="0"/>
-                <a:cs typeface="Courier New" panose="02070309020205020404" pitchFamily="49" charset="0"/>
-              </a:rPr>
-              <a:t>df.Amount</a:t>
-            </a:r>
-            <a:r>
-              <a:rPr lang="en-US" dirty="0">
-                <a:latin typeface="Courier New" panose="02070309020205020404" pitchFamily="49" charset="0"/>
-                <a:cs typeface="Courier New" panose="02070309020205020404" pitchFamily="49" charset="0"/>
-              </a:rPr>
-              <a:t>, ascending = False).show()</a:t>
+              <a:rPr lang="en-US" dirty="0">
+                <a:latin typeface="Courier New" panose="02070309020205020404" pitchFamily="49" charset="0"/>
+                <a:cs typeface="Courier New" panose="02070309020205020404" pitchFamily="49" charset="0"/>
+              </a:rPr>
+              <a:t>df.sort(df.Amount, ascending = False).show()</a:t>
             </a:r>
           </a:p>
           <a:p>
@@ -7863,60 +7809,11 @@
               <a:rPr lang="en-US" dirty="0"/>
             </a:br>
             <a:r>
-              <a:rPr lang="en-US" dirty="0" err="1">
-                <a:latin typeface="Courier New" panose="02070309020205020404" pitchFamily="49" charset="0"/>
-                <a:cs typeface="Courier New" panose="02070309020205020404" pitchFamily="49" charset="0"/>
-              </a:rPr>
-              <a:t>df.select</a:t>
-            </a:r>
-            <a:r>
-              <a:rPr lang="en-US" dirty="0">
-                <a:latin typeface="Courier New" panose="02070309020205020404" pitchFamily="49" charset="0"/>
-                <a:cs typeface="Courier New" panose="02070309020205020404" pitchFamily="49" charset="0"/>
-              </a:rPr>
-              <a:t>('City', 'Amount').</a:t>
-            </a:r>
-            <a:r>
-              <a:rPr lang="en-US" dirty="0" err="1">
-                <a:latin typeface="Courier New" panose="02070309020205020404" pitchFamily="49" charset="0"/>
-                <a:cs typeface="Courier New" panose="02070309020205020404" pitchFamily="49" charset="0"/>
-              </a:rPr>
-              <a:t>orderBy</a:t>
-            </a:r>
-            <a:r>
-              <a:rPr lang="en-US" dirty="0">
-                <a:latin typeface="Courier New" panose="02070309020205020404" pitchFamily="49" charset="0"/>
-                <a:cs typeface="Courier New" panose="02070309020205020404" pitchFamily="49" charset="0"/>
-              </a:rPr>
-              <a:t>(</a:t>
-            </a:r>
-            <a:r>
-              <a:rPr lang="en-US" dirty="0" err="1">
-                <a:latin typeface="Courier New" panose="02070309020205020404" pitchFamily="49" charset="0"/>
-                <a:cs typeface="Courier New" panose="02070309020205020404" pitchFamily="49" charset="0"/>
-              </a:rPr>
-              <a:t>df.City</a:t>
-            </a:r>
-            <a:r>
-              <a:rPr lang="en-US" dirty="0">
-                <a:latin typeface="Courier New" panose="02070309020205020404" pitchFamily="49" charset="0"/>
-                <a:cs typeface="Courier New" panose="02070309020205020404" pitchFamily="49" charset="0"/>
-              </a:rPr>
-              <a:t>, </a:t>
-            </a:r>
-            <a:r>
-              <a:rPr lang="en-US" dirty="0" err="1">
-                <a:latin typeface="Courier New" panose="02070309020205020404" pitchFamily="49" charset="0"/>
-                <a:cs typeface="Courier New" panose="02070309020205020404" pitchFamily="49" charset="0"/>
-              </a:rPr>
-              <a:t>df.Amount</a:t>
-            </a:r>
-            <a:r>
-              <a:rPr lang="en-US" dirty="0">
-                <a:latin typeface="Courier New" panose="02070309020205020404" pitchFamily="49" charset="0"/>
-                <a:cs typeface="Courier New" panose="02070309020205020404" pitchFamily="49" charset="0"/>
-              </a:rPr>
-              <a:t>).show()</a:t>
+              <a:rPr lang="en-US" dirty="0">
+                <a:latin typeface="Courier New" panose="02070309020205020404" pitchFamily="49" charset="0"/>
+                <a:cs typeface="Courier New" panose="02070309020205020404" pitchFamily="49" charset="0"/>
+              </a:rPr>
+              <a:t>df.select('City', 'Amount').orderBy(df.City, df.Amount).show()</a:t>
             </a:r>
           </a:p>
           <a:p>
@@ -7925,7 +7822,10 @@
               <a:t>Custom sort functions can use the </a:t>
             </a:r>
             <a:r>
-              <a:rPr lang="en-US" dirty="0" err="1"/>
+              <a:rPr lang="en-US" dirty="0">
+                <a:latin typeface="Courier New" panose="02070309020205020404" pitchFamily="49" charset="0"/>
+                <a:cs typeface="Courier New" panose="02070309020205020404" pitchFamily="49" charset="0"/>
+              </a:rPr>
               <a:t>withColumn</a:t>
             </a:r>
             <a:r>
@@ -8010,20 +7910,8 @@
           <a:lstStyle/>
           <a:p>
             <a:r>
-              <a:rPr lang="en-US" dirty="0" err="1"/>
-              <a:t>DataFrames</a:t>
-            </a:r>
-            <a:r>
               <a:rPr lang="en-US" dirty="0"/>
-              <a:t> can be joined to other </a:t>
-            </a:r>
-            <a:r>
-              <a:rPr lang="en-US" dirty="0" err="1"/>
-              <a:t>DataFrames</a:t>
-            </a:r>
-            <a:r>
-              <a:rPr lang="en-US" dirty="0"/>
-              <a:t> just as you would in SQL and all the expected types are supported</a:t>
+              <a:t>DataFrames can be joined to other DataFrames just as you would in SQL and all the expected types are supported</a:t>
             </a:r>
           </a:p>
           <a:p>
@@ -8065,16 +7953,6 @@
               </a:rPr>
               <a:t>FULL</a:t>
             </a:r>
-            <a:br>
-              <a:rPr lang="en-US" dirty="0">
-                <a:latin typeface="Courier New" panose="02070309020205020404" pitchFamily="49" charset="0"/>
-                <a:cs typeface="Courier New" panose="02070309020205020404" pitchFamily="49" charset="0"/>
-              </a:rPr>
-            </a:br>
-            <a:endParaRPr lang="en-US" dirty="0">
-              <a:latin typeface="Courier New" panose="02070309020205020404" pitchFamily="49" charset="0"/>
-              <a:cs typeface="Courier New" panose="02070309020205020404" pitchFamily="49" charset="0"/>
-            </a:endParaRPr>
           </a:p>
           <a:p>
             <a:pPr marL="0" indent="0">
@@ -8085,63 +7963,7 @@
                 <a:latin typeface="Courier New" panose="02070309020205020404" pitchFamily="49" charset="0"/>
                 <a:cs typeface="Courier New" panose="02070309020205020404" pitchFamily="49" charset="0"/>
               </a:rPr>
-              <a:t>tab1 = </a:t>
-            </a:r>
-            <a:r>
-              <a:rPr lang="en-US" dirty="0" err="1">
-                <a:latin typeface="Courier New" panose="02070309020205020404" pitchFamily="49" charset="0"/>
-                <a:cs typeface="Courier New" panose="02070309020205020404" pitchFamily="49" charset="0"/>
-              </a:rPr>
-              <a:t>sc.parallelize</a:t>
-            </a:r>
-            <a:r>
-              <a:rPr lang="en-US" dirty="0">
-                <a:latin typeface="Courier New" panose="02070309020205020404" pitchFamily="49" charset="0"/>
-                <a:cs typeface="Courier New" panose="02070309020205020404" pitchFamily="49" charset="0"/>
-              </a:rPr>
-              <a:t>([(1, 'Alpha'), (2, 'Beta'), (3, 'Delta')]).</a:t>
-            </a:r>
-            <a:r>
-              <a:rPr lang="en-US" dirty="0" err="1">
-                <a:latin typeface="Courier New" panose="02070309020205020404" pitchFamily="49" charset="0"/>
-                <a:cs typeface="Courier New" panose="02070309020205020404" pitchFamily="49" charset="0"/>
-              </a:rPr>
-              <a:t>toDF</a:t>
-            </a:r>
-            <a:r>
-              <a:rPr lang="en-US" dirty="0">
-                <a:latin typeface="Courier New" panose="02070309020205020404" pitchFamily="49" charset="0"/>
-                <a:cs typeface="Courier New" panose="02070309020205020404" pitchFamily="49" charset="0"/>
-              </a:rPr>
-              <a:t>('</a:t>
-            </a:r>
-            <a:r>
-              <a:rPr lang="en-US" dirty="0" err="1">
-                <a:latin typeface="Courier New" panose="02070309020205020404" pitchFamily="49" charset="0"/>
-                <a:cs typeface="Courier New" panose="02070309020205020404" pitchFamily="49" charset="0"/>
-              </a:rPr>
-              <a:t>ID:int</a:t>
-            </a:r>
-            <a:r>
-              <a:rPr lang="en-US" dirty="0">
-                <a:latin typeface="Courier New" panose="02070309020205020404" pitchFamily="49" charset="0"/>
-                <a:cs typeface="Courier New" panose="02070309020205020404" pitchFamily="49" charset="0"/>
-              </a:rPr>
-              <a:t>, </a:t>
-            </a:r>
-            <a:r>
-              <a:rPr lang="en-US" dirty="0" err="1">
-                <a:latin typeface="Courier New" panose="02070309020205020404" pitchFamily="49" charset="0"/>
-                <a:cs typeface="Courier New" panose="02070309020205020404" pitchFamily="49" charset="0"/>
-              </a:rPr>
-              <a:t>code:string</a:t>
-            </a:r>
-            <a:r>
-              <a:rPr lang="en-US" dirty="0">
-                <a:latin typeface="Courier New" panose="02070309020205020404" pitchFamily="49" charset="0"/>
-                <a:cs typeface="Courier New" panose="02070309020205020404" pitchFamily="49" charset="0"/>
-              </a:rPr>
-              <a:t>')</a:t>
+              <a:t>tab1 = sc.parallelize([(1, 'Alpha'), (2, 'Beta'), (3, 'Delta')]).toDF('ID:int, code:string')</a:t>
             </a:r>
             <a:br>
               <a:rPr lang="en-US" dirty="0">
@@ -8160,21 +7982,7 @@
                 <a:latin typeface="Courier New" panose="02070309020205020404" pitchFamily="49" charset="0"/>
                 <a:cs typeface="Courier New" panose="02070309020205020404" pitchFamily="49" charset="0"/>
               </a:rPr>
-              <a:t>tab2 = </a:t>
-            </a:r>
-            <a:r>
-              <a:rPr lang="en-US" dirty="0" err="1">
-                <a:latin typeface="Courier New" panose="02070309020205020404" pitchFamily="49" charset="0"/>
-                <a:cs typeface="Courier New" panose="02070309020205020404" pitchFamily="49" charset="0"/>
-              </a:rPr>
-              <a:t>sc.parallelize</a:t>
-            </a:r>
-            <a:r>
-              <a:rPr lang="en-US" dirty="0">
-                <a:latin typeface="Courier New" panose="02070309020205020404" pitchFamily="49" charset="0"/>
-                <a:cs typeface="Courier New" panose="02070309020205020404" pitchFamily="49" charset="0"/>
-              </a:rPr>
-              <a:t>([(100, 'One', 1), (101, 'Two', 2), (102, 'Three', 1), (103, 'Four', 4)]) \</a:t>
+              <a:t>tab2 = sc.parallelize([(100, 'One', 1), (101, 'Two', 2), (102, 'Three', 1), (103, 'Four', 4)]) \</a:t>
             </a:r>
             <a:br>
               <a:rPr lang="en-US" dirty="0">
@@ -8187,63 +7995,7 @@
                 <a:latin typeface="Courier New" panose="02070309020205020404" pitchFamily="49" charset="0"/>
                 <a:cs typeface="Courier New" panose="02070309020205020404" pitchFamily="49" charset="0"/>
               </a:rPr>
-              <a:t>.</a:t>
-            </a:r>
-            <a:r>
-              <a:rPr lang="en-US" dirty="0" err="1">
-                <a:latin typeface="Courier New" panose="02070309020205020404" pitchFamily="49" charset="0"/>
-                <a:cs typeface="Courier New" panose="02070309020205020404" pitchFamily="49" charset="0"/>
-              </a:rPr>
-              <a:t>toDF</a:t>
-            </a:r>
-            <a:r>
-              <a:rPr lang="en-US" dirty="0">
-                <a:latin typeface="Courier New" panose="02070309020205020404" pitchFamily="49" charset="0"/>
-                <a:cs typeface="Courier New" panose="02070309020205020404" pitchFamily="49" charset="0"/>
-              </a:rPr>
-              <a:t>('</a:t>
-            </a:r>
-            <a:r>
-              <a:rPr lang="en-US" dirty="0" err="1">
-                <a:latin typeface="Courier New" panose="02070309020205020404" pitchFamily="49" charset="0"/>
-                <a:cs typeface="Courier New" panose="02070309020205020404" pitchFamily="49" charset="0"/>
-              </a:rPr>
-              <a:t>ID:int</a:t>
-            </a:r>
-            <a:r>
-              <a:rPr lang="en-US" dirty="0">
-                <a:latin typeface="Courier New" panose="02070309020205020404" pitchFamily="49" charset="0"/>
-                <a:cs typeface="Courier New" panose="02070309020205020404" pitchFamily="49" charset="0"/>
-              </a:rPr>
-              <a:t>, </a:t>
-            </a:r>
-            <a:r>
-              <a:rPr lang="en-US" dirty="0" err="1">
-                <a:latin typeface="Courier New" panose="02070309020205020404" pitchFamily="49" charset="0"/>
-                <a:cs typeface="Courier New" panose="02070309020205020404" pitchFamily="49" charset="0"/>
-              </a:rPr>
-              <a:t>name:string</a:t>
-            </a:r>
-            <a:r>
-              <a:rPr lang="en-US" dirty="0">
-                <a:latin typeface="Courier New" panose="02070309020205020404" pitchFamily="49" charset="0"/>
-                <a:cs typeface="Courier New" panose="02070309020205020404" pitchFamily="49" charset="0"/>
-              </a:rPr>
-              <a:t>, </a:t>
-            </a:r>
-            <a:r>
-              <a:rPr lang="en-US" dirty="0" err="1">
-                <a:latin typeface="Courier New" panose="02070309020205020404" pitchFamily="49" charset="0"/>
-                <a:cs typeface="Courier New" panose="02070309020205020404" pitchFamily="49" charset="0"/>
-              </a:rPr>
-              <a:t>parentID:int</a:t>
-            </a:r>
-            <a:r>
-              <a:rPr lang="en-US" dirty="0">
-                <a:latin typeface="Courier New" panose="02070309020205020404" pitchFamily="49" charset="0"/>
-                <a:cs typeface="Courier New" panose="02070309020205020404" pitchFamily="49" charset="0"/>
-              </a:rPr>
-              <a:t>')</a:t>
+              <a:t>.toDF('ID:int, name:string, parentID:int')</a:t>
             </a:r>
             <a:br>
               <a:rPr lang="en-US" dirty="0">
@@ -8399,10 +8151,10 @@
           <a:p>
             <a:r>
               <a:rPr lang="en-US" dirty="0"/>
-              <a:t>Grouping in Spark works a little differently. The </a:t>
-            </a:r>
-            <a:r>
-              <a:rPr lang="en-US" dirty="0" err="1">
+              <a:t>Grouping in Spark works a little differently—the </a:t>
+            </a:r>
+            <a:r>
+              <a:rPr lang="en-US" dirty="0">
                 <a:latin typeface="Courier New" panose="02070309020205020404" pitchFamily="49" charset="0"/>
                 <a:cs typeface="Courier New" panose="02070309020205020404" pitchFamily="49" charset="0"/>
               </a:rPr>
@@ -8410,16 +8162,13 @@
             </a:r>
             <a:r>
               <a:rPr lang="en-US" dirty="0"/>
-              <a:t> method creates a grouped </a:t>
-            </a:r>
-            <a:r>
-              <a:rPr lang="en-US" dirty="0" err="1"/>
-              <a:t>DataFrame</a:t>
-            </a:r>
-            <a:r>
-              <a:rPr lang="en-US" dirty="0"/>
-              <a:t> which can then have aggregate methods called on it.</a:t>
-            </a:r>
+              <a:t> method creates a grouped DataFrame which can then have aggregate methods called on it</a:t>
+            </a:r>
+          </a:p>
+          <a:p>
+            <a:pPr marL="228600" lvl="1" indent="0">
+              <a:buNone/>
+            </a:pPr>
             <a:br>
               <a:rPr lang="en-US" dirty="0"/>
             </a:br>
@@ -8428,63 +8177,7 @@
                 <a:latin typeface="Courier New" panose="02070309020205020404" pitchFamily="49" charset="0"/>
                 <a:cs typeface="Courier New" panose="02070309020205020404" pitchFamily="49" charset="0"/>
               </a:rPr>
-              <a:t>tab3 = </a:t>
-            </a:r>
-            <a:r>
-              <a:rPr lang="en-US" dirty="0" err="1">
-                <a:latin typeface="Courier New" panose="02070309020205020404" pitchFamily="49" charset="0"/>
-                <a:cs typeface="Courier New" panose="02070309020205020404" pitchFamily="49" charset="0"/>
-              </a:rPr>
-              <a:t>sc.parallelize</a:t>
-            </a:r>
-            <a:r>
-              <a:rPr lang="en-US" dirty="0">
-                <a:latin typeface="Courier New" panose="02070309020205020404" pitchFamily="49" charset="0"/>
-                <a:cs typeface="Courier New" panose="02070309020205020404" pitchFamily="49" charset="0"/>
-              </a:rPr>
-              <a:t>([(1, 10), (1, 20), (1, 30), (2, 40), (2,50)]).</a:t>
-            </a:r>
-            <a:r>
-              <a:rPr lang="en-US" dirty="0" err="1">
-                <a:latin typeface="Courier New" panose="02070309020205020404" pitchFamily="49" charset="0"/>
-                <a:cs typeface="Courier New" panose="02070309020205020404" pitchFamily="49" charset="0"/>
-              </a:rPr>
-              <a:t>toDF</a:t>
-            </a:r>
-            <a:r>
-              <a:rPr lang="en-US" dirty="0">
-                <a:latin typeface="Courier New" panose="02070309020205020404" pitchFamily="49" charset="0"/>
-                <a:cs typeface="Courier New" panose="02070309020205020404" pitchFamily="49" charset="0"/>
-              </a:rPr>
-              <a:t>('</a:t>
-            </a:r>
-            <a:r>
-              <a:rPr lang="en-US" dirty="0" err="1">
-                <a:latin typeface="Courier New" panose="02070309020205020404" pitchFamily="49" charset="0"/>
-                <a:cs typeface="Courier New" panose="02070309020205020404" pitchFamily="49" charset="0"/>
-              </a:rPr>
-              <a:t>groupID:int</a:t>
-            </a:r>
-            <a:r>
-              <a:rPr lang="en-US" dirty="0">
-                <a:latin typeface="Courier New" panose="02070309020205020404" pitchFamily="49" charset="0"/>
-                <a:cs typeface="Courier New" panose="02070309020205020404" pitchFamily="49" charset="0"/>
-              </a:rPr>
-              <a:t>, </a:t>
-            </a:r>
-            <a:r>
-              <a:rPr lang="en-US" dirty="0" err="1">
-                <a:latin typeface="Courier New" panose="02070309020205020404" pitchFamily="49" charset="0"/>
-                <a:cs typeface="Courier New" panose="02070309020205020404" pitchFamily="49" charset="0"/>
-              </a:rPr>
-              <a:t>amount:int</a:t>
-            </a:r>
-            <a:r>
-              <a:rPr lang="en-US" dirty="0">
-                <a:latin typeface="Courier New" panose="02070309020205020404" pitchFamily="49" charset="0"/>
-                <a:cs typeface="Courier New" panose="02070309020205020404" pitchFamily="49" charset="0"/>
-              </a:rPr>
-              <a:t>')</a:t>
+              <a:t>tab3 = sc.parallelize([(1, 10), (1, 20), (1, 30), (2, 40), (2,50)]).toDF('groupID:int, amount:int')</a:t>
             </a:r>
             <a:br>
               <a:rPr lang="en-US" dirty="0">
@@ -8497,21 +8190,7 @@
                 <a:latin typeface="Courier New" panose="02070309020205020404" pitchFamily="49" charset="0"/>
                 <a:cs typeface="Courier New" panose="02070309020205020404" pitchFamily="49" charset="0"/>
               </a:rPr>
-              <a:t>x = tab3.groupby('</a:t>
-            </a:r>
-            <a:r>
-              <a:rPr lang="en-US" dirty="0" err="1">
-                <a:latin typeface="Courier New" panose="02070309020205020404" pitchFamily="49" charset="0"/>
-                <a:cs typeface="Courier New" panose="02070309020205020404" pitchFamily="49" charset="0"/>
-              </a:rPr>
-              <a:t>groupID</a:t>
-            </a:r>
-            <a:r>
-              <a:rPr lang="en-US" dirty="0">
-                <a:latin typeface="Courier New" panose="02070309020205020404" pitchFamily="49" charset="0"/>
-                <a:cs typeface="Courier New" panose="02070309020205020404" pitchFamily="49" charset="0"/>
-              </a:rPr>
-              <a:t>')</a:t>
+              <a:t>x = tab3.groupby('groupID')</a:t>
             </a:r>
             <a:endParaRPr lang="en-US" dirty="0"/>
           </a:p>
@@ -8525,28 +8204,27 @@
             <a:pPr lvl="1"/>
             <a:r>
               <a:rPr lang="en-US" dirty="0"/>
-              <a:t>call the method after grouping</a:t>
+              <a:t>Call the method after grouping</a:t>
             </a:r>
             <a:br>
               <a:rPr lang="en-US" dirty="0"/>
             </a:br>
             <a:r>
-              <a:rPr lang="en-US" dirty="0" err="1"/>
-              <a:t>x.max</a:t>
-            </a:r>
+              <a:rPr lang="en-US" dirty="0">
+                <a:latin typeface="Courier New" panose="02070309020205020404" pitchFamily="49" charset="0"/>
+                <a:cs typeface="Courier New" panose="02070309020205020404" pitchFamily="49" charset="0"/>
+              </a:rPr>
+              <a:t>x.max().show()</a:t>
+            </a:r>
+          </a:p>
+          <a:p>
+            <a:pPr lvl="1"/>
             <a:r>
               <a:rPr lang="en-US" dirty="0"/>
-              <a:t>().show()</a:t>
-            </a:r>
-          </a:p>
-          <a:p>
-            <a:pPr lvl="1"/>
-            <a:r>
-              <a:rPr lang="en-US" dirty="0"/>
-              <a:t>use the </a:t>
-            </a:r>
-            <a:r>
-              <a:rPr lang="en-US" dirty="0" err="1">
+              <a:t>Use the </a:t>
+            </a:r>
+            <a:r>
+              <a:rPr lang="en-US" dirty="0">
                 <a:latin typeface="Courier New" panose="02070309020205020404" pitchFamily="49" charset="0"/>
                 <a:cs typeface="Courier New" panose="02070309020205020404" pitchFamily="49" charset="0"/>
               </a:rPr>
@@ -8560,56 +8238,21 @@
               <a:rPr lang="en-US" dirty="0"/>
             </a:br>
             <a:r>
-              <a:rPr lang="en-US" dirty="0" err="1">
-                <a:latin typeface="Courier New" panose="02070309020205020404" pitchFamily="49" charset="0"/>
-                <a:cs typeface="Courier New" panose="02070309020205020404" pitchFamily="49" charset="0"/>
-              </a:rPr>
-              <a:t>x.agg</a:t>
-            </a:r>
-            <a:r>
-              <a:rPr lang="en-US" dirty="0">
-                <a:latin typeface="Courier New" panose="02070309020205020404" pitchFamily="49" charset="0"/>
-                <a:cs typeface="Courier New" panose="02070309020205020404" pitchFamily="49" charset="0"/>
-              </a:rPr>
-              <a:t>({'</a:t>
-            </a:r>
-            <a:r>
-              <a:rPr lang="en-US" dirty="0" err="1">
-                <a:latin typeface="Courier New" panose="02070309020205020404" pitchFamily="49" charset="0"/>
-                <a:cs typeface="Courier New" panose="02070309020205020404" pitchFamily="49" charset="0"/>
-              </a:rPr>
-              <a:t>amount':'sum</a:t>
-            </a:r>
-            <a:r>
-              <a:rPr lang="en-US" dirty="0">
-                <a:latin typeface="Courier New" panose="02070309020205020404" pitchFamily="49" charset="0"/>
-                <a:cs typeface="Courier New" panose="02070309020205020404" pitchFamily="49" charset="0"/>
-              </a:rPr>
-              <a:t>', '</a:t>
-            </a:r>
-            <a:r>
-              <a:rPr lang="en-US" dirty="0" err="1">
-                <a:latin typeface="Courier New" panose="02070309020205020404" pitchFamily="49" charset="0"/>
-                <a:cs typeface="Courier New" panose="02070309020205020404" pitchFamily="49" charset="0"/>
-              </a:rPr>
-              <a:t>amount':'max</a:t>
-            </a:r>
-            <a:r>
-              <a:rPr lang="en-US" dirty="0">
-                <a:latin typeface="Courier New" panose="02070309020205020404" pitchFamily="49" charset="0"/>
-                <a:cs typeface="Courier New" panose="02070309020205020404" pitchFamily="49" charset="0"/>
-              </a:rPr>
-              <a:t>'}).show()</a:t>
+              <a:rPr lang="en-US" dirty="0">
+                <a:latin typeface="Courier New" panose="02070309020205020404" pitchFamily="49" charset="0"/>
+                <a:cs typeface="Courier New" panose="02070309020205020404" pitchFamily="49" charset="0"/>
+              </a:rPr>
+              <a:t>x.agg({'amount':'sum', 'amount':'max'}).show()</a:t>
             </a:r>
           </a:p>
           <a:p>
             <a:pPr lvl="1"/>
             <a:r>
               <a:rPr lang="en-US" dirty="0"/>
-              <a:t>use the </a:t>
-            </a:r>
-            <a:r>
-              <a:rPr lang="en-US" dirty="0" err="1">
+              <a:t>Use the </a:t>
+            </a:r>
+            <a:r>
+              <a:rPr lang="en-US" dirty="0">
                 <a:latin typeface="Courier New" panose="02070309020205020404" pitchFamily="49" charset="0"/>
                 <a:cs typeface="Courier New" panose="02070309020205020404" pitchFamily="49" charset="0"/>
               </a:rPr>
@@ -8627,21 +8270,7 @@
                 <a:latin typeface="Courier New" panose="02070309020205020404" pitchFamily="49" charset="0"/>
                 <a:cs typeface="Courier New" panose="02070309020205020404" pitchFamily="49" charset="0"/>
               </a:rPr>
-              <a:t>from </a:t>
-            </a:r>
-            <a:r>
-              <a:rPr lang="en-US" dirty="0" err="1">
-                <a:latin typeface="Courier New" panose="02070309020205020404" pitchFamily="49" charset="0"/>
-                <a:cs typeface="Courier New" panose="02070309020205020404" pitchFamily="49" charset="0"/>
-              </a:rPr>
-              <a:t>pyspark.sql</a:t>
-            </a:r>
-            <a:r>
-              <a:rPr lang="en-US" dirty="0">
-                <a:latin typeface="Courier New" panose="02070309020205020404" pitchFamily="49" charset="0"/>
-                <a:cs typeface="Courier New" panose="02070309020205020404" pitchFamily="49" charset="0"/>
-              </a:rPr>
-              <a:t> import functions as F</a:t>
+              <a:t>from pyspark.sql import functions as F</a:t>
             </a:r>
             <a:br>
               <a:rPr lang="en-US" dirty="0">
@@ -8650,46 +8279,11 @@
               </a:rPr>
             </a:br>
             <a:r>
-              <a:rPr lang="en-US" dirty="0" err="1">
-                <a:latin typeface="Courier New" panose="02070309020205020404" pitchFamily="49" charset="0"/>
-                <a:cs typeface="Courier New" panose="02070309020205020404" pitchFamily="49" charset="0"/>
-              </a:rPr>
-              <a:t>x.agg</a:t>
-            </a:r>
-            <a:r>
-              <a:rPr lang="en-US" dirty="0">
-                <a:latin typeface="Courier New" panose="02070309020205020404" pitchFamily="49" charset="0"/>
-                <a:cs typeface="Courier New" panose="02070309020205020404" pitchFamily="49" charset="0"/>
-              </a:rPr>
-              <a:t>(</a:t>
-            </a:r>
-            <a:r>
-              <a:rPr lang="en-US" dirty="0" err="1">
-                <a:latin typeface="Courier New" panose="02070309020205020404" pitchFamily="49" charset="0"/>
-                <a:cs typeface="Courier New" panose="02070309020205020404" pitchFamily="49" charset="0"/>
-              </a:rPr>
-              <a:t>F.sum</a:t>
-            </a:r>
-            <a:r>
-              <a:rPr lang="en-US" dirty="0">
-                <a:latin typeface="Courier New" panose="02070309020205020404" pitchFamily="49" charset="0"/>
-                <a:cs typeface="Courier New" panose="02070309020205020404" pitchFamily="49" charset="0"/>
-              </a:rPr>
-              <a:t>('amount'), </a:t>
-            </a:r>
-            <a:r>
-              <a:rPr lang="en-US" dirty="0" err="1">
-                <a:latin typeface="Courier New" panose="02070309020205020404" pitchFamily="49" charset="0"/>
-                <a:cs typeface="Courier New" panose="02070309020205020404" pitchFamily="49" charset="0"/>
-              </a:rPr>
-              <a:t>F.max</a:t>
-            </a:r>
-            <a:r>
-              <a:rPr lang="en-US" dirty="0">
-                <a:latin typeface="Courier New" panose="02070309020205020404" pitchFamily="49" charset="0"/>
-                <a:cs typeface="Courier New" panose="02070309020205020404" pitchFamily="49" charset="0"/>
-              </a:rPr>
-              <a:t>('amount')).show()</a:t>
+              <a:rPr lang="en-US" dirty="0">
+                <a:latin typeface="Courier New" panose="02070309020205020404" pitchFamily="49" charset="0"/>
+                <a:cs typeface="Courier New" panose="02070309020205020404" pitchFamily="49" charset="0"/>
+              </a:rPr>
+              <a:t>x.agg(F.sum('amount'), F.max('amount')).show()</a:t>
             </a:r>
             <a:br>
               <a:rPr lang="en-US" dirty="0">
@@ -8786,16 +8380,12 @@
           <a:p>
             <a:pPr lvl="1"/>
             <a:r>
-              <a:rPr lang="en-US" dirty="0" err="1">
+              <a:rPr lang="en-US" dirty="0">
                 <a:latin typeface="Courier New" panose="02070309020205020404" pitchFamily="49" charset="0"/>
                 <a:cs typeface="Courier New" panose="02070309020205020404" pitchFamily="49" charset="0"/>
               </a:rPr>
               <a:t>json</a:t>
             </a:r>
-            <a:endParaRPr lang="en-US" dirty="0">
-              <a:latin typeface="Courier New" panose="02070309020205020404" pitchFamily="49" charset="0"/>
-              <a:cs typeface="Courier New" panose="02070309020205020404" pitchFamily="49" charset="0"/>
-            </a:endParaRPr>
           </a:p>
           <a:p>
             <a:pPr lvl="1"/>
@@ -8820,21 +8410,17 @@
           <a:p>
             <a:pPr lvl="1"/>
             <a:r>
-              <a:rPr lang="en-US" dirty="0" err="1">
+              <a:rPr lang="en-US" dirty="0">
                 <a:latin typeface="Courier New" panose="02070309020205020404" pitchFamily="49" charset="0"/>
                 <a:cs typeface="Courier New" panose="02070309020205020404" pitchFamily="49" charset="0"/>
               </a:rPr>
               <a:t>jdbc</a:t>
             </a:r>
-            <a:endParaRPr lang="en-US" dirty="0">
-              <a:latin typeface="Courier New" panose="02070309020205020404" pitchFamily="49" charset="0"/>
-              <a:cs typeface="Courier New" panose="02070309020205020404" pitchFamily="49" charset="0"/>
-            </a:endParaRPr>
           </a:p>
           <a:p>
             <a:r>
               <a:rPr lang="en-US" dirty="0"/>
-              <a:t>Other formats can be loaded using custom java classes</a:t>
+              <a:t>Other formats can be loaded using custom Java classes</a:t>
             </a:r>
           </a:p>
           <a:p>
@@ -8948,7 +8534,7 @@
               <a:t>The </a:t>
             </a:r>
             <a:r>
-              <a:rPr lang="en-US" dirty="0" err="1">
+              <a:rPr lang="en-US" dirty="0">
                 <a:latin typeface="Courier New" panose="02070309020205020404" pitchFamily="49" charset="0"/>
                 <a:cs typeface="Courier New" panose="02070309020205020404" pitchFamily="49" charset="0"/>
               </a:rPr>
@@ -8956,15 +8542,7 @@
             </a:r>
             <a:r>
               <a:rPr lang="en-US" dirty="0"/>
-              <a:t> parameter can also be used to indicate different </a:t>
-            </a:r>
-            <a:r>
-              <a:rPr lang="en-US" dirty="0" err="1"/>
-              <a:t>seperators</a:t>
-            </a:r>
-            <a:r>
-              <a:rPr lang="en-US" dirty="0"/>
-              <a:t> like </a:t>
+              <a:t> parameter can also be used to indicate different separators like </a:t>
             </a:r>
             <a:r>
               <a:rPr lang="en-US" dirty="0">
@@ -8993,21 +8571,7 @@
                 <a:latin typeface="Courier New" panose="02070309020205020404" pitchFamily="49" charset="0"/>
                 <a:cs typeface="Courier New" panose="02070309020205020404" pitchFamily="49" charset="0"/>
               </a:rPr>
-              <a:t>filename = '/home/student/ROI/</a:t>
-            </a:r>
-            <a:r>
-              <a:rPr lang="en-US" dirty="0" err="1">
-                <a:latin typeface="Courier New" panose="02070309020205020404" pitchFamily="49" charset="0"/>
-                <a:cs typeface="Courier New" panose="02070309020205020404" pitchFamily="49" charset="0"/>
-              </a:rPr>
-              <a:t>SparkProgram</a:t>
-            </a:r>
-            <a:r>
-              <a:rPr lang="en-US" dirty="0">
-                <a:latin typeface="Courier New" panose="02070309020205020404" pitchFamily="49" charset="0"/>
-                <a:cs typeface="Courier New" panose="02070309020205020404" pitchFamily="49" charset="0"/>
-              </a:rPr>
-              <a:t>/datasets/</a:t>
+              <a:t>filename = '/home/student/ROI/SparkProgram/datasets/</a:t>
             </a:r>
             <a:br>
               <a:rPr lang="en-US" dirty="0">
@@ -9020,21 +8584,7 @@
                 <a:latin typeface="Courier New" panose="02070309020205020404" pitchFamily="49" charset="0"/>
                 <a:cs typeface="Courier New" panose="02070309020205020404" pitchFamily="49" charset="0"/>
               </a:rPr>
-              <a:t>            finance/</a:t>
-            </a:r>
-            <a:r>
-              <a:rPr lang="en-US" dirty="0" err="1">
-                <a:latin typeface="Courier New" panose="02070309020205020404" pitchFamily="49" charset="0"/>
-                <a:cs typeface="Courier New" panose="02070309020205020404" pitchFamily="49" charset="0"/>
-              </a:rPr>
-              <a:t>CreditCard.csv</a:t>
-            </a:r>
-            <a:r>
-              <a:rPr lang="en-US" dirty="0">
-                <a:latin typeface="Courier New" panose="02070309020205020404" pitchFamily="49" charset="0"/>
-                <a:cs typeface="Courier New" panose="02070309020205020404" pitchFamily="49" charset="0"/>
-              </a:rPr>
-              <a:t>'</a:t>
+              <a:t>            finance/CreditCard.csv'</a:t>
             </a:r>
           </a:p>
           <a:p>
@@ -9052,21 +8602,7 @@
                 <a:latin typeface="Courier New" panose="02070309020205020404" pitchFamily="49" charset="0"/>
                 <a:cs typeface="Courier New" panose="02070309020205020404" pitchFamily="49" charset="0"/>
               </a:rPr>
-              <a:t>df4 = </a:t>
-            </a:r>
-            <a:r>
-              <a:rPr lang="en-US" dirty="0" err="1">
-                <a:latin typeface="Courier New" panose="02070309020205020404" pitchFamily="49" charset="0"/>
-                <a:cs typeface="Courier New" panose="02070309020205020404" pitchFamily="49" charset="0"/>
-              </a:rPr>
-              <a:t>spark.read.load</a:t>
-            </a:r>
-            <a:r>
-              <a:rPr lang="en-US" dirty="0">
-                <a:latin typeface="Courier New" panose="02070309020205020404" pitchFamily="49" charset="0"/>
-                <a:cs typeface="Courier New" panose="02070309020205020404" pitchFamily="49" charset="0"/>
-              </a:rPr>
-              <a:t>(filename, format = 'csv', </a:t>
+              <a:t>df4 = spark.read.load(filename, format = 'csv', </a:t>
             </a:r>
             <a:br>
               <a:rPr lang="en-US" dirty="0">
@@ -9079,35 +8615,7 @@
                 <a:latin typeface="Courier New" panose="02070309020205020404" pitchFamily="49" charset="0"/>
                 <a:cs typeface="Courier New" panose="02070309020205020404" pitchFamily="49" charset="0"/>
               </a:rPr>
-              <a:t>  </a:t>
-            </a:r>
-            <a:r>
-              <a:rPr lang="en-US" dirty="0" err="1">
-                <a:latin typeface="Courier New" panose="02070309020205020404" pitchFamily="49" charset="0"/>
-                <a:cs typeface="Courier New" panose="02070309020205020404" pitchFamily="49" charset="0"/>
-              </a:rPr>
-              <a:t>sep</a:t>
-            </a:r>
-            <a:r>
-              <a:rPr lang="en-US" dirty="0">
-                <a:latin typeface="Courier New" panose="02070309020205020404" pitchFamily="49" charset="0"/>
-                <a:cs typeface="Courier New" panose="02070309020205020404" pitchFamily="49" charset="0"/>
-              </a:rPr>
-              <a:t> = ',', </a:t>
-            </a:r>
-            <a:r>
-              <a:rPr lang="en-US" dirty="0" err="1">
-                <a:latin typeface="Courier New" panose="02070309020205020404" pitchFamily="49" charset="0"/>
-                <a:cs typeface="Courier New" panose="02070309020205020404" pitchFamily="49" charset="0"/>
-              </a:rPr>
-              <a:t>inferSchema</a:t>
-            </a:r>
-            <a:r>
-              <a:rPr lang="en-US" dirty="0">
-                <a:latin typeface="Courier New" panose="02070309020205020404" pitchFamily="49" charset="0"/>
-                <a:cs typeface="Courier New" panose="02070309020205020404" pitchFamily="49" charset="0"/>
-              </a:rPr>
-              <a:t> = True, header = True)</a:t>
+              <a:t>  sep = ',', inferSchema = True, header = True)</a:t>
             </a:r>
             <a:br>
               <a:rPr lang="en-US" dirty="0">
@@ -9129,35 +8637,7 @@
                 <a:latin typeface="Courier New" panose="02070309020205020404" pitchFamily="49" charset="0"/>
                 <a:cs typeface="Courier New" panose="02070309020205020404" pitchFamily="49" charset="0"/>
               </a:rPr>
-              <a:t>df4 = </a:t>
-            </a:r>
-            <a:r>
-              <a:rPr lang="en-US" dirty="0" err="1">
-                <a:latin typeface="Courier New" panose="02070309020205020404" pitchFamily="49" charset="0"/>
-                <a:cs typeface="Courier New" panose="02070309020205020404" pitchFamily="49" charset="0"/>
-              </a:rPr>
-              <a:t>spark.read.format</a:t>
-            </a:r>
-            <a:r>
-              <a:rPr lang="en-US" dirty="0">
-                <a:latin typeface="Courier New" panose="02070309020205020404" pitchFamily="49" charset="0"/>
-                <a:cs typeface="Courier New" panose="02070309020205020404" pitchFamily="49" charset="0"/>
-              </a:rPr>
-              <a:t>('csv').option('</a:t>
-            </a:r>
-            <a:r>
-              <a:rPr lang="en-US" dirty="0" err="1">
-                <a:latin typeface="Courier New" panose="02070309020205020404" pitchFamily="49" charset="0"/>
-                <a:cs typeface="Courier New" panose="02070309020205020404" pitchFamily="49" charset="0"/>
-              </a:rPr>
-              <a:t>header','true</a:t>
-            </a:r>
-            <a:r>
-              <a:rPr lang="en-US" dirty="0">
-                <a:latin typeface="Courier New" panose="02070309020205020404" pitchFamily="49" charset="0"/>
-                <a:cs typeface="Courier New" panose="02070309020205020404" pitchFamily="49" charset="0"/>
-              </a:rPr>
-              <a:t>').</a:t>
+              <a:t>df4 = spark.read.format('csv').option('header','true').</a:t>
             </a:r>
             <a:br>
               <a:rPr lang="en-US" dirty="0">
@@ -9170,21 +8650,7 @@
                 <a:latin typeface="Courier New" panose="02070309020205020404" pitchFamily="49" charset="0"/>
                 <a:cs typeface="Courier New" panose="02070309020205020404" pitchFamily="49" charset="0"/>
               </a:rPr>
-              <a:t>  option('</a:t>
-            </a:r>
-            <a:r>
-              <a:rPr lang="en-US" dirty="0" err="1">
-                <a:latin typeface="Courier New" panose="02070309020205020404" pitchFamily="49" charset="0"/>
-                <a:cs typeface="Courier New" panose="02070309020205020404" pitchFamily="49" charset="0"/>
-              </a:rPr>
-              <a:t>inferSchema</a:t>
-            </a:r>
-            <a:r>
-              <a:rPr lang="en-US" dirty="0">
-                <a:latin typeface="Courier New" panose="02070309020205020404" pitchFamily="49" charset="0"/>
-                <a:cs typeface="Courier New" panose="02070309020205020404" pitchFamily="49" charset="0"/>
-              </a:rPr>
-              <a:t>','true').load(filename)</a:t>
+              <a:t>  option('inferSchema','true').load(filename)</a:t>
             </a:r>
           </a:p>
           <a:p>
@@ -9202,21 +8668,7 @@
                 <a:latin typeface="Courier New" panose="02070309020205020404" pitchFamily="49" charset="0"/>
                 <a:cs typeface="Courier New" panose="02070309020205020404" pitchFamily="49" charset="0"/>
               </a:rPr>
-              <a:t>df4 = </a:t>
-            </a:r>
-            <a:r>
-              <a:rPr lang="en-US" dirty="0" err="1">
-                <a:latin typeface="Courier New" panose="02070309020205020404" pitchFamily="49" charset="0"/>
-                <a:cs typeface="Courier New" panose="02070309020205020404" pitchFamily="49" charset="0"/>
-              </a:rPr>
-              <a:t>spark.read.csv</a:t>
-            </a:r>
-            <a:r>
-              <a:rPr lang="en-US" dirty="0">
-                <a:latin typeface="Courier New" panose="02070309020205020404" pitchFamily="49" charset="0"/>
-                <a:cs typeface="Courier New" panose="02070309020205020404" pitchFamily="49" charset="0"/>
-              </a:rPr>
-              <a:t>(filename, header = True,</a:t>
+              <a:t>df4 = spark.read.csv(filename, header = True,</a:t>
             </a:r>
             <a:br>
               <a:rPr lang="en-US" dirty="0">
@@ -9229,21 +8681,7 @@
                 <a:latin typeface="Courier New" panose="02070309020205020404" pitchFamily="49" charset="0"/>
                 <a:cs typeface="Courier New" panose="02070309020205020404" pitchFamily="49" charset="0"/>
               </a:rPr>
-              <a:t>  </a:t>
-            </a:r>
-            <a:r>
-              <a:rPr lang="en-US" dirty="0" err="1">
-                <a:latin typeface="Courier New" panose="02070309020205020404" pitchFamily="49" charset="0"/>
-                <a:cs typeface="Courier New" panose="02070309020205020404" pitchFamily="49" charset="0"/>
-              </a:rPr>
-              <a:t>inferSchema</a:t>
-            </a:r>
-            <a:r>
-              <a:rPr lang="en-US" dirty="0">
-                <a:latin typeface="Courier New" panose="02070309020205020404" pitchFamily="49" charset="0"/>
-                <a:cs typeface="Courier New" panose="02070309020205020404" pitchFamily="49" charset="0"/>
-              </a:rPr>
-              <a:t> = True)</a:t>
+              <a:t>  inferSchema = True)</a:t>
             </a:r>
           </a:p>
           <a:p>
@@ -9343,15 +8781,7 @@
           <a:p>
             <a:r>
               <a:rPr lang="en-US" dirty="0"/>
-              <a:t>The write method on a </a:t>
-            </a:r>
-            <a:r>
-              <a:rPr lang="en-US" dirty="0" err="1"/>
-              <a:t>DataFrame</a:t>
-            </a:r>
-            <a:r>
-              <a:rPr lang="en-US" dirty="0"/>
-              <a:t> can be used just like the </a:t>
+              <a:t>The write method on a DataFrame can be used just like the </a:t>
             </a:r>
             <a:r>
               <a:rPr lang="en-US" dirty="0">
@@ -9374,60 +8804,21 @@
           <a:p>
             <a:pPr lvl="1"/>
             <a:r>
-              <a:rPr lang="en-US" dirty="0" err="1">
+              <a:rPr lang="en-US" dirty="0">
                 <a:latin typeface="Courier New" panose="02070309020205020404" pitchFamily="49" charset="0"/>
                 <a:cs typeface="Courier New" panose="02070309020205020404" pitchFamily="49" charset="0"/>
               </a:rPr>
               <a:t>jdbc</a:t>
             </a:r>
-            <a:endParaRPr lang="en-US" dirty="0">
-              <a:latin typeface="Courier New" panose="02070309020205020404" pitchFamily="49" charset="0"/>
-              <a:cs typeface="Courier New" panose="02070309020205020404" pitchFamily="49" charset="0"/>
-            </a:endParaRPr>
           </a:p>
           <a:p>
             <a:pPr lvl="1"/>
             <a:r>
-              <a:rPr lang="en-US" dirty="0" err="1">
-                <a:latin typeface="Courier New" panose="02070309020205020404" pitchFamily="49" charset="0"/>
-                <a:cs typeface="Courier New" panose="02070309020205020404" pitchFamily="49" charset="0"/>
-              </a:rPr>
-              <a:t>json</a:t>
-            </a:r>
-            <a:r>
-              <a:rPr lang="en-US" dirty="0">
-                <a:latin typeface="Courier New" panose="02070309020205020404" pitchFamily="49" charset="0"/>
-                <a:cs typeface="Courier New" panose="02070309020205020404" pitchFamily="49" charset="0"/>
-              </a:rPr>
-              <a:t> </a:t>
-            </a:r>
-            <a:r>
-              <a:rPr lang="en-US" dirty="0" err="1">
-                <a:latin typeface="Courier New" panose="02070309020205020404" pitchFamily="49" charset="0"/>
-                <a:cs typeface="Courier New" panose="02070309020205020404" pitchFamily="49" charset="0"/>
-              </a:rPr>
-              <a:t>spark.read.json</a:t>
-            </a:r>
-            <a:r>
-              <a:rPr lang="en-US" dirty="0">
-                <a:latin typeface="Courier New" panose="02070309020205020404" pitchFamily="49" charset="0"/>
-                <a:cs typeface="Courier New" panose="02070309020205020404" pitchFamily="49" charset="0"/>
-              </a:rPr>
-              <a:t>(filename)</a:t>
-            </a:r>
-            <a:r>
-              <a:rPr lang="en-US" dirty="0" err="1">
-                <a:latin typeface="Courier New" panose="02070309020205020404" pitchFamily="49" charset="0"/>
-                <a:cs typeface="Courier New" panose="02070309020205020404" pitchFamily="49" charset="0"/>
-              </a:rPr>
-              <a:t>df.write.json</a:t>
-            </a:r>
-            <a:r>
-              <a:rPr lang="en-US" dirty="0">
-                <a:latin typeface="Courier New" panose="02070309020205020404" pitchFamily="49" charset="0"/>
-                <a:cs typeface="Courier New" panose="02070309020205020404" pitchFamily="49" charset="0"/>
-              </a:rPr>
-              <a:t>(file)</a:t>
+              <a:rPr lang="en-US" dirty="0">
+                <a:latin typeface="Courier New" panose="02070309020205020404" pitchFamily="49" charset="0"/>
+                <a:cs typeface="Courier New" panose="02070309020205020404" pitchFamily="49" charset="0"/>
+              </a:rPr>
+              <a:t>json spark.read.json(filename)df.write.json(file)</a:t>
             </a:r>
           </a:p>
           <a:p>
@@ -9437,35 +8828,7 @@
                 <a:latin typeface="Courier New" panose="02070309020205020404" pitchFamily="49" charset="0"/>
                 <a:cs typeface="Courier New" panose="02070309020205020404" pitchFamily="49" charset="0"/>
               </a:rPr>
-              <a:t>orc  </a:t>
-            </a:r>
-            <a:r>
-              <a:rPr lang="en-US" dirty="0" err="1">
-                <a:latin typeface="Courier New" panose="02070309020205020404" pitchFamily="49" charset="0"/>
-                <a:cs typeface="Courier New" panose="02070309020205020404" pitchFamily="49" charset="0"/>
-              </a:rPr>
-              <a:t>spark.read.orc</a:t>
-            </a:r>
-            <a:r>
-              <a:rPr lang="en-US" dirty="0">
-                <a:latin typeface="Courier New" panose="02070309020205020404" pitchFamily="49" charset="0"/>
-                <a:cs typeface="Courier New" panose="02070309020205020404" pitchFamily="49" charset="0"/>
-              </a:rPr>
-              <a:t>(filename) </a:t>
-            </a:r>
-            <a:r>
-              <a:rPr lang="en-US" dirty="0" err="1">
-                <a:latin typeface="Courier New" panose="02070309020205020404" pitchFamily="49" charset="0"/>
-                <a:cs typeface="Courier New" panose="02070309020205020404" pitchFamily="49" charset="0"/>
-              </a:rPr>
-              <a:t>df.write.orc</a:t>
-            </a:r>
-            <a:r>
-              <a:rPr lang="en-US" dirty="0">
-                <a:latin typeface="Courier New" panose="02070309020205020404" pitchFamily="49" charset="0"/>
-                <a:cs typeface="Courier New" panose="02070309020205020404" pitchFamily="49" charset="0"/>
-              </a:rPr>
-              <a:t>(file)</a:t>
+              <a:t>orc  spark.read.orc(filename) df.write.orc(file)</a:t>
             </a:r>
           </a:p>
           <a:p>
@@ -9475,35 +8838,7 @@
                 <a:latin typeface="Courier New" panose="02070309020205020404" pitchFamily="49" charset="0"/>
                 <a:cs typeface="Courier New" panose="02070309020205020404" pitchFamily="49" charset="0"/>
               </a:rPr>
-              <a:t>parquet </a:t>
-            </a:r>
-            <a:r>
-              <a:rPr lang="en-US" dirty="0" err="1">
-                <a:latin typeface="Courier New" panose="02070309020205020404" pitchFamily="49" charset="0"/>
-                <a:cs typeface="Courier New" panose="02070309020205020404" pitchFamily="49" charset="0"/>
-              </a:rPr>
-              <a:t>spark.read.parquet</a:t>
-            </a:r>
-            <a:r>
-              <a:rPr lang="en-US" dirty="0">
-                <a:latin typeface="Courier New" panose="02070309020205020404" pitchFamily="49" charset="0"/>
-                <a:cs typeface="Courier New" panose="02070309020205020404" pitchFamily="49" charset="0"/>
-              </a:rPr>
-              <a:t>(file) </a:t>
-            </a:r>
-            <a:r>
-              <a:rPr lang="en-US" dirty="0" err="1">
-                <a:latin typeface="Courier New" panose="02070309020205020404" pitchFamily="49" charset="0"/>
-                <a:cs typeface="Courier New" panose="02070309020205020404" pitchFamily="49" charset="0"/>
-              </a:rPr>
-              <a:t>df.write.parquet</a:t>
-            </a:r>
-            <a:r>
-              <a:rPr lang="en-US" dirty="0">
-                <a:latin typeface="Courier New" panose="02070309020205020404" pitchFamily="49" charset="0"/>
-                <a:cs typeface="Courier New" panose="02070309020205020404" pitchFamily="49" charset="0"/>
-              </a:rPr>
-              <a:t>(file)</a:t>
+              <a:t>parquet spark.read.parquet(file) df.write.parquet(file)</a:t>
             </a:r>
           </a:p>
           <a:p>
@@ -9513,41 +8848,13 @@
                 <a:latin typeface="Courier New" panose="02070309020205020404" pitchFamily="49" charset="0"/>
                 <a:cs typeface="Courier New" panose="02070309020205020404" pitchFamily="49" charset="0"/>
               </a:rPr>
-              <a:t>text  </a:t>
-            </a:r>
-            <a:r>
-              <a:rPr lang="en-US" dirty="0" err="1">
-                <a:latin typeface="Courier New" panose="02070309020205020404" pitchFamily="49" charset="0"/>
-                <a:cs typeface="Courier New" panose="02070309020205020404" pitchFamily="49" charset="0"/>
-              </a:rPr>
-              <a:t>spark.read.text</a:t>
-            </a:r>
-            <a:r>
-              <a:rPr lang="en-US" dirty="0">
-                <a:latin typeface="Courier New" panose="02070309020205020404" pitchFamily="49" charset="0"/>
-                <a:cs typeface="Courier New" panose="02070309020205020404" pitchFamily="49" charset="0"/>
-              </a:rPr>
-              <a:t>(file) </a:t>
-            </a:r>
-            <a:r>
-              <a:rPr lang="en-US" dirty="0" err="1">
-                <a:latin typeface="Courier New" panose="02070309020205020404" pitchFamily="49" charset="0"/>
-                <a:cs typeface="Courier New" panose="02070309020205020404" pitchFamily="49" charset="0"/>
-              </a:rPr>
-              <a:t>df.write.text</a:t>
-            </a:r>
-            <a:r>
-              <a:rPr lang="en-US" dirty="0">
-                <a:latin typeface="Courier New" panose="02070309020205020404" pitchFamily="49" charset="0"/>
-                <a:cs typeface="Courier New" panose="02070309020205020404" pitchFamily="49" charset="0"/>
-              </a:rPr>
-              <a:t>(file)</a:t>
+              <a:t>text  spark.read.text(file) df.write.text(file)</a:t>
             </a:r>
           </a:p>
           <a:p>
             <a:r>
               <a:rPr lang="en-US" dirty="0"/>
-              <a:t>Other formats can use the option to supply a custom Java class that can be downloaded and installed on the computer:</a:t>
+              <a:t>Other formats can use the option to supply a custom Java class that can be downloaded and installed on the computer</a:t>
             </a:r>
           </a:p>
           <a:p>
@@ -9557,53 +8864,18 @@
               <a:t>AVRO: </a:t>
             </a:r>
             <a:r>
-              <a:rPr lang="en-US" dirty="0" err="1">
-                <a:latin typeface="Courier New" panose="02070309020205020404" pitchFamily="49" charset="0"/>
-                <a:cs typeface="Courier New" panose="02070309020205020404" pitchFamily="49" charset="0"/>
-              </a:rPr>
-              <a:t>spark.read.format</a:t>
-            </a:r>
-            <a:r>
-              <a:rPr lang="en-US" dirty="0">
-                <a:latin typeface="Courier New" panose="02070309020205020404" pitchFamily="49" charset="0"/>
-                <a:cs typeface="Courier New" panose="02070309020205020404" pitchFamily="49" charset="0"/>
-              </a:rPr>
-              <a:t>("</a:t>
-            </a:r>
-            <a:r>
-              <a:rPr lang="en-US" dirty="0" err="1">
-                <a:latin typeface="Courier New" panose="02070309020205020404" pitchFamily="49" charset="0"/>
-                <a:cs typeface="Courier New" panose="02070309020205020404" pitchFamily="49" charset="0"/>
-              </a:rPr>
-              <a:t>com.databricks.spark.avro</a:t>
-            </a:r>
-            <a:r>
-              <a:rPr lang="en-US" dirty="0">
-                <a:latin typeface="Courier New" panose="02070309020205020404" pitchFamily="49" charset="0"/>
-                <a:cs typeface="Courier New" panose="02070309020205020404" pitchFamily="49" charset="0"/>
-              </a:rPr>
-              <a:t>").load("</a:t>
-            </a:r>
-            <a:r>
-              <a:rPr lang="en-US" dirty="0" err="1">
-                <a:latin typeface="Courier New" panose="02070309020205020404" pitchFamily="49" charset="0"/>
-                <a:cs typeface="Courier New" panose="02070309020205020404" pitchFamily="49" charset="0"/>
-              </a:rPr>
-              <a:t>kv.avro</a:t>
-            </a:r>
-            <a:r>
-              <a:rPr lang="en-US" dirty="0">
-                <a:latin typeface="Courier New" panose="02070309020205020404" pitchFamily="49" charset="0"/>
-                <a:cs typeface="Courier New" panose="02070309020205020404" pitchFamily="49" charset="0"/>
-              </a:rPr>
-              <a:t>")</a:t>
+              <a:rPr lang="en-US" dirty="0">
+                <a:latin typeface="Courier New" panose="02070309020205020404" pitchFamily="49" charset="0"/>
+                <a:cs typeface="Courier New" panose="02070309020205020404" pitchFamily="49" charset="0"/>
+              </a:rPr>
+              <a:t>spark.read.format("com.databricks.spark.avro").load("kv.avro")</a:t>
             </a:r>
           </a:p>
           <a:p>
             <a:pPr lvl="1"/>
             <a:r>
               <a:rPr lang="en-US" dirty="0">
-                <a:latin typeface="Courier New" panose="02070309020205020404" pitchFamily="49" charset="0"/>
+                <a:latin typeface="+mn-lt"/>
                 <a:cs typeface="Courier New" panose="02070309020205020404" pitchFamily="49" charset="0"/>
               </a:rPr>
               <a:t>Cassandra:</a:t>
@@ -9615,74 +8887,11 @@
               </a:rPr>
             </a:br>
             <a:r>
-              <a:rPr lang="en-US" dirty="0" err="1">
-                <a:latin typeface="Courier New" panose="02070309020205020404" pitchFamily="49" charset="0"/>
-                <a:cs typeface="Courier New" panose="02070309020205020404" pitchFamily="49" charset="0"/>
-              </a:rPr>
-              <a:t>sqlContext.read.format</a:t>
-            </a:r>
-            <a:r>
-              <a:rPr lang="en-US" dirty="0">
-                <a:latin typeface="Courier New" panose="02070309020205020404" pitchFamily="49" charset="0"/>
-                <a:cs typeface="Courier New" panose="02070309020205020404" pitchFamily="49" charset="0"/>
-              </a:rPr>
-              <a:t>("</a:t>
-            </a:r>
-            <a:r>
-              <a:rPr lang="en-US" dirty="0" err="1">
-                <a:latin typeface="Courier New" panose="02070309020205020404" pitchFamily="49" charset="0"/>
-                <a:cs typeface="Courier New" panose="02070309020205020404" pitchFamily="49" charset="0"/>
-              </a:rPr>
-              <a:t>org.apache.spark.sql.cassandra</a:t>
-            </a:r>
-            <a:r>
-              <a:rPr lang="en-US" dirty="0">
-                <a:latin typeface="Courier New" panose="02070309020205020404" pitchFamily="49" charset="0"/>
-                <a:cs typeface="Courier New" panose="02070309020205020404" pitchFamily="49" charset="0"/>
-              </a:rPr>
-              <a:t>").options(table = </a:t>
-            </a:r>
-            <a:r>
-              <a:rPr lang="en-US" dirty="0" err="1">
-                <a:latin typeface="Courier New" panose="02070309020205020404" pitchFamily="49" charset="0"/>
-                <a:cs typeface="Courier New" panose="02070309020205020404" pitchFamily="49" charset="0"/>
-              </a:rPr>
-              <a:t>table_name</a:t>
-            </a:r>
-            <a:r>
-              <a:rPr lang="en-US" dirty="0">
-                <a:latin typeface="Courier New" panose="02070309020205020404" pitchFamily="49" charset="0"/>
-                <a:cs typeface="Courier New" panose="02070309020205020404" pitchFamily="49" charset="0"/>
-              </a:rPr>
-              <a:t>, </a:t>
-            </a:r>
-            <a:r>
-              <a:rPr lang="en-US" dirty="0" err="1">
-                <a:latin typeface="Courier New" panose="02070309020205020404" pitchFamily="49" charset="0"/>
-                <a:cs typeface="Courier New" panose="02070309020205020404" pitchFamily="49" charset="0"/>
-              </a:rPr>
-              <a:t>keyspace</a:t>
-            </a:r>
-            <a:r>
-              <a:rPr lang="en-US" dirty="0">
-                <a:latin typeface="Courier New" panose="02070309020205020404" pitchFamily="49" charset="0"/>
-                <a:cs typeface="Courier New" panose="02070309020205020404" pitchFamily="49" charset="0"/>
-              </a:rPr>
-              <a:t> = </a:t>
-            </a:r>
-            <a:r>
-              <a:rPr lang="en-US" dirty="0" err="1">
-                <a:latin typeface="Courier New" panose="02070309020205020404" pitchFamily="49" charset="0"/>
-                <a:cs typeface="Courier New" panose="02070309020205020404" pitchFamily="49" charset="0"/>
-              </a:rPr>
-              <a:t>keys_space_name</a:t>
-            </a:r>
-            <a:r>
-              <a:rPr lang="en-US" dirty="0">
-                <a:latin typeface="Courier New" panose="02070309020205020404" pitchFamily="49" charset="0"/>
-                <a:cs typeface="Courier New" panose="02070309020205020404" pitchFamily="49" charset="0"/>
-              </a:rPr>
-              <a:t>).load()</a:t>
+              <a:rPr lang="en-US" dirty="0">
+                <a:latin typeface="Courier New" panose="02070309020205020404" pitchFamily="49" charset="0"/>
+                <a:cs typeface="Courier New" panose="02070309020205020404" pitchFamily="49" charset="0"/>
+              </a:rPr>
+              <a:t>sqlContext.read.format("org.apache.spark.sql.cassandra").options(table = table_name, keyspace = keys_space_name).load()</a:t>
             </a:r>
           </a:p>
         </p:txBody>
@@ -9741,7 +8950,13 @@
       </p:grpSpPr>
       <p:sp>
         <p:nvSpPr>
-          <p:cNvPr id="2" name="Content Placeholder 1"/>
+          <p:cNvPr id="5" name="Content Placeholder 4">
+            <a:extLst>
+              <a:ext uri="{FF2B5EF4-FFF2-40B4-BE49-F238E27FC236}">
+                <a16:creationId xmlns:a16="http://schemas.microsoft.com/office/drawing/2014/main" id="{577F11C9-892C-4A32-919F-9BED09ACF1C9}"/>
+              </a:ext>
+            </a:extLst>
+          </p:cNvPr>
           <p:cNvSpPr>
             <a:spLocks noGrp="1"/>
           </p:cNvSpPr>
@@ -9749,12 +8964,7 @@
             <p:ph idx="1"/>
           </p:nvPr>
         </p:nvSpPr>
-        <p:spPr>
-          <a:xfrm>
-            <a:off x="270668" y="1123530"/>
-            <a:ext cx="8873332" cy="5229144"/>
-          </a:xfrm>
-        </p:spPr>
+        <p:spPr/>
         <p:txBody>
           <a:bodyPr/>
           <a:lstStyle/>
@@ -9767,23 +8977,29 @@
           <a:p>
             <a:r>
               <a:rPr lang="en-US" dirty="0"/>
-              <a:t>Using the expr function in combination with </a:t>
-            </a:r>
-            <a:r>
-              <a:rPr lang="en-US" dirty="0" err="1"/>
+              <a:t>Using the </a:t>
+            </a:r>
+            <a:r>
+              <a:rPr lang="en-US" dirty="0">
+                <a:latin typeface="Courier New" panose="02070309020205020404" pitchFamily="49" charset="0"/>
+                <a:cs typeface="Courier New" panose="02070309020205020404" pitchFamily="49" charset="0"/>
+              </a:rPr>
+              <a:t>expr</a:t>
+            </a:r>
+            <a:r>
+              <a:rPr lang="en-US" dirty="0"/>
+              <a:t> function in combination with </a:t>
+            </a:r>
+            <a:r>
+              <a:rPr lang="en-US" dirty="0">
+                <a:latin typeface="Courier New" panose="02070309020205020404" pitchFamily="49" charset="0"/>
+                <a:cs typeface="Courier New" panose="02070309020205020404" pitchFamily="49" charset="0"/>
+              </a:rPr>
               <a:t>withColumn</a:t>
             </a:r>
             <a:r>
               <a:rPr lang="en-US" dirty="0"/>
-              <a:t> you can add calculated columns to a </a:t>
-            </a:r>
-            <a:r>
-              <a:rPr lang="en-US" dirty="0" err="1"/>
-              <a:t>DataFrame</a:t>
-            </a:r>
-            <a:r>
-              <a:rPr lang="en-US" dirty="0"/>
-              <a:t> if you can code the calculation as standard SQL</a:t>
+              <a:t> you can add calculated columns to a DataFrame if you can code the calculation as standard SQL</a:t>
             </a:r>
           </a:p>
           <a:p>
@@ -9795,21 +9011,7 @@
                 <a:latin typeface="Courier New" panose="02070309020205020404" pitchFamily="49" charset="0"/>
                 <a:cs typeface="Courier New" panose="02070309020205020404" pitchFamily="49" charset="0"/>
               </a:rPr>
-              <a:t>from </a:t>
-            </a:r>
-            <a:r>
-              <a:rPr lang="en-US" dirty="0" err="1">
-                <a:latin typeface="Courier New" panose="02070309020205020404" pitchFamily="49" charset="0"/>
-                <a:cs typeface="Courier New" panose="02070309020205020404" pitchFamily="49" charset="0"/>
-              </a:rPr>
-              <a:t>pyspark.sql.functions</a:t>
-            </a:r>
-            <a:r>
-              <a:rPr lang="en-US" dirty="0">
-                <a:latin typeface="Courier New" panose="02070309020205020404" pitchFamily="49" charset="0"/>
-                <a:cs typeface="Courier New" panose="02070309020205020404" pitchFamily="49" charset="0"/>
-              </a:rPr>
-              <a:t> import expr</a:t>
+              <a:t>from pyspark.sql.functions import expr</a:t>
             </a:r>
           </a:p>
           <a:p>
@@ -9821,21 +9023,7 @@
                 <a:latin typeface="Courier New" panose="02070309020205020404" pitchFamily="49" charset="0"/>
                 <a:cs typeface="Courier New" panose="02070309020205020404" pitchFamily="49" charset="0"/>
               </a:rPr>
-              <a:t>x2.withColumn('</a:t>
-            </a:r>
-            <a:r>
-              <a:rPr lang="en-US" dirty="0" err="1">
-                <a:latin typeface="Courier New" panose="02070309020205020404" pitchFamily="49" charset="0"/>
-                <a:cs typeface="Courier New" panose="02070309020205020404" pitchFamily="49" charset="0"/>
-              </a:rPr>
-              <a:t>uppername</a:t>
-            </a:r>
-            <a:r>
-              <a:rPr lang="en-US" dirty="0">
-                <a:latin typeface="Courier New" panose="02070309020205020404" pitchFamily="49" charset="0"/>
-                <a:cs typeface="Courier New" panose="02070309020205020404" pitchFamily="49" charset="0"/>
-              </a:rPr>
-              <a:t>', expr('upper(name)')).show()</a:t>
+              <a:t>x2.withColumn('uppername', expr('upper(name)')).show()</a:t>
             </a:r>
           </a:p>
           <a:p>
@@ -9847,32 +9035,11 @@
           <a:p>
             <a:pPr lvl="1"/>
             <a:r>
-              <a:rPr lang="en-US" dirty="0" err="1">
-                <a:latin typeface="Courier New" panose="02070309020205020404" pitchFamily="49" charset="0"/>
-                <a:cs typeface="Courier New" panose="02070309020205020404" pitchFamily="49" charset="0"/>
-              </a:rPr>
-              <a:t>withColumnRenamed</a:t>
-            </a:r>
-            <a:r>
-              <a:rPr lang="en-US" dirty="0">
-                <a:latin typeface="Courier New" panose="02070309020205020404" pitchFamily="49" charset="0"/>
-                <a:cs typeface="Courier New" panose="02070309020205020404" pitchFamily="49" charset="0"/>
-              </a:rPr>
-              <a:t>(</a:t>
-            </a:r>
-            <a:r>
-              <a:rPr lang="en-US" dirty="0" err="1">
-                <a:latin typeface="Courier New" panose="02070309020205020404" pitchFamily="49" charset="0"/>
-                <a:cs typeface="Courier New" panose="02070309020205020404" pitchFamily="49" charset="0"/>
-              </a:rPr>
-              <a:t>oldname</a:t>
-            </a:r>
-            <a:r>
-              <a:rPr lang="en-US" dirty="0">
-                <a:latin typeface="Courier New" panose="02070309020205020404" pitchFamily="49" charset="0"/>
-                <a:cs typeface="Courier New" panose="02070309020205020404" pitchFamily="49" charset="0"/>
-              </a:rPr>
-              <a:t>, newname)</a:t>
+              <a:rPr lang="en-US" dirty="0">
+                <a:latin typeface="Courier New" panose="02070309020205020404" pitchFamily="49" charset="0"/>
+                <a:cs typeface="Courier New" panose="02070309020205020404" pitchFamily="49" charset="0"/>
+              </a:rPr>
+              <a:t>withColumnRenamed(oldname, newname)</a:t>
             </a:r>
           </a:p>
           <a:p>
@@ -9892,18 +9059,11 @@
               <a:t>the </a:t>
             </a:r>
             <a:r>
-              <a:rPr lang="en-US" dirty="0" err="1">
-                <a:latin typeface="Courier New" panose="02070309020205020404" pitchFamily="49" charset="0"/>
-                <a:cs typeface="Courier New" panose="02070309020205020404" pitchFamily="49" charset="0"/>
-              </a:rPr>
-              <a:t>toLocalIterator</a:t>
-            </a:r>
-            <a:r>
-              <a:rPr lang="en-US" dirty="0">
-                <a:latin typeface="Courier New" panose="02070309020205020404" pitchFamily="49" charset="0"/>
-                <a:cs typeface="Courier New" panose="02070309020205020404" pitchFamily="49" charset="0"/>
-              </a:rPr>
-              <a:t>()</a:t>
+              <a:rPr lang="en-US" dirty="0">
+                <a:latin typeface="Courier New" panose="02070309020205020404" pitchFamily="49" charset="0"/>
+                <a:cs typeface="Courier New" panose="02070309020205020404" pitchFamily="49" charset="0"/>
+              </a:rPr>
+              <a:t>toLocalIterator()</a:t>
             </a:r>
             <a:r>
               <a:rPr lang="en-US" dirty="0"/>
@@ -9931,21 +9091,14 @@
                 <a:latin typeface="Courier New" panose="02070309020205020404" pitchFamily="49" charset="0"/>
                 <a:cs typeface="Courier New" panose="02070309020205020404" pitchFamily="49" charset="0"/>
               </a:rPr>
-              <a:t>union, </a:t>
-            </a:r>
-            <a:r>
-              <a:rPr lang="en-US" dirty="0" err="1">
-                <a:latin typeface="Courier New" panose="02070309020205020404" pitchFamily="49" charset="0"/>
-                <a:cs typeface="Courier New" panose="02070309020205020404" pitchFamily="49" charset="0"/>
-              </a:rPr>
-              <a:t>unionAll</a:t>
-            </a:r>
-            <a:r>
-              <a:rPr lang="en-US" dirty="0">
-                <a:latin typeface="Courier New" panose="02070309020205020404" pitchFamily="49" charset="0"/>
-                <a:cs typeface="Courier New" panose="02070309020205020404" pitchFamily="49" charset="0"/>
-              </a:rPr>
-              <a:t>, subtract </a:t>
+              <a:t>union, unionAll, subtract</a:t>
+            </a:r>
+            <a:r>
+              <a:rPr lang="en-US" dirty="0">
+                <a:latin typeface="+mn-lt"/>
+                <a:cs typeface="Courier New" panose="02070309020205020404" pitchFamily="49" charset="0"/>
+              </a:rPr>
+              <a:t>, </a:t>
             </a:r>
             <a:r>
               <a:rPr lang="en-US" dirty="0"/>
@@ -9961,10 +9114,7 @@
             <a:endParaRPr lang="en-US" dirty="0"/>
           </a:p>
           <a:p>
-            <a:endParaRPr lang="en-US" dirty="0">
-              <a:latin typeface="Courier New" panose="02070309020205020404" pitchFamily="49" charset="0"/>
-              <a:cs typeface="Courier New" panose="02070309020205020404" pitchFamily="49" charset="0"/>
-            </a:endParaRPr>
+            <a:endParaRPr lang="en-US" dirty="0"/>
           </a:p>
         </p:txBody>
       </p:sp>
@@ -10048,13 +9198,8 @@
           <a:p>
             <a:r>
               <a:rPr lang="en-US" dirty="0"/>
-              <a:t>Import the helper functions in </a:t>
-            </a:r>
-            <a:r>
-              <a:rPr lang="en-US" dirty="0" err="1"/>
-              <a:t>pyspark.sql</a:t>
-            </a:r>
-            <a:endParaRPr lang="en-US" dirty="0"/>
+              <a:t>Import the helper functions in pyspark.sql</a:t>
+            </a:r>
           </a:p>
           <a:p>
             <a:pPr marL="228600" lvl="1" indent="0">
@@ -10065,33 +9210,8 @@
                 <a:latin typeface="Courier New" panose="02070309020205020404" pitchFamily="49" charset="0"/>
                 <a:cs typeface="Courier New" panose="02070309020205020404" pitchFamily="49" charset="0"/>
               </a:rPr>
-              <a:t>from </a:t>
-            </a:r>
-            <a:r>
-              <a:rPr lang="en-US" dirty="0" err="1">
-                <a:latin typeface="Courier New" panose="02070309020205020404" pitchFamily="49" charset="0"/>
-                <a:cs typeface="Courier New" panose="02070309020205020404" pitchFamily="49" charset="0"/>
-              </a:rPr>
-              <a:t>pyspark.sql.functions</a:t>
-            </a:r>
-            <a:r>
-              <a:rPr lang="en-US" dirty="0">
-                <a:latin typeface="Courier New" panose="02070309020205020404" pitchFamily="49" charset="0"/>
-                <a:cs typeface="Courier New" panose="02070309020205020404" pitchFamily="49" charset="0"/>
-              </a:rPr>
-              <a:t> import </a:t>
-            </a:r>
-            <a:r>
-              <a:rPr lang="en-US" dirty="0" err="1">
-                <a:latin typeface="Courier New" panose="02070309020205020404" pitchFamily="49" charset="0"/>
-                <a:cs typeface="Courier New" panose="02070309020205020404" pitchFamily="49" charset="0"/>
-              </a:rPr>
-              <a:t>udf</a:t>
-            </a:r>
-            <a:endParaRPr lang="en-US" dirty="0">
-              <a:latin typeface="Courier New" panose="02070309020205020404" pitchFamily="49" charset="0"/>
-              <a:cs typeface="Courier New" panose="02070309020205020404" pitchFamily="49" charset="0"/>
-            </a:endParaRPr>
+              <a:t>from pyspark.sql.functions import udf</a:t>
+            </a:r>
           </a:p>
           <a:p>
             <a:pPr marL="228600" lvl="1" indent="0">
@@ -10102,21 +9222,7 @@
                 <a:latin typeface="Courier New" panose="02070309020205020404" pitchFamily="49" charset="0"/>
                 <a:cs typeface="Courier New" panose="02070309020205020404" pitchFamily="49" charset="0"/>
               </a:rPr>
-              <a:t>from </a:t>
-            </a:r>
-            <a:r>
-              <a:rPr lang="en-US" dirty="0" err="1">
-                <a:latin typeface="Courier New" panose="02070309020205020404" pitchFamily="49" charset="0"/>
-                <a:cs typeface="Courier New" panose="02070309020205020404" pitchFamily="49" charset="0"/>
-              </a:rPr>
-              <a:t>pyspark.sql.types</a:t>
-            </a:r>
-            <a:r>
-              <a:rPr lang="en-US" dirty="0">
-                <a:latin typeface="Courier New" panose="02070309020205020404" pitchFamily="49" charset="0"/>
-                <a:cs typeface="Courier New" panose="02070309020205020404" pitchFamily="49" charset="0"/>
-              </a:rPr>
-              <a:t> import *</a:t>
+              <a:t>from pyspark.sql.types import *</a:t>
             </a:r>
           </a:p>
           <a:p>
@@ -10128,33 +9234,8 @@
                 <a:latin typeface="Courier New" panose="02070309020205020404" pitchFamily="49" charset="0"/>
                 <a:cs typeface="Courier New" panose="02070309020205020404" pitchFamily="49" charset="0"/>
               </a:rPr>
-              <a:t>from </a:t>
-            </a:r>
-            <a:r>
-              <a:rPr lang="en-US" dirty="0" err="1">
-                <a:latin typeface="Courier New" panose="02070309020205020404" pitchFamily="49" charset="0"/>
-                <a:cs typeface="Courier New" panose="02070309020205020404" pitchFamily="49" charset="0"/>
-              </a:rPr>
-              <a:t>pyspark.sql.functions</a:t>
-            </a:r>
-            <a:r>
-              <a:rPr lang="en-US" dirty="0">
-                <a:latin typeface="Courier New" panose="02070309020205020404" pitchFamily="49" charset="0"/>
-                <a:cs typeface="Courier New" panose="02070309020205020404" pitchFamily="49" charset="0"/>
-              </a:rPr>
-              <a:t> import </a:t>
-            </a:r>
-            <a:r>
-              <a:rPr lang="en-US" dirty="0" err="1">
-                <a:latin typeface="Courier New" panose="02070309020205020404" pitchFamily="49" charset="0"/>
-                <a:cs typeface="Courier New" panose="02070309020205020404" pitchFamily="49" charset="0"/>
-              </a:rPr>
-              <a:t>to_date</a:t>
-            </a:r>
-            <a:endParaRPr lang="en-US" dirty="0">
-              <a:latin typeface="Courier New" panose="02070309020205020404" pitchFamily="49" charset="0"/>
-              <a:cs typeface="Courier New" panose="02070309020205020404" pitchFamily="49" charset="0"/>
-            </a:endParaRPr>
+              <a:t>from pyspark.sql.functions import to_date</a:t>
+            </a:r>
           </a:p>
           <a:p>
             <a:r>
@@ -10182,21 +9263,7 @@
                 <a:latin typeface="Courier New" panose="02070309020205020404" pitchFamily="49" charset="0"/>
                 <a:cs typeface="Courier New" panose="02070309020205020404" pitchFamily="49" charset="0"/>
               </a:rPr>
-              <a:t>    return x[:</a:t>
-            </a:r>
-            <a:r>
-              <a:rPr lang="en-US" dirty="0" err="1">
-                <a:latin typeface="Courier New" panose="02070309020205020404" pitchFamily="49" charset="0"/>
-                <a:cs typeface="Courier New" panose="02070309020205020404" pitchFamily="49" charset="0"/>
-              </a:rPr>
-              <a:t>x.find</a:t>
-            </a:r>
-            <a:r>
-              <a:rPr lang="en-US" dirty="0">
-                <a:latin typeface="Courier New" panose="02070309020205020404" pitchFamily="49" charset="0"/>
-                <a:cs typeface="Courier New" panose="02070309020205020404" pitchFamily="49" charset="0"/>
-              </a:rPr>
-              <a:t>(',')]</a:t>
+              <a:t>    return x[:x.find(',')]</a:t>
             </a:r>
             <a:br>
               <a:rPr lang="en-US" dirty="0">
@@ -10222,21 +9289,7 @@
                 <a:latin typeface="Courier New" panose="02070309020205020404" pitchFamily="49" charset="0"/>
                 <a:cs typeface="Courier New" panose="02070309020205020404" pitchFamily="49" charset="0"/>
               </a:rPr>
-              <a:t>    return x[</a:t>
-            </a:r>
-            <a:r>
-              <a:rPr lang="en-US" dirty="0" err="1">
-                <a:latin typeface="Courier New" panose="02070309020205020404" pitchFamily="49" charset="0"/>
-                <a:cs typeface="Courier New" panose="02070309020205020404" pitchFamily="49" charset="0"/>
-              </a:rPr>
-              <a:t>x.find</a:t>
-            </a:r>
-            <a:r>
-              <a:rPr lang="en-US" dirty="0">
-                <a:latin typeface="Courier New" panose="02070309020205020404" pitchFamily="49" charset="0"/>
-                <a:cs typeface="Courier New" panose="02070309020205020404" pitchFamily="49" charset="0"/>
-              </a:rPr>
-              <a:t>(',') + 1 :]</a:t>
+              <a:t>    return x[x.find(',') + 1 :]</a:t>
             </a:r>
           </a:p>
           <a:p>
@@ -10245,7 +9298,7 @@
               <a:t>Call the built-in function or use the </a:t>
             </a:r>
             <a:r>
-              <a:rPr lang="en-US" dirty="0" err="1">
+              <a:rPr lang="en-US" dirty="0">
                 <a:latin typeface="Courier New" panose="02070309020205020404" pitchFamily="49" charset="0"/>
                 <a:cs typeface="Courier New" panose="02070309020205020404" pitchFamily="49" charset="0"/>
               </a:rPr>
@@ -10263,35 +9316,7 @@
                 <a:latin typeface="Courier New" panose="02070309020205020404" pitchFamily="49" charset="0"/>
                 <a:cs typeface="Courier New" panose="02070309020205020404" pitchFamily="49" charset="0"/>
               </a:rPr>
-              <a:t>df4.withColumn('City', </a:t>
-            </a:r>
-            <a:r>
-              <a:rPr lang="en-US" sz="1600" dirty="0" err="1">
-                <a:latin typeface="Courier New" panose="02070309020205020404" pitchFamily="49" charset="0"/>
-                <a:cs typeface="Courier New" panose="02070309020205020404" pitchFamily="49" charset="0"/>
-              </a:rPr>
-              <a:t>udf</a:t>
-            </a:r>
-            <a:r>
-              <a:rPr lang="en-US" sz="1600" dirty="0">
-                <a:latin typeface="Courier New" panose="02070309020205020404" pitchFamily="49" charset="0"/>
-                <a:cs typeface="Courier New" panose="02070309020205020404" pitchFamily="49" charset="0"/>
-              </a:rPr>
-              <a:t>(city, </a:t>
-            </a:r>
-            <a:r>
-              <a:rPr lang="en-US" sz="1600" dirty="0" err="1">
-                <a:latin typeface="Courier New" panose="02070309020205020404" pitchFamily="49" charset="0"/>
-                <a:cs typeface="Courier New" panose="02070309020205020404" pitchFamily="49" charset="0"/>
-              </a:rPr>
-              <a:t>StringType</a:t>
-            </a:r>
-            <a:r>
-              <a:rPr lang="en-US" sz="1600" dirty="0">
-                <a:latin typeface="Courier New" panose="02070309020205020404" pitchFamily="49" charset="0"/>
-                <a:cs typeface="Courier New" panose="02070309020205020404" pitchFamily="49" charset="0"/>
-              </a:rPr>
-              <a:t>())(df4.CityCountry)) \</a:t>
+              <a:t>df4.withColumn('City', udf(city, StringType())(df4.CityCountry)) \</a:t>
             </a:r>
             <a:br>
               <a:rPr lang="en-US" sz="1600" dirty="0">
@@ -10304,49 +9329,7 @@
                 <a:latin typeface="Courier New" panose="02070309020205020404" pitchFamily="49" charset="0"/>
                 <a:cs typeface="Courier New" panose="02070309020205020404" pitchFamily="49" charset="0"/>
               </a:rPr>
-              <a:t>.</a:t>
-            </a:r>
-            <a:r>
-              <a:rPr lang="en-US" sz="1600" dirty="0" err="1">
-                <a:latin typeface="Courier New" panose="02070309020205020404" pitchFamily="49" charset="0"/>
-                <a:cs typeface="Courier New" panose="02070309020205020404" pitchFamily="49" charset="0"/>
-              </a:rPr>
-              <a:t>withColumn</a:t>
-            </a:r>
-            <a:r>
-              <a:rPr lang="en-US" sz="1600" dirty="0">
-                <a:latin typeface="Courier New" panose="02070309020205020404" pitchFamily="49" charset="0"/>
-                <a:cs typeface="Courier New" panose="02070309020205020404" pitchFamily="49" charset="0"/>
-              </a:rPr>
-              <a:t>('Country', </a:t>
-            </a:r>
-            <a:r>
-              <a:rPr lang="en-US" sz="1600" dirty="0" err="1">
-                <a:latin typeface="Courier New" panose="02070309020205020404" pitchFamily="49" charset="0"/>
-                <a:cs typeface="Courier New" panose="02070309020205020404" pitchFamily="49" charset="0"/>
-              </a:rPr>
-              <a:t>udf</a:t>
-            </a:r>
-            <a:r>
-              <a:rPr lang="en-US" sz="1600" dirty="0">
-                <a:latin typeface="Courier New" panose="02070309020205020404" pitchFamily="49" charset="0"/>
-                <a:cs typeface="Courier New" panose="02070309020205020404" pitchFamily="49" charset="0"/>
-              </a:rPr>
-              <a:t>(country, </a:t>
-            </a:r>
-            <a:r>
-              <a:rPr lang="en-US" sz="1600" dirty="0" err="1">
-                <a:latin typeface="Courier New" panose="02070309020205020404" pitchFamily="49" charset="0"/>
-                <a:cs typeface="Courier New" panose="02070309020205020404" pitchFamily="49" charset="0"/>
-              </a:rPr>
-              <a:t>StringType</a:t>
-            </a:r>
-            <a:r>
-              <a:rPr lang="en-US" sz="1600" dirty="0">
-                <a:latin typeface="Courier New" panose="02070309020205020404" pitchFamily="49" charset="0"/>
-                <a:cs typeface="Courier New" panose="02070309020205020404" pitchFamily="49" charset="0"/>
-              </a:rPr>
-              <a:t>())(df4.CityCountry)) \</a:t>
+              <a:t>.withColumn('Country', udf(country, StringType())(df4.CityCountry)) \</a:t>
             </a:r>
             <a:br>
               <a:rPr lang="en-US" sz="1600" dirty="0">
@@ -10359,63 +9342,7 @@
                 <a:latin typeface="Courier New" panose="02070309020205020404" pitchFamily="49" charset="0"/>
                 <a:cs typeface="Courier New" panose="02070309020205020404" pitchFamily="49" charset="0"/>
               </a:rPr>
-              <a:t>.</a:t>
-            </a:r>
-            <a:r>
-              <a:rPr lang="en-US" sz="1600" dirty="0" err="1">
-                <a:latin typeface="Courier New" panose="02070309020205020404" pitchFamily="49" charset="0"/>
-                <a:cs typeface="Courier New" panose="02070309020205020404" pitchFamily="49" charset="0"/>
-              </a:rPr>
-              <a:t>withColumn</a:t>
-            </a:r>
-            <a:r>
-              <a:rPr lang="en-US" sz="1600" dirty="0">
-                <a:latin typeface="Courier New" panose="02070309020205020404" pitchFamily="49" charset="0"/>
-                <a:cs typeface="Courier New" panose="02070309020205020404" pitchFamily="49" charset="0"/>
-              </a:rPr>
-              <a:t>('Date', </a:t>
-            </a:r>
-            <a:r>
-              <a:rPr lang="en-US" sz="1600" dirty="0" err="1">
-                <a:latin typeface="Courier New" panose="02070309020205020404" pitchFamily="49" charset="0"/>
-                <a:cs typeface="Courier New" panose="02070309020205020404" pitchFamily="49" charset="0"/>
-              </a:rPr>
-              <a:t>to_date</a:t>
-            </a:r>
-            <a:r>
-              <a:rPr lang="en-US" sz="1600" dirty="0">
-                <a:latin typeface="Courier New" panose="02070309020205020404" pitchFamily="49" charset="0"/>
-                <a:cs typeface="Courier New" panose="02070309020205020404" pitchFamily="49" charset="0"/>
-              </a:rPr>
-              <a:t>(df4.Date, '</a:t>
-            </a:r>
-            <a:r>
-              <a:rPr lang="en-US" sz="1600" dirty="0" err="1">
-                <a:latin typeface="Courier New" panose="02070309020205020404" pitchFamily="49" charset="0"/>
-                <a:cs typeface="Courier New" panose="02070309020205020404" pitchFamily="49" charset="0"/>
-              </a:rPr>
-              <a:t>dd</a:t>
-            </a:r>
-            <a:r>
-              <a:rPr lang="en-US" sz="1600" dirty="0">
-                <a:latin typeface="Courier New" panose="02070309020205020404" pitchFamily="49" charset="0"/>
-                <a:cs typeface="Courier New" panose="02070309020205020404" pitchFamily="49" charset="0"/>
-              </a:rPr>
-              <a:t>-MMM-</a:t>
-            </a:r>
-            <a:r>
-              <a:rPr lang="en-US" sz="1600" dirty="0" err="1">
-                <a:latin typeface="Courier New" panose="02070309020205020404" pitchFamily="49" charset="0"/>
-                <a:cs typeface="Courier New" panose="02070309020205020404" pitchFamily="49" charset="0"/>
-              </a:rPr>
-              <a:t>yy</a:t>
-            </a:r>
-            <a:r>
-              <a:rPr lang="en-US" sz="1600" dirty="0">
-                <a:latin typeface="Courier New" panose="02070309020205020404" pitchFamily="49" charset="0"/>
-                <a:cs typeface="Courier New" panose="02070309020205020404" pitchFamily="49" charset="0"/>
-              </a:rPr>
-              <a:t>')) \</a:t>
+              <a:t>.withColumn('Date', to_date(df4.Date, 'dd-MMM-yy')) \</a:t>
             </a:r>
             <a:br>
               <a:rPr lang="en-US" sz="1600" dirty="0">
@@ -10505,41 +9432,26 @@
             </a:pPr>
             <a:r>
               <a:rPr lang="en-US" dirty="0"/>
-              <a:t>In this chapter, we will :</a:t>
+              <a:t>In this chapter, we have:</a:t>
             </a:r>
           </a:p>
           <a:p>
             <a:r>
               <a:rPr lang="en-US" dirty="0"/>
-              <a:t>Introduce </a:t>
-            </a:r>
-            <a:r>
-              <a:rPr lang="en-US" dirty="0" err="1"/>
-              <a:t>DataFrames</a:t>
-            </a:r>
-            <a:endParaRPr lang="en-US" dirty="0"/>
+              <a:t>Introduced DataFrames</a:t>
+            </a:r>
           </a:p>
           <a:p>
             <a:r>
               <a:rPr lang="en-US" dirty="0"/>
-              <a:t>Show how to create a structured object using </a:t>
-            </a:r>
-            <a:r>
-              <a:rPr lang="en-US" dirty="0" err="1"/>
-              <a:t>DataFrames</a:t>
-            </a:r>
-            <a:endParaRPr lang="en-US" dirty="0"/>
+              <a:t>Shown how to create a structured object using DataFrames</a:t>
+            </a:r>
           </a:p>
           <a:p>
             <a:r>
               <a:rPr lang="en-US" dirty="0"/>
-              <a:t>Apply transformations and actions on </a:t>
-            </a:r>
-            <a:r>
-              <a:rPr lang="en-US" dirty="0" err="1"/>
-              <a:t>DataFrames</a:t>
-            </a:r>
-            <a:endParaRPr lang="en-US" dirty="0"/>
+              <a:t>Applied transformations and actions on DataFrames</a:t>
+            </a:r>
           </a:p>
           <a:p>
             <a:endParaRPr lang="en-US" dirty="0"/>
@@ -10563,7 +9475,7 @@
           <a:p>
             <a:r>
               <a:rPr lang="en-US" dirty="0"/>
-              <a:t>Chapter Objectives</a:t>
+              <a:t>Chapter Summary</a:t>
             </a:r>
           </a:p>
         </p:txBody>
@@ -10618,41 +9530,26 @@
             </a:pPr>
             <a:r>
               <a:rPr lang="en-US" dirty="0"/>
-              <a:t>In this chapter, we will :</a:t>
+              <a:t>In this chapter, we will:</a:t>
             </a:r>
           </a:p>
           <a:p>
             <a:r>
               <a:rPr lang="en-US" dirty="0"/>
-              <a:t>Introduce </a:t>
-            </a:r>
-            <a:r>
-              <a:rPr lang="en-US" dirty="0" err="1"/>
-              <a:t>DataFrames</a:t>
-            </a:r>
-            <a:endParaRPr lang="en-US" dirty="0"/>
+              <a:t>Introduce DataFrames</a:t>
+            </a:r>
           </a:p>
           <a:p>
             <a:r>
               <a:rPr lang="en-US" dirty="0"/>
-              <a:t>Show how to create a structured object using </a:t>
-            </a:r>
-            <a:r>
-              <a:rPr lang="en-US" dirty="0" err="1"/>
-              <a:t>DataFrames</a:t>
-            </a:r>
-            <a:endParaRPr lang="en-US" dirty="0"/>
+              <a:t>Show how to create a structured object using DataFrames</a:t>
+            </a:r>
           </a:p>
           <a:p>
             <a:r>
               <a:rPr lang="en-US" dirty="0"/>
-              <a:t>Apply transformations and actions on </a:t>
-            </a:r>
-            <a:r>
-              <a:rPr lang="en-US" dirty="0" err="1"/>
-              <a:t>DataFrames</a:t>
-            </a:r>
-            <a:endParaRPr lang="en-US" dirty="0"/>
+              <a:t>Apply transformations and actions on DataFrames</a:t>
+            </a:r>
           </a:p>
           <a:p>
             <a:endParaRPr lang="en-US" dirty="0"/>
@@ -10713,12 +9610,12 @@
       </p:grpSpPr>
       <p:sp>
         <p:nvSpPr>
-          <p:cNvPr id="4" name="Title 3"/>
+          <p:cNvPr id="5" name="Content Placeholder 4"/>
           <p:cNvSpPr>
             <a:spLocks noGrp="1"/>
           </p:cNvSpPr>
           <p:nvPr>
-            <p:ph type="title"/>
+            <p:ph idx="1"/>
           </p:nvPr>
         </p:nvSpPr>
         <p:spPr/>
@@ -10727,86 +9624,70 @@
           <a:lstStyle/>
           <a:p>
             <a:r>
-              <a:rPr lang="en-US" dirty="0" err="1"/>
-              <a:t>DataFrames</a:t>
-            </a:r>
+              <a:rPr lang="en-US" dirty="0"/>
+              <a:t>Spark 2.0 introduced a more feature rich and easier to use version of RDD’s known as a DataFrame</a:t>
+            </a:r>
+          </a:p>
+          <a:p>
+            <a:pPr lvl="1"/>
+            <a:r>
+              <a:rPr lang="en-US" dirty="0"/>
+              <a:t>Modeled to be similar to Pandas DataFrame so it is easily familiar</a:t>
+            </a:r>
+          </a:p>
+          <a:p>
+            <a:pPr lvl="1"/>
+            <a:r>
+              <a:rPr lang="en-US" dirty="0"/>
+              <a:t>Is an RDD but has column names and data types</a:t>
+            </a:r>
+          </a:p>
+          <a:p>
+            <a:pPr lvl="1"/>
+            <a:r>
+              <a:rPr lang="en-US" dirty="0"/>
+              <a:t>Has transformations and actions that are easier to use than RDD versions</a:t>
+            </a:r>
+          </a:p>
+          <a:p>
+            <a:pPr lvl="1"/>
+            <a:r>
+              <a:rPr lang="en-US" dirty="0"/>
+              <a:t>Attempts to be more SQL-like for even more familiarity</a:t>
+            </a:r>
+          </a:p>
+          <a:p>
+            <a:pPr lvl="1"/>
+            <a:r>
+              <a:rPr lang="en-US" dirty="0"/>
+              <a:t>Can read and write many more file formats than basic RDD’s could</a:t>
+            </a:r>
+          </a:p>
+          <a:p>
+            <a:pPr lvl="1"/>
             <a:endParaRPr lang="en-US" dirty="0"/>
           </a:p>
         </p:txBody>
       </p:sp>
       <p:sp>
         <p:nvSpPr>
-          <p:cNvPr id="5" name="Content Placeholder 4"/>
+          <p:cNvPr id="4" name="Title 3"/>
           <p:cNvSpPr>
             <a:spLocks noGrp="1"/>
           </p:cNvSpPr>
           <p:nvPr>
-            <p:ph idx="1"/>
+            <p:ph type="title"/>
           </p:nvPr>
         </p:nvSpPr>
         <p:spPr/>
         <p:txBody>
-          <a:bodyPr>
-            <a:normAutofit/>
-          </a:bodyPr>
+          <a:bodyPr/>
           <a:lstStyle/>
           <a:p>
             <a:r>
               <a:rPr lang="en-US" dirty="0"/>
-              <a:t>Spark 2.0 introduced a more feature rich and easier to use version of RDD's known as a </a:t>
-            </a:r>
-            <a:r>
-              <a:rPr lang="en-US" dirty="0" err="1"/>
-              <a:t>DataFrame</a:t>
-            </a:r>
-            <a:endParaRPr lang="en-US" dirty="0"/>
-          </a:p>
-          <a:p>
-            <a:pPr lvl="1"/>
-            <a:r>
-              <a:rPr lang="en-US" dirty="0"/>
-              <a:t>Modeled to be similar to Pandas </a:t>
-            </a:r>
-            <a:r>
-              <a:rPr lang="en-US" dirty="0" err="1"/>
-              <a:t>DataFrame</a:t>
-            </a:r>
-            <a:r>
-              <a:rPr lang="en-US" dirty="0"/>
-              <a:t> so it is easily familiar</a:t>
-            </a:r>
-          </a:p>
-          <a:p>
-            <a:pPr lvl="1"/>
-            <a:r>
-              <a:rPr lang="en-US" dirty="0"/>
-              <a:t>Is an RDD but has column names and data types</a:t>
-            </a:r>
-          </a:p>
-          <a:p>
-            <a:pPr lvl="1"/>
-            <a:r>
-              <a:rPr lang="en-US" dirty="0"/>
-              <a:t>Has transformations and actions that are easier to use than RDD versions</a:t>
-            </a:r>
-          </a:p>
-          <a:p>
-            <a:pPr lvl="1"/>
-            <a:r>
-              <a:rPr lang="en-US" dirty="0"/>
-              <a:t>Attempts to be more SQL like for even more familiarity</a:t>
-            </a:r>
-          </a:p>
-          <a:p>
-            <a:pPr lvl="1"/>
-            <a:r>
-              <a:rPr lang="en-US" dirty="0"/>
-              <a:t>Can read and write many more file formats than basic RDD's could</a:t>
-            </a:r>
-          </a:p>
-          <a:p>
-            <a:pPr lvl="1"/>
-            <a:endParaRPr lang="en-US" dirty="0"/>
+              <a:t>DataFrames</a:t>
+            </a:r>
           </a:p>
         </p:txBody>
       </p:sp>
@@ -10860,7 +9741,7 @@
               <a:t>Spark 2.0 introduced the </a:t>
             </a:r>
             <a:r>
-              <a:rPr lang="en-US" dirty="0" err="1">
+              <a:rPr lang="en-US" dirty="0">
                 <a:latin typeface="Courier New" panose="02070309020205020404" pitchFamily="49" charset="0"/>
                 <a:cs typeface="Courier New" panose="02070309020205020404" pitchFamily="49" charset="0"/>
               </a:rPr>
@@ -10868,13 +9749,8 @@
             </a:r>
             <a:r>
               <a:rPr lang="en-US" dirty="0"/>
-              <a:t>, simply called spark in </a:t>
-            </a:r>
-            <a:r>
-              <a:rPr lang="en-US" dirty="0" err="1"/>
-              <a:t>PySpark</a:t>
-            </a:r>
-            <a:endParaRPr lang="en-US" dirty="0"/>
+              <a:t>, simply called spark in PySpark</a:t>
+            </a:r>
           </a:p>
           <a:p>
             <a:pPr lvl="1"/>
@@ -10886,7 +9762,7 @@
           <a:p>
             <a:pPr lvl="1"/>
             <a:r>
-              <a:rPr lang="en-US" dirty="0" err="1">
+              <a:rPr lang="en-US" dirty="0">
                 <a:latin typeface="Courier New" panose="02070309020205020404" pitchFamily="49" charset="0"/>
                 <a:cs typeface="Courier New" panose="02070309020205020404" pitchFamily="49" charset="0"/>
               </a:rPr>
@@ -10897,181 +9773,145 @@
               <a:t> is the same as the old </a:t>
             </a:r>
             <a:r>
-              <a:rPr lang="en-US" dirty="0" err="1">
+              <a:rPr lang="en-US" dirty="0">
                 <a:latin typeface="Courier New" panose="02070309020205020404" pitchFamily="49" charset="0"/>
                 <a:cs typeface="Courier New" panose="02070309020205020404" pitchFamily="49" charset="0"/>
               </a:rPr>
               <a:t>sc</a:t>
             </a:r>
+          </a:p>
+          <a:p>
+            <a:r>
+              <a:rPr lang="en-US" dirty="0"/>
+              <a:t>Once we have the spark context, we can start using DataFrames</a:t>
+            </a:r>
+            <a:br>
+              <a:rPr lang="en-US" dirty="0"/>
+            </a:br>
+            <a:r>
+              <a:rPr lang="en-US" dirty="0">
+                <a:latin typeface="Courier New" panose="02070309020205020404" pitchFamily="49" charset="0"/>
+                <a:cs typeface="Courier New" panose="02070309020205020404" pitchFamily="49" charset="0"/>
+              </a:rPr>
+              <a:t>x = sc.parallelize([(1,'alpha'),(2,'beta')])</a:t>
+            </a:r>
+            <a:br>
+              <a:rPr lang="en-US" dirty="0">
+                <a:latin typeface="Courier New" panose="02070309020205020404" pitchFamily="49" charset="0"/>
+                <a:cs typeface="Courier New" panose="02070309020205020404" pitchFamily="49" charset="0"/>
+              </a:rPr>
+            </a:br>
+            <a:r>
+              <a:rPr lang="en-US" dirty="0">
+                <a:latin typeface="Courier New" panose="02070309020205020404" pitchFamily="49" charset="0"/>
+                <a:cs typeface="Courier New" panose="02070309020205020404" pitchFamily="49" charset="0"/>
+              </a:rPr>
+              <a:t>x0 = spark.createDataFrame(x)</a:t>
+            </a:r>
+            <a:br>
+              <a:rPr lang="en-US" dirty="0">
+                <a:latin typeface="Courier New" panose="02070309020205020404" pitchFamily="49" charset="0"/>
+                <a:cs typeface="Courier New" panose="02070309020205020404" pitchFamily="49" charset="0"/>
+              </a:rPr>
+            </a:br>
+            <a:r>
+              <a:rPr lang="en-US" dirty="0">
+                <a:latin typeface="Courier New" panose="02070309020205020404" pitchFamily="49" charset="0"/>
+                <a:cs typeface="Courier New" panose="02070309020205020404" pitchFamily="49" charset="0"/>
+              </a:rPr>
+              <a:t>x0.show()</a:t>
+            </a:r>
+            <a:br>
+              <a:rPr lang="en-US" dirty="0">
+                <a:latin typeface="Courier New" panose="02070309020205020404" pitchFamily="49" charset="0"/>
+                <a:cs typeface="Courier New" panose="02070309020205020404" pitchFamily="49" charset="0"/>
+              </a:rPr>
+            </a:br>
+            <a:br>
+              <a:rPr lang="en-US" dirty="0">
+                <a:latin typeface="Courier New" panose="02070309020205020404" pitchFamily="49" charset="0"/>
+                <a:cs typeface="Courier New" panose="02070309020205020404" pitchFamily="49" charset="0"/>
+              </a:rPr>
+            </a:br>
+            <a:r>
+              <a:rPr lang="en-US" dirty="0">
+                <a:latin typeface="Courier New" panose="02070309020205020404" pitchFamily="49" charset="0"/>
+                <a:cs typeface="Courier New" panose="02070309020205020404" pitchFamily="49" charset="0"/>
+              </a:rPr>
+              <a:t>+---+-----+</a:t>
+            </a:r>
+            <a:br>
+              <a:rPr lang="en-US" dirty="0">
+                <a:latin typeface="Courier New" panose="02070309020205020404" pitchFamily="49" charset="0"/>
+                <a:cs typeface="Courier New" panose="02070309020205020404" pitchFamily="49" charset="0"/>
+              </a:rPr>
+            </a:br>
+            <a:r>
+              <a:rPr lang="en-US" dirty="0">
+                <a:latin typeface="Courier New" panose="02070309020205020404" pitchFamily="49" charset="0"/>
+                <a:cs typeface="Courier New" panose="02070309020205020404" pitchFamily="49" charset="0"/>
+              </a:rPr>
+              <a:t>| _1|   _2|</a:t>
+            </a:r>
+            <a:br>
+              <a:rPr lang="en-US" dirty="0">
+                <a:latin typeface="Courier New" panose="02070309020205020404" pitchFamily="49" charset="0"/>
+                <a:cs typeface="Courier New" panose="02070309020205020404" pitchFamily="49" charset="0"/>
+              </a:rPr>
+            </a:br>
+            <a:r>
+              <a:rPr lang="en-US" dirty="0">
+                <a:latin typeface="Courier New" panose="02070309020205020404" pitchFamily="49" charset="0"/>
+                <a:cs typeface="Courier New" panose="02070309020205020404" pitchFamily="49" charset="0"/>
+              </a:rPr>
+              <a:t>+---+-----+</a:t>
+            </a:r>
+            <a:br>
+              <a:rPr lang="en-US" dirty="0">
+                <a:latin typeface="Courier New" panose="02070309020205020404" pitchFamily="49" charset="0"/>
+                <a:cs typeface="Courier New" panose="02070309020205020404" pitchFamily="49" charset="0"/>
+              </a:rPr>
+            </a:br>
+            <a:r>
+              <a:rPr lang="en-US" dirty="0">
+                <a:latin typeface="Courier New" panose="02070309020205020404" pitchFamily="49" charset="0"/>
+                <a:cs typeface="Courier New" panose="02070309020205020404" pitchFamily="49" charset="0"/>
+              </a:rPr>
+              <a:t>|  1|alpha|</a:t>
+            </a:r>
+            <a:br>
+              <a:rPr lang="en-US" dirty="0">
+                <a:latin typeface="Courier New" panose="02070309020205020404" pitchFamily="49" charset="0"/>
+                <a:cs typeface="Courier New" panose="02070309020205020404" pitchFamily="49" charset="0"/>
+              </a:rPr>
+            </a:br>
+            <a:r>
+              <a:rPr lang="en-US" dirty="0">
+                <a:latin typeface="Courier New" panose="02070309020205020404" pitchFamily="49" charset="0"/>
+                <a:cs typeface="Courier New" panose="02070309020205020404" pitchFamily="49" charset="0"/>
+              </a:rPr>
+              <a:t>|  2| beta|</a:t>
+            </a:r>
+            <a:br>
+              <a:rPr lang="en-US" dirty="0">
+                <a:latin typeface="Courier New" panose="02070309020205020404" pitchFamily="49" charset="0"/>
+                <a:cs typeface="Courier New" panose="02070309020205020404" pitchFamily="49" charset="0"/>
+              </a:rPr>
+            </a:br>
+            <a:r>
+              <a:rPr lang="en-US" dirty="0">
+                <a:latin typeface="Courier New" panose="02070309020205020404" pitchFamily="49" charset="0"/>
+                <a:cs typeface="Courier New" panose="02070309020205020404" pitchFamily="49" charset="0"/>
+              </a:rPr>
+              <a:t>+---+-----+</a:t>
+            </a:r>
+          </a:p>
+          <a:p>
             <a:endParaRPr lang="en-US" dirty="0">
               <a:latin typeface="Courier New" panose="02070309020205020404" pitchFamily="49" charset="0"/>
               <a:cs typeface="Courier New" panose="02070309020205020404" pitchFamily="49" charset="0"/>
             </a:endParaRPr>
           </a:p>
-          <a:p>
-            <a:r>
-              <a:rPr lang="en-US" dirty="0"/>
-              <a:t>Once we have the spark context we can start using </a:t>
-            </a:r>
-            <a:r>
-              <a:rPr lang="en-US" dirty="0" err="1"/>
-              <a:t>DataFrames</a:t>
-            </a:r>
-            <a:br>
-              <a:rPr lang="en-US" dirty="0"/>
-            </a:br>
-            <a:r>
-              <a:rPr lang="en-US" dirty="0">
-                <a:latin typeface="Courier New" panose="02070309020205020404" pitchFamily="49" charset="0"/>
-                <a:cs typeface="Courier New" panose="02070309020205020404" pitchFamily="49" charset="0"/>
-              </a:rPr>
-              <a:t>x = </a:t>
-            </a:r>
-            <a:r>
-              <a:rPr lang="en-US" dirty="0" err="1">
-                <a:latin typeface="Courier New" panose="02070309020205020404" pitchFamily="49" charset="0"/>
-                <a:cs typeface="Courier New" panose="02070309020205020404" pitchFamily="49" charset="0"/>
-              </a:rPr>
-              <a:t>sc.parallelize</a:t>
-            </a:r>
-            <a:r>
-              <a:rPr lang="en-US" dirty="0">
-                <a:latin typeface="Courier New" panose="02070309020205020404" pitchFamily="49" charset="0"/>
-                <a:cs typeface="Courier New" panose="02070309020205020404" pitchFamily="49" charset="0"/>
-              </a:rPr>
-              <a:t>([(1,'alpha'),(2,'beta')])</a:t>
-            </a:r>
-            <a:br>
-              <a:rPr lang="en-US" dirty="0">
-                <a:latin typeface="Courier New" panose="02070309020205020404" pitchFamily="49" charset="0"/>
-                <a:cs typeface="Courier New" panose="02070309020205020404" pitchFamily="49" charset="0"/>
-              </a:rPr>
-            </a:br>
-            <a:r>
-              <a:rPr lang="en-US" dirty="0">
-                <a:latin typeface="Courier New" panose="02070309020205020404" pitchFamily="49" charset="0"/>
-                <a:cs typeface="Courier New" panose="02070309020205020404" pitchFamily="49" charset="0"/>
-              </a:rPr>
-              <a:t>x0 = </a:t>
-            </a:r>
-            <a:r>
-              <a:rPr lang="en-US" dirty="0" err="1">
-                <a:latin typeface="Courier New" panose="02070309020205020404" pitchFamily="49" charset="0"/>
-                <a:cs typeface="Courier New" panose="02070309020205020404" pitchFamily="49" charset="0"/>
-              </a:rPr>
-              <a:t>spark.createDataFrame</a:t>
-            </a:r>
-            <a:r>
-              <a:rPr lang="en-US" dirty="0">
-                <a:latin typeface="Courier New" panose="02070309020205020404" pitchFamily="49" charset="0"/>
-                <a:cs typeface="Courier New" panose="02070309020205020404" pitchFamily="49" charset="0"/>
-              </a:rPr>
-              <a:t>(x)</a:t>
-            </a:r>
-            <a:br>
-              <a:rPr lang="en-US" dirty="0">
-                <a:latin typeface="Courier New" panose="02070309020205020404" pitchFamily="49" charset="0"/>
-                <a:cs typeface="Courier New" panose="02070309020205020404" pitchFamily="49" charset="0"/>
-              </a:rPr>
-            </a:br>
-            <a:r>
-              <a:rPr lang="en-US" dirty="0">
-                <a:latin typeface="Courier New" panose="02070309020205020404" pitchFamily="49" charset="0"/>
-                <a:cs typeface="Courier New" panose="02070309020205020404" pitchFamily="49" charset="0"/>
-              </a:rPr>
-              <a:t>x0.show()</a:t>
-            </a:r>
-            <a:br>
-              <a:rPr lang="en-US" dirty="0">
-                <a:latin typeface="Courier New" panose="02070309020205020404" pitchFamily="49" charset="0"/>
-                <a:cs typeface="Courier New" panose="02070309020205020404" pitchFamily="49" charset="0"/>
-              </a:rPr>
-            </a:br>
-            <a:br>
-              <a:rPr lang="en-US" dirty="0">
-                <a:latin typeface="Courier New" panose="02070309020205020404" pitchFamily="49" charset="0"/>
-                <a:cs typeface="Courier New" panose="02070309020205020404" pitchFamily="49" charset="0"/>
-              </a:rPr>
-            </a:br>
-            <a:r>
-              <a:rPr lang="en-US" dirty="0">
-                <a:latin typeface="Courier New" panose="02070309020205020404" pitchFamily="49" charset="0"/>
-                <a:cs typeface="Courier New" panose="02070309020205020404" pitchFamily="49" charset="0"/>
-              </a:rPr>
-              <a:t>+---+-----+</a:t>
-            </a:r>
-            <a:br>
-              <a:rPr lang="en-US" dirty="0">
-                <a:latin typeface="Courier New" panose="02070309020205020404" pitchFamily="49" charset="0"/>
-                <a:cs typeface="Courier New" panose="02070309020205020404" pitchFamily="49" charset="0"/>
-              </a:rPr>
-            </a:br>
-            <a:r>
-              <a:rPr lang="en-US" dirty="0">
-                <a:latin typeface="Courier New" panose="02070309020205020404" pitchFamily="49" charset="0"/>
-                <a:cs typeface="Courier New" panose="02070309020205020404" pitchFamily="49" charset="0"/>
-              </a:rPr>
-              <a:t>| _1|   _2|</a:t>
-            </a:r>
-            <a:br>
-              <a:rPr lang="en-US" dirty="0">
-                <a:latin typeface="Courier New" panose="02070309020205020404" pitchFamily="49" charset="0"/>
-                <a:cs typeface="Courier New" panose="02070309020205020404" pitchFamily="49" charset="0"/>
-              </a:rPr>
-            </a:br>
-            <a:r>
-              <a:rPr lang="en-US" dirty="0">
-                <a:latin typeface="Courier New" panose="02070309020205020404" pitchFamily="49" charset="0"/>
-                <a:cs typeface="Courier New" panose="02070309020205020404" pitchFamily="49" charset="0"/>
-              </a:rPr>
-              <a:t>+---+-----+</a:t>
-            </a:r>
-            <a:br>
-              <a:rPr lang="en-US" dirty="0">
-                <a:latin typeface="Courier New" panose="02070309020205020404" pitchFamily="49" charset="0"/>
-                <a:cs typeface="Courier New" panose="02070309020205020404" pitchFamily="49" charset="0"/>
-              </a:rPr>
-            </a:br>
-            <a:r>
-              <a:rPr lang="en-US" dirty="0">
-                <a:latin typeface="Courier New" panose="02070309020205020404" pitchFamily="49" charset="0"/>
-                <a:cs typeface="Courier New" panose="02070309020205020404" pitchFamily="49" charset="0"/>
-              </a:rPr>
-              <a:t>|  1|alpha|</a:t>
-            </a:r>
-            <a:br>
-              <a:rPr lang="en-US" dirty="0">
-                <a:latin typeface="Courier New" panose="02070309020205020404" pitchFamily="49" charset="0"/>
-                <a:cs typeface="Courier New" panose="02070309020205020404" pitchFamily="49" charset="0"/>
-              </a:rPr>
-            </a:br>
-            <a:r>
-              <a:rPr lang="en-US" dirty="0">
-                <a:latin typeface="Courier New" panose="02070309020205020404" pitchFamily="49" charset="0"/>
-                <a:cs typeface="Courier New" panose="02070309020205020404" pitchFamily="49" charset="0"/>
-              </a:rPr>
-              <a:t>|  2| beta|</a:t>
-            </a:r>
-            <a:br>
-              <a:rPr lang="en-US" dirty="0">
-                <a:latin typeface="Courier New" panose="02070309020205020404" pitchFamily="49" charset="0"/>
-                <a:cs typeface="Courier New" panose="02070309020205020404" pitchFamily="49" charset="0"/>
-              </a:rPr>
-            </a:br>
-            <a:r>
-              <a:rPr lang="en-US" dirty="0">
-                <a:latin typeface="Courier New" panose="02070309020205020404" pitchFamily="49" charset="0"/>
-                <a:cs typeface="Courier New" panose="02070309020205020404" pitchFamily="49" charset="0"/>
-              </a:rPr>
-              <a:t>+---+-----+</a:t>
-            </a:r>
-          </a:p>
-          <a:p>
-            <a:endParaRPr lang="en-US" dirty="0">
-              <a:latin typeface="Courier New" panose="02070309020205020404" pitchFamily="49" charset="0"/>
-              <a:cs typeface="Courier New" panose="02070309020205020404" pitchFamily="49" charset="0"/>
-            </a:endParaRPr>
-          </a:p>
         </p:txBody>
       </p:sp>
       <p:sp>
@@ -11091,13 +9931,8 @@
           <a:p>
             <a:r>
               <a:rPr lang="en-US" dirty="0"/>
-              <a:t>Make a </a:t>
-            </a:r>
-            <a:r>
-              <a:rPr lang="en-US" dirty="0" err="1"/>
-              <a:t>DataFrame</a:t>
-            </a:r>
-            <a:endParaRPr lang="en-US" dirty="0"/>
+              <a:t>Make a DataFrame</a:t>
+            </a:r>
           </a:p>
         </p:txBody>
       </p:sp>
@@ -11148,15 +9983,7 @@
           <a:p>
             <a:r>
               <a:rPr lang="en-US" dirty="0"/>
-              <a:t>To make the </a:t>
-            </a:r>
-            <a:r>
-              <a:rPr lang="en-US" dirty="0" err="1"/>
-              <a:t>DataFrame</a:t>
-            </a:r>
-            <a:r>
-              <a:rPr lang="en-US" dirty="0"/>
-              <a:t> more useful column names can be applied</a:t>
+              <a:t>To make the DataFrame more useful, column names can be applied</a:t>
             </a:r>
             <a:br>
               <a:rPr lang="en-US" dirty="0"/>
@@ -11166,21 +9993,7 @@
                 <a:latin typeface="Courier New" panose="02070309020205020404" pitchFamily="49" charset="0"/>
                 <a:cs typeface="Courier New" panose="02070309020205020404" pitchFamily="49" charset="0"/>
               </a:rPr>
-              <a:t>x1 = </a:t>
-            </a:r>
-            <a:r>
-              <a:rPr lang="en-US" dirty="0" err="1">
-                <a:latin typeface="Courier New" panose="02070309020205020404" pitchFamily="49" charset="0"/>
-                <a:cs typeface="Courier New" panose="02070309020205020404" pitchFamily="49" charset="0"/>
-              </a:rPr>
-              <a:t>spark.createDataFrame</a:t>
-            </a:r>
-            <a:r>
-              <a:rPr lang="en-US" dirty="0">
-                <a:latin typeface="Courier New" panose="02070309020205020404" pitchFamily="49" charset="0"/>
-                <a:cs typeface="Courier New" panose="02070309020205020404" pitchFamily="49" charset="0"/>
-              </a:rPr>
-              <a:t>(x, schema = ['ID', 'Name'])</a:t>
+              <a:t>x1 = spark.createDataFrame(x, schema = ['ID', 'Name'])</a:t>
             </a:r>
             <a:br>
               <a:rPr lang="en-US" dirty="0">
@@ -11305,18 +10118,11 @@
               </a:rPr>
             </a:br>
             <a:r>
-              <a:rPr lang="en-US" dirty="0" err="1">
-                <a:latin typeface="Courier New" panose="02070309020205020404" pitchFamily="49" charset="0"/>
-                <a:cs typeface="Courier New" panose="02070309020205020404" pitchFamily="49" charset="0"/>
-              </a:rPr>
-              <a:t>DataFrame</a:t>
-            </a:r>
-            <a:r>
-              <a:rPr lang="en-US" dirty="0">
-                <a:latin typeface="Courier New" panose="02070309020205020404" pitchFamily="49" charset="0"/>
-                <a:cs typeface="Courier New" panose="02070309020205020404" pitchFamily="49" charset="0"/>
-              </a:rPr>
-              <a:t>[summary: string, ID: string, Name: string]</a:t>
+              <a:rPr lang="en-US" dirty="0">
+                <a:latin typeface="Courier New" panose="02070309020205020404" pitchFamily="49" charset="0"/>
+                <a:cs typeface="Courier New" panose="02070309020205020404" pitchFamily="49" charset="0"/>
+              </a:rPr>
+              <a:t>DataFrame[summary: string, ID: string, Name: string]</a:t>
             </a:r>
           </a:p>
           <a:p>
@@ -11396,15 +10202,7 @@
           <a:p>
             <a:r>
               <a:rPr lang="en-US" dirty="0"/>
-              <a:t>To make the </a:t>
-            </a:r>
-            <a:r>
-              <a:rPr lang="en-US" dirty="0" err="1"/>
-              <a:t>DataFrame</a:t>
-            </a:r>
-            <a:r>
-              <a:rPr lang="en-US" dirty="0"/>
-              <a:t> even more useful a schema with data types can be applied</a:t>
+              <a:t>To make the DataFrame even more useful, a schema with data types can be applied</a:t>
             </a:r>
             <a:br>
               <a:rPr lang="en-US" dirty="0"/>
@@ -11417,49 +10215,7 @@
                 <a:latin typeface="Courier New" panose="02070309020205020404" pitchFamily="49" charset="0"/>
                 <a:cs typeface="Courier New" panose="02070309020205020404" pitchFamily="49" charset="0"/>
               </a:rPr>
-              <a:t>x2 = </a:t>
-            </a:r>
-            <a:r>
-              <a:rPr lang="en-US" dirty="0" err="1">
-                <a:latin typeface="Courier New" panose="02070309020205020404" pitchFamily="49" charset="0"/>
-                <a:cs typeface="Courier New" panose="02070309020205020404" pitchFamily="49" charset="0"/>
-              </a:rPr>
-              <a:t>spark.createDataFrame</a:t>
-            </a:r>
-            <a:r>
-              <a:rPr lang="en-US" dirty="0">
-                <a:latin typeface="Courier New" panose="02070309020205020404" pitchFamily="49" charset="0"/>
-                <a:cs typeface="Courier New" panose="02070309020205020404" pitchFamily="49" charset="0"/>
-              </a:rPr>
-              <a:t>(x, '</a:t>
-            </a:r>
-            <a:r>
-              <a:rPr lang="en-US" dirty="0" err="1">
-                <a:latin typeface="Courier New" panose="02070309020205020404" pitchFamily="49" charset="0"/>
-                <a:cs typeface="Courier New" panose="02070309020205020404" pitchFamily="49" charset="0"/>
-              </a:rPr>
-              <a:t>ID:int</a:t>
-            </a:r>
-            <a:r>
-              <a:rPr lang="en-US" dirty="0">
-                <a:latin typeface="Courier New" panose="02070309020205020404" pitchFamily="49" charset="0"/>
-                <a:cs typeface="Courier New" panose="02070309020205020404" pitchFamily="49" charset="0"/>
-              </a:rPr>
-              <a:t>, </a:t>
-            </a:r>
-            <a:r>
-              <a:rPr lang="en-US" dirty="0" err="1">
-                <a:latin typeface="Courier New" panose="02070309020205020404" pitchFamily="49" charset="0"/>
-                <a:cs typeface="Courier New" panose="02070309020205020404" pitchFamily="49" charset="0"/>
-              </a:rPr>
-              <a:t>Name:string</a:t>
-            </a:r>
-            <a:r>
-              <a:rPr lang="en-US" dirty="0">
-                <a:latin typeface="Courier New" panose="02070309020205020404" pitchFamily="49" charset="0"/>
-                <a:cs typeface="Courier New" panose="02070309020205020404" pitchFamily="49" charset="0"/>
-              </a:rPr>
-              <a:t>')</a:t>
+              <a:t>x2 = spark.createDataFrame(x, 'ID:int, Name:string')</a:t>
             </a:r>
             <a:br>
               <a:rPr lang="en-US" dirty="0">
@@ -11578,32 +10334,11 @@
               </a:rPr>
             </a:br>
             <a:r>
-              <a:rPr lang="en-US" dirty="0" err="1">
-                <a:latin typeface="Courier New" panose="02070309020205020404" pitchFamily="49" charset="0"/>
-                <a:cs typeface="Courier New" panose="02070309020205020404" pitchFamily="49" charset="0"/>
-              </a:rPr>
-              <a:t>DataFrame</a:t>
-            </a:r>
-            <a:r>
-              <a:rPr lang="en-US" dirty="0">
-                <a:latin typeface="Courier New" panose="02070309020205020404" pitchFamily="49" charset="0"/>
-                <a:cs typeface="Courier New" panose="02070309020205020404" pitchFamily="49" charset="0"/>
-              </a:rPr>
-              <a:t>[ID: </a:t>
-            </a:r>
-            <a:r>
-              <a:rPr lang="en-US" dirty="0" err="1">
-                <a:latin typeface="Courier New" panose="02070309020205020404" pitchFamily="49" charset="0"/>
-                <a:cs typeface="Courier New" panose="02070309020205020404" pitchFamily="49" charset="0"/>
-              </a:rPr>
-              <a:t>int</a:t>
-            </a:r>
-            <a:r>
-              <a:rPr lang="en-US" dirty="0">
-                <a:latin typeface="Courier New" panose="02070309020205020404" pitchFamily="49" charset="0"/>
-                <a:cs typeface="Courier New" panose="02070309020205020404" pitchFamily="49" charset="0"/>
-              </a:rPr>
-              <a:t>, Name: string]</a:t>
+              <a:rPr lang="en-US" dirty="0">
+                <a:latin typeface="Courier New" panose="02070309020205020404" pitchFamily="49" charset="0"/>
+                <a:cs typeface="Courier New" panose="02070309020205020404" pitchFamily="49" charset="0"/>
+              </a:rPr>
+              <a:t>DataFrame[ID: int, Name: string]</a:t>
             </a:r>
           </a:p>
           <a:p>
@@ -11683,18 +10418,10 @@
           <a:p>
             <a:r>
               <a:rPr lang="en-US" dirty="0"/>
-              <a:t>An existing RDD can also be turned into a </a:t>
-            </a:r>
-            <a:r>
-              <a:rPr lang="en-US" dirty="0" err="1"/>
-              <a:t>DataFrame</a:t>
-            </a:r>
-            <a:r>
-              <a:rPr lang="en-US" dirty="0"/>
-              <a:t> using the </a:t>
-            </a:r>
-            <a:r>
-              <a:rPr lang="en-US" dirty="0" err="1">
+              <a:t>An existing RDD can also be turned into a DataFrame using the </a:t>
+            </a:r>
+            <a:r>
+              <a:rPr lang="en-US" dirty="0">
                 <a:latin typeface="Courier New" panose="02070309020205020404" pitchFamily="49" charset="0"/>
                 <a:cs typeface="Courier New" panose="02070309020205020404" pitchFamily="49" charset="0"/>
               </a:rPr>
@@ -11709,7 +10436,7 @@
             <a:pPr lvl="1"/>
             <a:r>
               <a:rPr lang="en-US" dirty="0"/>
-              <a:t>using the credit card csv file from before</a:t>
+              <a:t>Using the credit card csv file from before:</a:t>
             </a:r>
             <a:br>
               <a:rPr lang="en-US" dirty="0"/>
@@ -11719,35 +10446,7 @@
                 <a:latin typeface="Courier New" panose="02070309020205020404" pitchFamily="49" charset="0"/>
                 <a:cs typeface="Courier New" panose="02070309020205020404" pitchFamily="49" charset="0"/>
               </a:rPr>
-              <a:t>cc = </a:t>
-            </a:r>
-            <a:r>
-              <a:rPr lang="en-US" dirty="0" err="1">
-                <a:latin typeface="Courier New" panose="02070309020205020404" pitchFamily="49" charset="0"/>
-                <a:cs typeface="Courier New" panose="02070309020205020404" pitchFamily="49" charset="0"/>
-              </a:rPr>
-              <a:t>sc.textFile</a:t>
-            </a:r>
-            <a:r>
-              <a:rPr lang="en-US" dirty="0">
-                <a:latin typeface="Courier New" panose="02070309020205020404" pitchFamily="49" charset="0"/>
-                <a:cs typeface="Courier New" panose="02070309020205020404" pitchFamily="49" charset="0"/>
-              </a:rPr>
-              <a:t> ('/home/student/ROI/</a:t>
-            </a:r>
-            <a:r>
-              <a:rPr lang="en-US" dirty="0" err="1">
-                <a:latin typeface="Courier New" panose="02070309020205020404" pitchFamily="49" charset="0"/>
-                <a:cs typeface="Courier New" panose="02070309020205020404" pitchFamily="49" charset="0"/>
-              </a:rPr>
-              <a:t>SparkProgram</a:t>
-            </a:r>
-            <a:r>
-              <a:rPr lang="en-US" dirty="0">
-                <a:latin typeface="Courier New" panose="02070309020205020404" pitchFamily="49" charset="0"/>
-                <a:cs typeface="Courier New" panose="02070309020205020404" pitchFamily="49" charset="0"/>
-              </a:rPr>
-              <a:t>/</a:t>
+              <a:t>cc = sc.textFile ('/home/student/ROI/SparkProgram/</a:t>
             </a:r>
             <a:br>
               <a:rPr lang="en-US" dirty="0">
@@ -11760,21 +10459,7 @@
                 <a:latin typeface="Courier New" panose="02070309020205020404" pitchFamily="49" charset="0"/>
                 <a:cs typeface="Courier New" panose="02070309020205020404" pitchFamily="49" charset="0"/>
               </a:rPr>
-              <a:t>  datasets/finance/</a:t>
-            </a:r>
-            <a:r>
-              <a:rPr lang="en-US" dirty="0" err="1">
-                <a:latin typeface="Courier New" panose="02070309020205020404" pitchFamily="49" charset="0"/>
-                <a:cs typeface="Courier New" panose="02070309020205020404" pitchFamily="49" charset="0"/>
-              </a:rPr>
-              <a:t>CreditCard.csv</a:t>
-            </a:r>
-            <a:r>
-              <a:rPr lang="en-US" dirty="0">
-                <a:latin typeface="Courier New" panose="02070309020205020404" pitchFamily="49" charset="0"/>
-                <a:cs typeface="Courier New" panose="02070309020205020404" pitchFamily="49" charset="0"/>
-              </a:rPr>
-              <a:t>')</a:t>
+              <a:t>  datasets/finance/CreditCard.csv')</a:t>
             </a:r>
             <a:br>
               <a:rPr lang="en-US" dirty="0">
@@ -11787,21 +10472,7 @@
                 <a:latin typeface="Courier New" panose="02070309020205020404" pitchFamily="49" charset="0"/>
                 <a:cs typeface="Courier New" panose="02070309020205020404" pitchFamily="49" charset="0"/>
               </a:rPr>
-              <a:t>first = </a:t>
-            </a:r>
-            <a:r>
-              <a:rPr lang="en-US" dirty="0" err="1">
-                <a:latin typeface="Courier New" panose="02070309020205020404" pitchFamily="49" charset="0"/>
-                <a:cs typeface="Courier New" panose="02070309020205020404" pitchFamily="49" charset="0"/>
-              </a:rPr>
-              <a:t>cc.first</a:t>
-            </a:r>
-            <a:r>
-              <a:rPr lang="en-US" dirty="0">
-                <a:latin typeface="Courier New" panose="02070309020205020404" pitchFamily="49" charset="0"/>
-                <a:cs typeface="Courier New" panose="02070309020205020404" pitchFamily="49" charset="0"/>
-              </a:rPr>
-              <a:t>()</a:t>
+              <a:t>first = cc.first()</a:t>
             </a:r>
             <a:br>
               <a:rPr lang="en-US" dirty="0">
@@ -11814,21 +10485,7 @@
                 <a:latin typeface="Courier New" panose="02070309020205020404" pitchFamily="49" charset="0"/>
                 <a:cs typeface="Courier New" panose="02070309020205020404" pitchFamily="49" charset="0"/>
               </a:rPr>
-              <a:t>cc = </a:t>
-            </a:r>
-            <a:r>
-              <a:rPr lang="en-US" dirty="0" err="1">
-                <a:latin typeface="Courier New" panose="02070309020205020404" pitchFamily="49" charset="0"/>
-                <a:cs typeface="Courier New" panose="02070309020205020404" pitchFamily="49" charset="0"/>
-              </a:rPr>
-              <a:t>cc.filter</a:t>
-            </a:r>
-            <a:r>
-              <a:rPr lang="en-US" dirty="0">
-                <a:latin typeface="Courier New" panose="02070309020205020404" pitchFamily="49" charset="0"/>
-                <a:cs typeface="Courier New" panose="02070309020205020404" pitchFamily="49" charset="0"/>
-              </a:rPr>
-              <a:t>(lambda x : x != first)</a:t>
+              <a:t>cc = cc.filter(lambda x : x != first)</a:t>
             </a:r>
             <a:br>
               <a:rPr lang="en-US" dirty="0">
@@ -11854,35 +10511,7 @@
                 <a:latin typeface="Courier New" panose="02070309020205020404" pitchFamily="49" charset="0"/>
                 <a:cs typeface="Courier New" panose="02070309020205020404" pitchFamily="49" charset="0"/>
               </a:rPr>
-              <a:t>cc = </a:t>
-            </a:r>
-            <a:r>
-              <a:rPr lang="en-US" dirty="0" err="1">
-                <a:latin typeface="Courier New" panose="02070309020205020404" pitchFamily="49" charset="0"/>
-                <a:cs typeface="Courier New" panose="02070309020205020404" pitchFamily="49" charset="0"/>
-              </a:rPr>
-              <a:t>cc.map</a:t>
-            </a:r>
-            <a:r>
-              <a:rPr lang="en-US" dirty="0">
-                <a:latin typeface="Courier New" panose="02070309020205020404" pitchFamily="49" charset="0"/>
-                <a:cs typeface="Courier New" panose="02070309020205020404" pitchFamily="49" charset="0"/>
-              </a:rPr>
-              <a:t>(lambda x : </a:t>
-            </a:r>
-            <a:r>
-              <a:rPr lang="en-US" dirty="0" err="1">
-                <a:latin typeface="Courier New" panose="02070309020205020404" pitchFamily="49" charset="0"/>
-                <a:cs typeface="Courier New" panose="02070309020205020404" pitchFamily="49" charset="0"/>
-              </a:rPr>
-              <a:t>x.split</a:t>
-            </a:r>
-            <a:r>
-              <a:rPr lang="en-US" dirty="0">
-                <a:latin typeface="Courier New" panose="02070309020205020404" pitchFamily="49" charset="0"/>
-                <a:cs typeface="Courier New" panose="02070309020205020404" pitchFamily="49" charset="0"/>
-              </a:rPr>
-              <a:t>(','))</a:t>
+              <a:t>cc = cc.map(lambda x : x.split(','))</a:t>
             </a:r>
             <a:br>
               <a:rPr lang="en-US" dirty="0">
@@ -11895,21 +10524,7 @@
                 <a:latin typeface="Courier New" panose="02070309020205020404" pitchFamily="49" charset="0"/>
                 <a:cs typeface="Courier New" panose="02070309020205020404" pitchFamily="49" charset="0"/>
               </a:rPr>
-              <a:t>cc = </a:t>
-            </a:r>
-            <a:r>
-              <a:rPr lang="en-US" dirty="0" err="1">
-                <a:latin typeface="Courier New" panose="02070309020205020404" pitchFamily="49" charset="0"/>
-                <a:cs typeface="Courier New" panose="02070309020205020404" pitchFamily="49" charset="0"/>
-              </a:rPr>
-              <a:t>cc.map</a:t>
-            </a:r>
-            <a:r>
-              <a:rPr lang="en-US" dirty="0">
-                <a:latin typeface="Courier New" panose="02070309020205020404" pitchFamily="49" charset="0"/>
-                <a:cs typeface="Courier New" panose="02070309020205020404" pitchFamily="49" charset="0"/>
-              </a:rPr>
-              <a:t>(lambda x : (x[0][1:], x[1][1:-1], </a:t>
+              <a:t>cc = cc.map(lambda x : (x[0][1:], x[1][1:-1], </a:t>
             </a:r>
             <a:br>
               <a:rPr lang="en-US" dirty="0">
@@ -11922,21 +10537,7 @@
                 <a:latin typeface="Courier New" panose="02070309020205020404" pitchFamily="49" charset="0"/>
                 <a:cs typeface="Courier New" panose="02070309020205020404" pitchFamily="49" charset="0"/>
               </a:rPr>
-              <a:t>  </a:t>
-            </a:r>
-            <a:r>
-              <a:rPr lang="en-US" dirty="0" err="1">
-                <a:latin typeface="Courier New" panose="02070309020205020404" pitchFamily="49" charset="0"/>
-                <a:cs typeface="Courier New" panose="02070309020205020404" pitchFamily="49" charset="0"/>
-              </a:rPr>
-              <a:t>datetime.datetime.strptime</a:t>
-            </a:r>
-            <a:r>
-              <a:rPr lang="en-US" dirty="0">
-                <a:latin typeface="Courier New" panose="02070309020205020404" pitchFamily="49" charset="0"/>
-                <a:cs typeface="Courier New" panose="02070309020205020404" pitchFamily="49" charset="0"/>
-              </a:rPr>
-              <a:t>(x[2], '%d-%b-%y').date(), </a:t>
+              <a:t>  datetime.datetime.strptime(x[2], '%d-%b-%y').date(), </a:t>
             </a:r>
             <a:br>
               <a:rPr lang="en-US" dirty="0">
@@ -11958,32 +10559,11 @@
               </a:rPr>
             </a:br>
             <a:r>
-              <a:rPr lang="en-US" dirty="0" err="1">
-                <a:latin typeface="Courier New" panose="02070309020205020404" pitchFamily="49" charset="0"/>
-                <a:cs typeface="Courier New" panose="02070309020205020404" pitchFamily="49" charset="0"/>
-              </a:rPr>
-              <a:t>df</a:t>
-            </a:r>
-            <a:r>
-              <a:rPr lang="en-US" dirty="0">
-                <a:latin typeface="Courier New" panose="02070309020205020404" pitchFamily="49" charset="0"/>
-                <a:cs typeface="Courier New" panose="02070309020205020404" pitchFamily="49" charset="0"/>
-              </a:rPr>
-              <a:t> = </a:t>
-            </a:r>
-            <a:r>
-              <a:rPr lang="en-US" dirty="0" err="1">
-                <a:latin typeface="Courier New" panose="02070309020205020404" pitchFamily="49" charset="0"/>
-                <a:cs typeface="Courier New" panose="02070309020205020404" pitchFamily="49" charset="0"/>
-              </a:rPr>
-              <a:t>cc.toDF</a:t>
-            </a:r>
-            <a:r>
-              <a:rPr lang="en-US" dirty="0">
-                <a:latin typeface="Courier New" panose="02070309020205020404" pitchFamily="49" charset="0"/>
-                <a:cs typeface="Courier New" panose="02070309020205020404" pitchFamily="49" charset="0"/>
-              </a:rPr>
-              <a:t>()</a:t>
+              <a:rPr lang="en-US" dirty="0">
+                <a:latin typeface="Courier New" panose="02070309020205020404" pitchFamily="49" charset="0"/>
+                <a:cs typeface="Courier New" panose="02070309020205020404" pitchFamily="49" charset="0"/>
+              </a:rPr>
+              <a:t>df = cc.toDF()</a:t>
             </a:r>
             <a:br>
               <a:rPr lang="en-US" dirty="0">
@@ -11992,18 +10572,11 @@
               </a:rPr>
             </a:br>
             <a:r>
-              <a:rPr lang="en-US" dirty="0" err="1">
-                <a:latin typeface="Courier New" panose="02070309020205020404" pitchFamily="49" charset="0"/>
-                <a:cs typeface="Courier New" panose="02070309020205020404" pitchFamily="49" charset="0"/>
-              </a:rPr>
-              <a:t>df.show</a:t>
-            </a:r>
-            <a:r>
-              <a:rPr lang="en-US" dirty="0">
-                <a:latin typeface="Courier New" panose="02070309020205020404" pitchFamily="49" charset="0"/>
-                <a:cs typeface="Courier New" panose="02070309020205020404" pitchFamily="49" charset="0"/>
-              </a:rPr>
-              <a:t>()</a:t>
+              <a:rPr lang="en-US" dirty="0">
+                <a:latin typeface="Courier New" panose="02070309020205020404" pitchFamily="49" charset="0"/>
+                <a:cs typeface="Courier New" panose="02070309020205020404" pitchFamily="49" charset="0"/>
+              </a:rPr>
+              <a:t>df.show()</a:t>
             </a:r>
             <a:br>
               <a:rPr lang="en-US" dirty="0">
@@ -12012,46 +10585,11 @@
               </a:rPr>
             </a:br>
             <a:r>
-              <a:rPr lang="en-US" dirty="0" err="1">
-                <a:latin typeface="Courier New" panose="02070309020205020404" pitchFamily="49" charset="0"/>
-                <a:cs typeface="Courier New" panose="02070309020205020404" pitchFamily="49" charset="0"/>
-              </a:rPr>
-              <a:t>df</a:t>
-            </a:r>
-            <a:r>
-              <a:rPr lang="en-US" dirty="0">
-                <a:latin typeface="Courier New" panose="02070309020205020404" pitchFamily="49" charset="0"/>
-                <a:cs typeface="Courier New" panose="02070309020205020404" pitchFamily="49" charset="0"/>
-              </a:rPr>
-              <a:t> = </a:t>
-            </a:r>
-            <a:r>
-              <a:rPr lang="en-US" dirty="0" err="1">
-                <a:latin typeface="Courier New" panose="02070309020205020404" pitchFamily="49" charset="0"/>
-                <a:cs typeface="Courier New" panose="02070309020205020404" pitchFamily="49" charset="0"/>
-              </a:rPr>
-              <a:t>cc.toDF</a:t>
-            </a:r>
-            <a:r>
-              <a:rPr lang="en-US" dirty="0">
-                <a:latin typeface="Courier New" panose="02070309020205020404" pitchFamily="49" charset="0"/>
-                <a:cs typeface="Courier New" panose="02070309020205020404" pitchFamily="49" charset="0"/>
-              </a:rPr>
-              <a:t>(['City', 'Country', 'Date', '</a:t>
-            </a:r>
-            <a:r>
-              <a:rPr lang="en-US" dirty="0" err="1">
-                <a:latin typeface="Courier New" panose="02070309020205020404" pitchFamily="49" charset="0"/>
-                <a:cs typeface="Courier New" panose="02070309020205020404" pitchFamily="49" charset="0"/>
-              </a:rPr>
-              <a:t>CardType</a:t>
-            </a:r>
-            <a:r>
-              <a:rPr lang="en-US" dirty="0">
-                <a:latin typeface="Courier New" panose="02070309020205020404" pitchFamily="49" charset="0"/>
-                <a:cs typeface="Courier New" panose="02070309020205020404" pitchFamily="49" charset="0"/>
-              </a:rPr>
-              <a:t>', </a:t>
+              <a:rPr lang="en-US" dirty="0">
+                <a:latin typeface="Courier New" panose="02070309020205020404" pitchFamily="49" charset="0"/>
+                <a:cs typeface="Courier New" panose="02070309020205020404" pitchFamily="49" charset="0"/>
+              </a:rPr>
+              <a:t>df = cc.toDF(['City', 'Country', 'Date', 'CardType', </a:t>
             </a:r>
             <a:br>
               <a:rPr lang="en-US" dirty="0">
@@ -12064,21 +10602,7 @@
                 <a:latin typeface="Courier New" panose="02070309020205020404" pitchFamily="49" charset="0"/>
                 <a:cs typeface="Courier New" panose="02070309020205020404" pitchFamily="49" charset="0"/>
               </a:rPr>
-              <a:t>  '</a:t>
-            </a:r>
-            <a:r>
-              <a:rPr lang="en-US" dirty="0" err="1">
-                <a:latin typeface="Courier New" panose="02070309020205020404" pitchFamily="49" charset="0"/>
-                <a:cs typeface="Courier New" panose="02070309020205020404" pitchFamily="49" charset="0"/>
-              </a:rPr>
-              <a:t>TranType</a:t>
-            </a:r>
-            <a:r>
-              <a:rPr lang="en-US" dirty="0">
-                <a:latin typeface="Courier New" panose="02070309020205020404" pitchFamily="49" charset="0"/>
-                <a:cs typeface="Courier New" panose="02070309020205020404" pitchFamily="49" charset="0"/>
-              </a:rPr>
-              <a:t>', 'Gender', 'Amount'])</a:t>
+              <a:t>  'TranType', 'Gender', 'Amount'])</a:t>
             </a:r>
             <a:br>
               <a:rPr lang="en-US" dirty="0">
@@ -12087,18 +10611,11 @@
               </a:rPr>
             </a:br>
             <a:r>
-              <a:rPr lang="en-US" dirty="0" err="1">
-                <a:latin typeface="Courier New" panose="02070309020205020404" pitchFamily="49" charset="0"/>
-                <a:cs typeface="Courier New" panose="02070309020205020404" pitchFamily="49" charset="0"/>
-              </a:rPr>
-              <a:t>df.show</a:t>
-            </a:r>
-            <a:r>
-              <a:rPr lang="en-US" dirty="0">
-                <a:latin typeface="Courier New" panose="02070309020205020404" pitchFamily="49" charset="0"/>
-                <a:cs typeface="Courier New" panose="02070309020205020404" pitchFamily="49" charset="0"/>
-              </a:rPr>
-              <a:t>()</a:t>
+              <a:rPr lang="en-US" dirty="0">
+                <a:latin typeface="Courier New" panose="02070309020205020404" pitchFamily="49" charset="0"/>
+                <a:cs typeface="Courier New" panose="02070309020205020404" pitchFamily="49" charset="0"/>
+              </a:rPr>
+              <a:t>df.show()</a:t>
             </a:r>
           </a:p>
           <a:p>
@@ -12141,13 +10658,8 @@
           <a:p>
             <a:r>
               <a:rPr lang="en-US" dirty="0"/>
-              <a:t>Convert RDD to </a:t>
-            </a:r>
-            <a:r>
-              <a:rPr lang="en-US" dirty="0" err="1"/>
-              <a:t>DataFrame</a:t>
-            </a:r>
-            <a:endParaRPr lang="en-US" dirty="0"/>
+              <a:t>Convert RDD to DataFrame</a:t>
+            </a:r>
           </a:p>
         </p:txBody>
       </p:sp>
@@ -12197,12 +10709,8 @@
           <a:lstStyle/>
           <a:p>
             <a:r>
-              <a:rPr lang="en-US" dirty="0" err="1"/>
-              <a:t>DataFrames</a:t>
-            </a:r>
-            <a:r>
               <a:rPr lang="en-US" dirty="0"/>
-              <a:t> have methods with names similar to SQL commands</a:t>
+              <a:t>DataFrames have methods with names similar to SQL commands</a:t>
             </a:r>
           </a:p>
           <a:p>
@@ -12219,18 +10727,11 @@
               <a:buNone/>
             </a:pPr>
             <a:r>
-              <a:rPr lang="en-US" dirty="0" err="1">
-                <a:latin typeface="Courier New" panose="02070309020205020404" pitchFamily="49" charset="0"/>
-                <a:cs typeface="Courier New" panose="02070309020205020404" pitchFamily="49" charset="0"/>
-              </a:rPr>
-              <a:t>df.select</a:t>
-            </a:r>
-            <a:r>
-              <a:rPr lang="en-US" dirty="0">
-                <a:latin typeface="Courier New" panose="02070309020205020404" pitchFamily="49" charset="0"/>
-                <a:cs typeface="Courier New" panose="02070309020205020404" pitchFamily="49" charset="0"/>
-              </a:rPr>
-              <a:t>('City', 'Country', 'Amount').show(10)</a:t>
+              <a:rPr lang="en-US" dirty="0">
+                <a:latin typeface="Courier New" panose="02070309020205020404" pitchFamily="49" charset="0"/>
+                <a:cs typeface="Courier New" panose="02070309020205020404" pitchFamily="49" charset="0"/>
+              </a:rPr>
+              <a:t>df.select('City', 'Country', 'Amount').show(10)</a:t>
             </a:r>
           </a:p>
           <a:p>
@@ -12247,18 +10748,11 @@
               <a:buNone/>
             </a:pPr>
             <a:r>
-              <a:rPr lang="en-US" dirty="0" err="1">
-                <a:latin typeface="Courier New" panose="02070309020205020404" pitchFamily="49" charset="0"/>
-                <a:cs typeface="Courier New" panose="02070309020205020404" pitchFamily="49" charset="0"/>
-              </a:rPr>
-              <a:t>df.select</a:t>
-            </a:r>
-            <a:r>
-              <a:rPr lang="en-US" dirty="0">
-                <a:latin typeface="Courier New" panose="02070309020205020404" pitchFamily="49" charset="0"/>
-                <a:cs typeface="Courier New" panose="02070309020205020404" pitchFamily="49" charset="0"/>
-              </a:rPr>
-              <a:t>('City', 'Country').distinct().show()</a:t>
+              <a:rPr lang="en-US" dirty="0">
+                <a:latin typeface="Courier New" panose="02070309020205020404" pitchFamily="49" charset="0"/>
+                <a:cs typeface="Courier New" panose="02070309020205020404" pitchFamily="49" charset="0"/>
+              </a:rPr>
+              <a:t>df.select('City', 'Country').distinct().show()</a:t>
             </a:r>
             <a:br>
               <a:rPr lang="en-US" dirty="0">
@@ -12273,32 +10767,11 @@
               </a:rPr>
             </a:br>
             <a:r>
-              <a:rPr lang="en-US" dirty="0" err="1">
-                <a:latin typeface="Courier New" panose="02070309020205020404" pitchFamily="49" charset="0"/>
-                <a:cs typeface="Courier New" panose="02070309020205020404" pitchFamily="49" charset="0"/>
-              </a:rPr>
-              <a:t>df.sort</a:t>
-            </a:r>
-            <a:r>
-              <a:rPr lang="en-US" dirty="0">
-                <a:latin typeface="Courier New" panose="02070309020205020404" pitchFamily="49" charset="0"/>
-                <a:cs typeface="Courier New" panose="02070309020205020404" pitchFamily="49" charset="0"/>
-              </a:rPr>
-              <a:t>(</a:t>
-            </a:r>
-            <a:r>
-              <a:rPr lang="en-US" dirty="0" err="1">
-                <a:latin typeface="Courier New" panose="02070309020205020404" pitchFamily="49" charset="0"/>
-                <a:cs typeface="Courier New" panose="02070309020205020404" pitchFamily="49" charset="0"/>
-              </a:rPr>
-              <a:t>df.Amount</a:t>
-            </a:r>
-            <a:r>
-              <a:rPr lang="en-US" dirty="0">
-                <a:latin typeface="Courier New" panose="02070309020205020404" pitchFamily="49" charset="0"/>
-                <a:cs typeface="Courier New" panose="02070309020205020404" pitchFamily="49" charset="0"/>
-              </a:rPr>
-              <a:t>).show()</a:t>
+              <a:rPr lang="en-US" dirty="0">
+                <a:latin typeface="Courier New" panose="02070309020205020404" pitchFamily="49" charset="0"/>
+                <a:cs typeface="Courier New" panose="02070309020205020404" pitchFamily="49" charset="0"/>
+              </a:rPr>
+              <a:t>df.sort(df.Amount).show()</a:t>
             </a:r>
             <a:br>
               <a:rPr lang="en-US" dirty="0">
@@ -12316,32 +10789,11 @@
               <a:buNone/>
             </a:pPr>
             <a:r>
-              <a:rPr lang="en-US" dirty="0" err="1">
-                <a:latin typeface="Courier New" panose="02070309020205020404" pitchFamily="49" charset="0"/>
-                <a:cs typeface="Courier New" panose="02070309020205020404" pitchFamily="49" charset="0"/>
-              </a:rPr>
-              <a:t>df.sort</a:t>
-            </a:r>
-            <a:r>
-              <a:rPr lang="en-US" dirty="0">
-                <a:latin typeface="Courier New" panose="02070309020205020404" pitchFamily="49" charset="0"/>
-                <a:cs typeface="Courier New" panose="02070309020205020404" pitchFamily="49" charset="0"/>
-              </a:rPr>
-              <a:t>(</a:t>
-            </a:r>
-            <a:r>
-              <a:rPr lang="en-US" dirty="0" err="1">
-                <a:latin typeface="Courier New" panose="02070309020205020404" pitchFamily="49" charset="0"/>
-                <a:cs typeface="Courier New" panose="02070309020205020404" pitchFamily="49" charset="0"/>
-              </a:rPr>
-              <a:t>df.Amount</a:t>
-            </a:r>
-            <a:r>
-              <a:rPr lang="en-US" dirty="0">
-                <a:latin typeface="Courier New" panose="02070309020205020404" pitchFamily="49" charset="0"/>
-                <a:cs typeface="Courier New" panose="02070309020205020404" pitchFamily="49" charset="0"/>
-              </a:rPr>
-              <a:t>, ascending = False).show()</a:t>
+              <a:rPr lang="en-US" dirty="0">
+                <a:latin typeface="Courier New" panose="02070309020205020404" pitchFamily="49" charset="0"/>
+                <a:cs typeface="Courier New" panose="02070309020205020404" pitchFamily="49" charset="0"/>
+              </a:rPr>
+              <a:t>df.sort(df.Amount, ascending = False).show()</a:t>
             </a:r>
           </a:p>
           <a:p>
@@ -12358,46 +10810,11 @@
               <a:buNone/>
             </a:pPr>
             <a:r>
-              <a:rPr lang="en-US" dirty="0" err="1">
-                <a:latin typeface="Courier New" panose="02070309020205020404" pitchFamily="49" charset="0"/>
-                <a:cs typeface="Courier New" panose="02070309020205020404" pitchFamily="49" charset="0"/>
-              </a:rPr>
-              <a:t>df.select</a:t>
-            </a:r>
-            <a:r>
-              <a:rPr lang="en-US" dirty="0">
-                <a:latin typeface="Courier New" panose="02070309020205020404" pitchFamily="49" charset="0"/>
-                <a:cs typeface="Courier New" panose="02070309020205020404" pitchFamily="49" charset="0"/>
-              </a:rPr>
-              <a:t>('City', 'Amount').</a:t>
-            </a:r>
-            <a:r>
-              <a:rPr lang="en-US" dirty="0" err="1">
-                <a:latin typeface="Courier New" panose="02070309020205020404" pitchFamily="49" charset="0"/>
-                <a:cs typeface="Courier New" panose="02070309020205020404" pitchFamily="49" charset="0"/>
-              </a:rPr>
-              <a:t>orderBy</a:t>
-            </a:r>
-            <a:r>
-              <a:rPr lang="en-US" dirty="0">
-                <a:latin typeface="Courier New" panose="02070309020205020404" pitchFamily="49" charset="0"/>
-                <a:cs typeface="Courier New" panose="02070309020205020404" pitchFamily="49" charset="0"/>
-              </a:rPr>
-              <a:t>(</a:t>
-            </a:r>
-            <a:r>
-              <a:rPr lang="en-US" dirty="0" err="1">
-                <a:latin typeface="Courier New" panose="02070309020205020404" pitchFamily="49" charset="0"/>
-                <a:cs typeface="Courier New" panose="02070309020205020404" pitchFamily="49" charset="0"/>
-              </a:rPr>
-              <a:t>df.City</a:t>
-            </a:r>
-            <a:r>
-              <a:rPr lang="en-US" dirty="0">
-                <a:latin typeface="Courier New" panose="02070309020205020404" pitchFamily="49" charset="0"/>
-                <a:cs typeface="Courier New" panose="02070309020205020404" pitchFamily="49" charset="0"/>
-              </a:rPr>
-              <a:t>).show()</a:t>
+              <a:rPr lang="en-US" dirty="0">
+                <a:latin typeface="Courier New" panose="02070309020205020404" pitchFamily="49" charset="0"/>
+                <a:cs typeface="Courier New" panose="02070309020205020404" pitchFamily="49" charset="0"/>
+              </a:rPr>
+              <a:t>df.select('City', 'Amount').orderBy(df.City).show()</a:t>
             </a:r>
           </a:p>
           <a:p>
@@ -12492,11 +10909,7 @@
           <a:p>
             <a:r>
               <a:rPr lang="en-US" dirty="0"/>
-              <a:t>New columns can be added to a </a:t>
-            </a:r>
-            <a:r>
-              <a:rPr lang="en-US" dirty="0" err="1"/>
-              <a:t>DataFrame</a:t>
+              <a:t>New columns can be added to a DataFrame</a:t>
             </a:r>
             <a:br>
               <a:rPr lang="en-US" dirty="0"/>
@@ -12509,35 +10922,7 @@
                 <a:latin typeface="Courier New" panose="02070309020205020404" pitchFamily="49" charset="0"/>
                 <a:cs typeface="Courier New" panose="02070309020205020404" pitchFamily="49" charset="0"/>
               </a:rPr>
-              <a:t>df2 = </a:t>
-            </a:r>
-            <a:r>
-              <a:rPr lang="en-US" dirty="0" err="1">
-                <a:latin typeface="Courier New" panose="02070309020205020404" pitchFamily="49" charset="0"/>
-                <a:cs typeface="Courier New" panose="02070309020205020404" pitchFamily="49" charset="0"/>
-              </a:rPr>
-              <a:t>df.withColumn</a:t>
-            </a:r>
-            <a:r>
-              <a:rPr lang="en-US" dirty="0">
-                <a:latin typeface="Courier New" panose="02070309020205020404" pitchFamily="49" charset="0"/>
-                <a:cs typeface="Courier New" panose="02070309020205020404" pitchFamily="49" charset="0"/>
-              </a:rPr>
-              <a:t>('Discount', </a:t>
-            </a:r>
-            <a:r>
-              <a:rPr lang="en-US" dirty="0" err="1">
-                <a:latin typeface="Courier New" panose="02070309020205020404" pitchFamily="49" charset="0"/>
-                <a:cs typeface="Courier New" panose="02070309020205020404" pitchFamily="49" charset="0"/>
-              </a:rPr>
-              <a:t>df.Amount</a:t>
-            </a:r>
-            <a:r>
-              <a:rPr lang="en-US" dirty="0">
-                <a:latin typeface="Courier New" panose="02070309020205020404" pitchFamily="49" charset="0"/>
-                <a:cs typeface="Courier New" panose="02070309020205020404" pitchFamily="49" charset="0"/>
-              </a:rPr>
-              <a:t> * .03)</a:t>
+              <a:t>df2 = df.withColumn('Discount', df.Amount * .03)</a:t>
             </a:r>
             <a:br>
               <a:rPr lang="en-US" dirty="0">
@@ -13843,28 +12228,51 @@
 
 <file path=customXml/item1.xml><?xml version="1.0" encoding="utf-8"?>
 <?mso-contentType ?>
-<FormTemplates xmlns="http://schemas.microsoft.com/sharepoint/v3/contenttype/forms">
-  <Display>DocumentLibraryForm</Display>
-  <Edit>DocumentLibraryForm</Edit>
-  <New>DocumentLibraryForm</New>
-</FormTemplates>
+<spe:Receivers xmlns:spe="http://schemas.microsoft.com/sharepoint/events">
+  <Receiver>
+    <Name>Document ID Generator</Name>
+    <Synchronization>Synchronous</Synchronization>
+    <Type>10001</Type>
+    <SequenceNumber>1000</SequenceNumber>
+    <Assembly>Microsoft.Office.DocumentManagement, Version=14.0.0.0, Culture=neutral, PublicKeyToken=71e9bce111e9429c</Assembly>
+    <Class>Microsoft.Office.DocumentManagement.Internal.DocIdHandler</Class>
+    <Data/>
+    <Filter/>
+  </Receiver>
+  <Receiver>
+    <Name>Document ID Generator</Name>
+    <Synchronization>Synchronous</Synchronization>
+    <Type>10002</Type>
+    <SequenceNumber>1001</SequenceNumber>
+    <Assembly>Microsoft.Office.DocumentManagement, Version=14.0.0.0, Culture=neutral, PublicKeyToken=71e9bce111e9429c</Assembly>
+    <Class>Microsoft.Office.DocumentManagement.Internal.DocIdHandler</Class>
+    <Data/>
+    <Filter/>
+  </Receiver>
+  <Receiver>
+    <Name>Document ID Generator</Name>
+    <Synchronization>Synchronous</Synchronization>
+    <Type>10004</Type>
+    <SequenceNumber>1002</SequenceNumber>
+    <Assembly>Microsoft.Office.DocumentManagement, Version=14.0.0.0, Culture=neutral, PublicKeyToken=71e9bce111e9429c</Assembly>
+    <Class>Microsoft.Office.DocumentManagement.Internal.DocIdHandler</Class>
+    <Data/>
+    <Filter/>
+  </Receiver>
+  <Receiver>
+    <Name>Document ID Generator</Name>
+    <Synchronization>Synchronous</Synchronization>
+    <Type>10006</Type>
+    <SequenceNumber>1003</SequenceNumber>
+    <Assembly>Microsoft.Office.DocumentManagement, Version=14.0.0.0, Culture=neutral, PublicKeyToken=71e9bce111e9429c</Assembly>
+    <Class>Microsoft.Office.DocumentManagement.Internal.DocIdHandler</Class>
+    <Data/>
+    <Filter/>
+  </Receiver>
+</spe:Receivers>
 </file>
 
 <file path=customXml/item2.xml><?xml version="1.0" encoding="utf-8"?>
-<p:properties xmlns:p="http://schemas.microsoft.com/office/2006/metadata/properties" xmlns:xsi="http://www.w3.org/2001/XMLSchema-instance" xmlns:pc="http://schemas.microsoft.com/office/infopath/2007/PartnerControls">
-  <documentManagement>
-    <_dlc_DocId xmlns="037063e9-a85e-4c78-8627-f1a9315663e5">EVEA5JW6U4JV-6-9770</_dlc_DocId>
-    <_dlc_DocIdUrl xmlns="037063e9-a85e-4c78-8627-f1a9315663e5">
-      <Url>https://portal.roitraining.com/Courses/_layouts/DocIdRedir.aspx?ID=EVEA5JW6U4JV-6-9770</Url>
-      <Description>EVEA5JW6U4JV-6-9770</Description>
-    </_dlc_DocIdUrl>
-    <Date_x0020_last_x0020_used xmlns="027ed24f-5970-4294-be5c-0919c5aaa214" xsi:nil="true"/>
-    <Customization_x0020_Information xmlns="027ed24f-5970-4294-be5c-0919c5aaa214" xsi:nil="true"/>
-  </documentManagement>
-</p:properties>
-</file>
-
-<file path=customXml/item3.xml><?xml version="1.0" encoding="utf-8"?>
 <ct:contentTypeSchema xmlns:ct="http://schemas.microsoft.com/office/2006/metadata/contentType" xmlns:ma="http://schemas.microsoft.com/office/2006/metadata/properties/metaAttributes" ct:_="" ma:_="" ma:contentTypeName="Document" ma:contentTypeID="0x0101006B08A054FD435346B287BB258D6D8C2A" ma:contentTypeVersion="2" ma:contentTypeDescription="Create a new document." ma:contentTypeScope="" ma:versionID="6146b90b4382322d8952632f355192b7">
   <xsd:schema xmlns:xsd="http://www.w3.org/2001/XMLSchema" xmlns:xs="http://www.w3.org/2001/XMLSchema" xmlns:p="http://schemas.microsoft.com/office/2006/metadata/properties" xmlns:ns2="027ed24f-5970-4294-be5c-0919c5aaa214" xmlns:ns3="037063e9-a85e-4c78-8627-f1a9315663e5" targetNamespace="http://schemas.microsoft.com/office/2006/metadata/properties" ma:root="true" ma:fieldsID="b5d91f802dafd2e22aeea528efbe2d3e" ns2:_="" ns3:_="">
     <xsd:import namespace="027ed24f-5970-4294-be5c-0919c5aaa214"/>
@@ -14030,72 +12438,38 @@
 </ct:contentTypeSchema>
 </file>
 
+<file path=customXml/item3.xml><?xml version="1.0" encoding="utf-8"?>
+<p:properties xmlns:p="http://schemas.microsoft.com/office/2006/metadata/properties" xmlns:xsi="http://www.w3.org/2001/XMLSchema-instance" xmlns:pc="http://schemas.microsoft.com/office/infopath/2007/PartnerControls">
+  <documentManagement>
+    <_dlc_DocId xmlns="037063e9-a85e-4c78-8627-f1a9315663e5">EVEA5JW6U4JV-6-9770</_dlc_DocId>
+    <_dlc_DocIdUrl xmlns="037063e9-a85e-4c78-8627-f1a9315663e5">
+      <Url>https://portal.roitraining.com/Courses/_layouts/DocIdRedir.aspx?ID=EVEA5JW6U4JV-6-9770</Url>
+      <Description>EVEA5JW6U4JV-6-9770</Description>
+    </_dlc_DocIdUrl>
+    <Date_x0020_last_x0020_used xmlns="027ed24f-5970-4294-be5c-0919c5aaa214" xsi:nil="true"/>
+    <Customization_x0020_Information xmlns="027ed24f-5970-4294-be5c-0919c5aaa214" xsi:nil="true"/>
+  </documentManagement>
+</p:properties>
+</file>
+
 <file path=customXml/item4.xml><?xml version="1.0" encoding="utf-8"?>
 <?mso-contentType ?>
-<spe:Receivers xmlns:spe="http://schemas.microsoft.com/sharepoint/events">
-  <Receiver>
-    <Name>Document ID Generator</Name>
-    <Synchronization>Synchronous</Synchronization>
-    <Type>10001</Type>
-    <SequenceNumber>1000</SequenceNumber>
-    <Assembly>Microsoft.Office.DocumentManagement, Version=14.0.0.0, Culture=neutral, PublicKeyToken=71e9bce111e9429c</Assembly>
-    <Class>Microsoft.Office.DocumentManagement.Internal.DocIdHandler</Class>
-    <Data/>
-    <Filter/>
-  </Receiver>
-  <Receiver>
-    <Name>Document ID Generator</Name>
-    <Synchronization>Synchronous</Synchronization>
-    <Type>10002</Type>
-    <SequenceNumber>1001</SequenceNumber>
-    <Assembly>Microsoft.Office.DocumentManagement, Version=14.0.0.0, Culture=neutral, PublicKeyToken=71e9bce111e9429c</Assembly>
-    <Class>Microsoft.Office.DocumentManagement.Internal.DocIdHandler</Class>
-    <Data/>
-    <Filter/>
-  </Receiver>
-  <Receiver>
-    <Name>Document ID Generator</Name>
-    <Synchronization>Synchronous</Synchronization>
-    <Type>10004</Type>
-    <SequenceNumber>1002</SequenceNumber>
-    <Assembly>Microsoft.Office.DocumentManagement, Version=14.0.0.0, Culture=neutral, PublicKeyToken=71e9bce111e9429c</Assembly>
-    <Class>Microsoft.Office.DocumentManagement.Internal.DocIdHandler</Class>
-    <Data/>
-    <Filter/>
-  </Receiver>
-  <Receiver>
-    <Name>Document ID Generator</Name>
-    <Synchronization>Synchronous</Synchronization>
-    <Type>10006</Type>
-    <SequenceNumber>1003</SequenceNumber>
-    <Assembly>Microsoft.Office.DocumentManagement, Version=14.0.0.0, Culture=neutral, PublicKeyToken=71e9bce111e9429c</Assembly>
-    <Class>Microsoft.Office.DocumentManagement.Internal.DocIdHandler</Class>
-    <Data/>
-    <Filter/>
-  </Receiver>
-</spe:Receivers>
+<FormTemplates xmlns="http://schemas.microsoft.com/sharepoint/v3/contenttype/forms">
+  <Display>DocumentLibraryForm</Display>
+  <Edit>DocumentLibraryForm</Edit>
+  <New>DocumentLibraryForm</New>
+</FormTemplates>
 </file>
 
 <file path=customXml/itemProps1.xml><?xml version="1.0" encoding="utf-8"?>
-<ds:datastoreItem xmlns:ds="http://schemas.openxmlformats.org/officeDocument/2006/customXml" ds:itemID="{2DA015F3-603C-4688-A5F3-81D587DAB8C9}">
+<ds:datastoreItem xmlns:ds="http://schemas.openxmlformats.org/officeDocument/2006/customXml" ds:itemID="{B9043294-8302-4947-B882-02D6486F929C}">
   <ds:schemaRefs>
-    <ds:schemaRef ds:uri="http://schemas.microsoft.com/sharepoint/v3/contenttype/forms"/>
+    <ds:schemaRef ds:uri="http://schemas.microsoft.com/sharepoint/events"/>
   </ds:schemaRefs>
 </ds:datastoreItem>
 </file>
 
 <file path=customXml/itemProps2.xml><?xml version="1.0" encoding="utf-8"?>
-<ds:datastoreItem xmlns:ds="http://schemas.openxmlformats.org/officeDocument/2006/customXml" ds:itemID="{F47B9207-CE5C-49AD-B414-15CBFA246D65}">
-  <ds:schemaRefs>
-    <ds:schemaRef ds:uri="http://schemas.microsoft.com/office/2006/metadata/properties"/>
-    <ds:schemaRef ds:uri="http://schemas.microsoft.com/office/infopath/2007/PartnerControls"/>
-    <ds:schemaRef ds:uri="037063e9-a85e-4c78-8627-f1a9315663e5"/>
-    <ds:schemaRef ds:uri="027ed24f-5970-4294-be5c-0919c5aaa214"/>
-  </ds:schemaRefs>
-</ds:datastoreItem>
-</file>
-
-<file path=customXml/itemProps3.xml><?xml version="1.0" encoding="utf-8"?>
 <ds:datastoreItem xmlns:ds="http://schemas.openxmlformats.org/officeDocument/2006/customXml" ds:itemID="{B8E0886B-5092-4138-9EEE-28D3BFD5A483}">
   <ds:schemaRefs>
     <ds:schemaRef ds:uri="http://schemas.microsoft.com/office/2006/metadata/contentType"/>
@@ -14114,10 +12488,27 @@
 </ds:datastoreItem>
 </file>
 
+<file path=customXml/itemProps3.xml><?xml version="1.0" encoding="utf-8"?>
+<ds:datastoreItem xmlns:ds="http://schemas.openxmlformats.org/officeDocument/2006/customXml" ds:itemID="{F47B9207-CE5C-49AD-B414-15CBFA246D65}">
+  <ds:schemaRefs>
+    <ds:schemaRef ds:uri="http://purl.org/dc/terms/"/>
+    <ds:schemaRef ds:uri="037063e9-a85e-4c78-8627-f1a9315663e5"/>
+    <ds:schemaRef ds:uri="http://schemas.microsoft.com/office/2006/documentManagement/types"/>
+    <ds:schemaRef ds:uri="http://schemas.microsoft.com/office/infopath/2007/PartnerControls"/>
+    <ds:schemaRef ds:uri="http://purl.org/dc/elements/1.1/"/>
+    <ds:schemaRef ds:uri="http://schemas.microsoft.com/office/2006/metadata/properties"/>
+    <ds:schemaRef ds:uri="http://schemas.openxmlformats.org/package/2006/metadata/core-properties"/>
+    <ds:schemaRef ds:uri="027ed24f-5970-4294-be5c-0919c5aaa214"/>
+    <ds:schemaRef ds:uri="http://www.w3.org/XML/1998/namespace"/>
+    <ds:schemaRef ds:uri="http://purl.org/dc/dcmitype/"/>
+  </ds:schemaRefs>
+</ds:datastoreItem>
+</file>
+
 <file path=customXml/itemProps4.xml><?xml version="1.0" encoding="utf-8"?>
-<ds:datastoreItem xmlns:ds="http://schemas.openxmlformats.org/officeDocument/2006/customXml" ds:itemID="{B9043294-8302-4947-B882-02D6486F929C}">
+<ds:datastoreItem xmlns:ds="http://schemas.openxmlformats.org/officeDocument/2006/customXml" ds:itemID="{2DA015F3-603C-4688-A5F3-81D587DAB8C9}">
   <ds:schemaRefs>
-    <ds:schemaRef ds:uri="http://schemas.microsoft.com/sharepoint/events"/>
+    <ds:schemaRef ds:uri="http://schemas.microsoft.com/sharepoint/v3/contenttype/forms"/>
   </ds:schemaRefs>
 </ds:datastoreItem>
 </file>